--- a/nose based ATS.pptx
+++ b/nose based ATS.pptx
@@ -106,6 +106,11 @@
       </a:defRPr>
     </a:lvl9pPr>
   </p:defaultTextStyle>
+  <p:extLst>
+    <p:ext uri="{EFAFB233-063F-42B5-8137-9DF3F51BA10A}">
+      <p15:sldGuideLst xmlns:p15="http://schemas.microsoft.com/office/powerpoint/2012/main"/>
+    </p:ext>
+  </p:extLst>
 </p:presentation>
 </file>
 
@@ -832,7 +837,7 @@
             <a:fld id="{B61BEF0D-F0BB-DE4B-95CE-6DB70DBA9567}" type="datetimeFigureOut">
               <a:rPr lang="en-US" dirty="0"/>
               <a:pPr/>
-              <a:t>8/26/2017</a:t>
+              <a:t>8/30/2017</a:t>
             </a:fld>
             <a:endParaRPr lang="en-US" dirty="0"/>
           </a:p>
@@ -1080,7 +1085,7 @@
             <a:fld id="{B61BEF0D-F0BB-DE4B-95CE-6DB70DBA9567}" type="datetimeFigureOut">
               <a:rPr lang="en-US" dirty="0"/>
               <a:pPr/>
-              <a:t>8/26/2017</a:t>
+              <a:t>8/30/2017</a:t>
             </a:fld>
             <a:endParaRPr lang="en-US" dirty="0"/>
           </a:p>
@@ -1391,7 +1396,7 @@
             <a:fld id="{B61BEF0D-F0BB-DE4B-95CE-6DB70DBA9567}" type="datetimeFigureOut">
               <a:rPr lang="en-US" dirty="0"/>
               <a:pPr/>
-              <a:t>8/26/2017</a:t>
+              <a:t>8/30/2017</a:t>
             </a:fld>
             <a:endParaRPr lang="en-US" dirty="0"/>
           </a:p>
@@ -1729,7 +1734,7 @@
             <a:fld id="{B61BEF0D-F0BB-DE4B-95CE-6DB70DBA9567}" type="datetimeFigureOut">
               <a:rPr lang="en-US" dirty="0"/>
               <a:pPr/>
-              <a:t>8/26/2017</a:t>
+              <a:t>8/30/2017</a:t>
             </a:fld>
             <a:endParaRPr lang="en-US" dirty="0"/>
           </a:p>
@@ -2040,7 +2045,7 @@
             <a:fld id="{B61BEF0D-F0BB-DE4B-95CE-6DB70DBA9567}" type="datetimeFigureOut">
               <a:rPr lang="en-US" dirty="0"/>
               <a:pPr/>
-              <a:t>8/26/2017</a:t>
+              <a:t>8/30/2017</a:t>
             </a:fld>
             <a:endParaRPr lang="en-US" dirty="0"/>
           </a:p>
@@ -2430,7 +2435,7 @@
             <a:fld id="{B61BEF0D-F0BB-DE4B-95CE-6DB70DBA9567}" type="datetimeFigureOut">
               <a:rPr lang="en-US" dirty="0"/>
               <a:pPr/>
-              <a:t>8/26/2017</a:t>
+              <a:t>8/30/2017</a:t>
             </a:fld>
             <a:endParaRPr lang="en-US" dirty="0"/>
           </a:p>
@@ -2596,7 +2601,7 @@
           <a:p>
             <a:fld id="{55C6B4A9-1611-4792-9094-5F34BCA07E0B}" type="datetimeFigureOut">
               <a:rPr lang="en-US" dirty="0"/>
-              <a:t>8/26/2017</a:t>
+              <a:t>8/30/2017</a:t>
             </a:fld>
             <a:endParaRPr lang="en-US" dirty="0"/>
           </a:p>
@@ -2772,7 +2777,7 @@
             <a:fld id="{B61BEF0D-F0BB-DE4B-95CE-6DB70DBA9567}" type="datetimeFigureOut">
               <a:rPr lang="en-US" dirty="0"/>
               <a:pPr/>
-              <a:t>8/26/2017</a:t>
+              <a:t>8/30/2017</a:t>
             </a:fld>
             <a:endParaRPr lang="en-US" dirty="0"/>
           </a:p>
@@ -2945,7 +2950,7 @@
             <a:fld id="{B61BEF0D-F0BB-DE4B-95CE-6DB70DBA9567}" type="datetimeFigureOut">
               <a:rPr lang="en-US" dirty="0"/>
               <a:pPr/>
-              <a:t>8/26/2017</a:t>
+              <a:t>8/30/2017</a:t>
             </a:fld>
             <a:endParaRPr lang="en-US" dirty="0"/>
           </a:p>
@@ -3189,7 +3194,7 @@
             <a:fld id="{B61BEF0D-F0BB-DE4B-95CE-6DB70DBA9567}" type="datetimeFigureOut">
               <a:rPr lang="en-US" dirty="0"/>
               <a:pPr/>
-              <a:t>8/26/2017</a:t>
+              <a:t>8/30/2017</a:t>
             </a:fld>
             <a:endParaRPr lang="en-US" dirty="0"/>
           </a:p>
@@ -3417,7 +3422,7 @@
           <a:p>
             <a:fld id="{EB712588-04B1-427B-82EE-E8DB90309F08}" type="datetimeFigureOut">
               <a:rPr lang="en-US" dirty="0"/>
-              <a:t>8/26/2017</a:t>
+              <a:t>8/30/2017</a:t>
             </a:fld>
             <a:endParaRPr lang="en-US" dirty="0"/>
           </a:p>
@@ -3787,7 +3792,7 @@
             <a:fld id="{B61BEF0D-F0BB-DE4B-95CE-6DB70DBA9567}" type="datetimeFigureOut">
               <a:rPr lang="en-US" dirty="0"/>
               <a:pPr/>
-              <a:t>8/26/2017</a:t>
+              <a:t>8/30/2017</a:t>
             </a:fld>
             <a:endParaRPr lang="en-US" dirty="0"/>
           </a:p>
@@ -3907,7 +3912,7 @@
             <a:fld id="{B61BEF0D-F0BB-DE4B-95CE-6DB70DBA9567}" type="datetimeFigureOut">
               <a:rPr lang="en-US" dirty="0"/>
               <a:pPr/>
-              <a:t>8/26/2017</a:t>
+              <a:t>8/30/2017</a:t>
             </a:fld>
             <a:endParaRPr lang="en-US" dirty="0"/>
           </a:p>
@@ -3999,7 +4004,7 @@
             <a:fld id="{B61BEF0D-F0BB-DE4B-95CE-6DB70DBA9567}" type="datetimeFigureOut">
               <a:rPr lang="en-US" dirty="0"/>
               <a:pPr/>
-              <a:t>8/26/2017</a:t>
+              <a:t>8/30/2017</a:t>
             </a:fld>
             <a:endParaRPr lang="en-US" dirty="0"/>
           </a:p>
@@ -4250,7 +4255,7 @@
           <a:p>
             <a:fld id="{42A54C80-263E-416B-A8E0-580EDEADCBDC}" type="datetimeFigureOut">
               <a:rPr lang="en-US" dirty="0"/>
-              <a:t>8/26/2017</a:t>
+              <a:t>8/30/2017</a:t>
             </a:fld>
             <a:endParaRPr lang="en-US" dirty="0"/>
           </a:p>
@@ -4509,7 +4514,7 @@
             <a:fld id="{B61BEF0D-F0BB-DE4B-95CE-6DB70DBA9567}" type="datetimeFigureOut">
               <a:rPr lang="en-US" dirty="0"/>
               <a:pPr/>
-              <a:t>8/26/2017</a:t>
+              <a:t>8/30/2017</a:t>
             </a:fld>
             <a:endParaRPr lang="en-US" dirty="0"/>
           </a:p>
@@ -5249,7 +5254,7 @@
             <a:fld id="{B61BEF0D-F0BB-DE4B-95CE-6DB70DBA9567}" type="datetimeFigureOut">
               <a:rPr lang="en-US" dirty="0"/>
               <a:pPr/>
-              <a:t>8/26/2017</a:t>
+              <a:t>8/30/2017</a:t>
             </a:fld>
             <a:endParaRPr lang="en-US" dirty="0"/>
           </a:p>
@@ -5861,7 +5866,7 @@
         </p:nvSpPr>
         <p:spPr>
           <a:xfrm>
-            <a:off x="2368610" y="1468173"/>
+            <a:off x="1057635" y="581935"/>
             <a:ext cx="1786071" cy="1025495"/>
           </a:xfrm>
           <a:prstGeom prst="roundRect">
@@ -5904,7 +5909,7 @@
         </p:nvSpPr>
         <p:spPr>
           <a:xfrm>
-            <a:off x="4995017" y="1468173"/>
+            <a:off x="3684042" y="581935"/>
             <a:ext cx="1786071" cy="1025495"/>
           </a:xfrm>
           <a:prstGeom prst="roundRect">
@@ -5947,7 +5952,7 @@
         </p:nvSpPr>
         <p:spPr>
           <a:xfrm>
-            <a:off x="7621425" y="1468173"/>
+            <a:off x="6310450" y="581935"/>
             <a:ext cx="1786071" cy="1025495"/>
           </a:xfrm>
           <a:prstGeom prst="roundRect">
@@ -5990,7 +5995,7 @@
         </p:nvSpPr>
         <p:spPr>
           <a:xfrm>
-            <a:off x="4385417" y="1895462"/>
+            <a:off x="3074442" y="1009224"/>
             <a:ext cx="384561" cy="222191"/>
           </a:xfrm>
           <a:prstGeom prst="stripedRightArrow">
@@ -6033,7 +6038,7 @@
         </p:nvSpPr>
         <p:spPr>
           <a:xfrm>
-            <a:off x="7006127" y="1895462"/>
+            <a:off x="5695152" y="1009224"/>
             <a:ext cx="384561" cy="222191"/>
           </a:xfrm>
           <a:prstGeom prst="stripedRightArrow">
@@ -6076,7 +6081,7 @@
         </p:nvSpPr>
         <p:spPr>
           <a:xfrm>
-            <a:off x="3112094" y="2758587"/>
+            <a:off x="1801119" y="1872349"/>
             <a:ext cx="239282" cy="384561"/>
           </a:xfrm>
           <a:prstGeom prst="downArrow">
@@ -6119,7 +6124,7 @@
         </p:nvSpPr>
         <p:spPr>
           <a:xfrm>
-            <a:off x="5768411" y="2758586"/>
+            <a:off x="4457436" y="1872348"/>
             <a:ext cx="239282" cy="384561"/>
           </a:xfrm>
           <a:prstGeom prst="downArrow">
@@ -6162,7 +6167,7 @@
         </p:nvSpPr>
         <p:spPr>
           <a:xfrm>
-            <a:off x="1984049" y="3467888"/>
+            <a:off x="1197216" y="2521827"/>
             <a:ext cx="2486826" cy="2444098"/>
           </a:xfrm>
           <a:prstGeom prst="roundRect">
@@ -6205,7 +6210,7 @@
         </p:nvSpPr>
         <p:spPr>
           <a:xfrm>
-            <a:off x="2141433" y="4356651"/>
+            <a:off x="1458573" y="3442874"/>
             <a:ext cx="984194" cy="991312"/>
           </a:xfrm>
           <a:prstGeom prst="roundRect">
@@ -6255,7 +6260,7 @@
         </p:nvSpPr>
         <p:spPr>
           <a:xfrm>
-            <a:off x="4577697" y="3467888"/>
+            <a:off x="2973980" y="2521827"/>
             <a:ext cx="2486826" cy="2444098"/>
           </a:xfrm>
           <a:prstGeom prst="roundRect">
@@ -6292,24 +6297,401 @@
       </p:sp>
       <p:sp>
         <p:nvSpPr>
-          <p:cNvPr id="17" name="圆角矩形 16"/>
+          <p:cNvPr id="19" name="文本框 18"/>
+          <p:cNvSpPr txBox="1"/>
+          <p:nvPr/>
+        </p:nvSpPr>
+        <p:spPr>
+          <a:xfrm>
+            <a:off x="1257392" y="910016"/>
+            <a:ext cx="1318189" cy="400110"/>
+          </a:xfrm>
+          <a:prstGeom prst="rect">
+            <a:avLst/>
+          </a:prstGeom>
+          <a:noFill/>
+        </p:spPr>
+        <p:txBody>
+          <a:bodyPr wrap="square" rtlCol="0">
+            <a:spAutoFit/>
+          </a:bodyPr>
+          <a:lstStyle/>
+          <a:p>
+            <a:pPr algn="ctr"/>
+            <a:r>
+              <a:rPr lang="en-US" altLang="zh-CN" sz="2000" b="1" dirty="0" smtClean="0">
+                <a:latin typeface="宋体" panose="02010600030101010101" pitchFamily="2" charset="-122"/>
+                <a:ea typeface="宋体" panose="02010600030101010101" pitchFamily="2" charset="-122"/>
+              </a:rPr>
+              <a:t>CLI</a:t>
+            </a:r>
+            <a:endParaRPr lang="zh-CN" altLang="en-US" sz="2000" b="1" dirty="0">
+              <a:latin typeface="宋体" panose="02010600030101010101" pitchFamily="2" charset="-122"/>
+              <a:ea typeface="宋体" panose="02010600030101010101" pitchFamily="2" charset="-122"/>
+            </a:endParaRPr>
+          </a:p>
+        </p:txBody>
+      </p:sp>
+      <p:sp>
+        <p:nvSpPr>
+          <p:cNvPr id="22" name="文本框 21"/>
+          <p:cNvSpPr txBox="1"/>
+          <p:nvPr/>
+        </p:nvSpPr>
+        <p:spPr>
+          <a:xfrm>
+            <a:off x="-214931" y="-64396"/>
+            <a:ext cx="2167425" cy="646331"/>
+          </a:xfrm>
+          <a:prstGeom prst="rect">
+            <a:avLst/>
+          </a:prstGeom>
+          <a:noFill/>
+        </p:spPr>
+        <p:txBody>
+          <a:bodyPr wrap="square" rtlCol="0">
+            <a:spAutoFit/>
+          </a:bodyPr>
+          <a:lstStyle/>
+          <a:p>
+            <a:r>
+              <a:rPr lang="zh-CN" altLang="en-US" sz="2800" b="1" dirty="0" smtClean="0"/>
+              <a:t> </a:t>
+            </a:r>
+            <a:r>
+              <a:rPr lang="zh-CN" altLang="en-US" sz="3600" b="1" dirty="0" smtClean="0">
+                <a:effectLst>
+                  <a:outerShdw blurRad="38100" dist="38100" dir="2700000" algn="tl">
+                    <a:srgbClr val="000000">
+                      <a:alpha val="43137"/>
+                    </a:srgbClr>
+                  </a:outerShdw>
+                </a:effectLst>
+              </a:rPr>
+              <a:t>工作</a:t>
+            </a:r>
+            <a:r>
+              <a:rPr lang="zh-CN" altLang="en-US" sz="3600" b="1" dirty="0" smtClean="0">
+                <a:effectLst>
+                  <a:outerShdw blurRad="38100" dist="38100" dir="2700000" algn="tl">
+                    <a:srgbClr val="000000">
+                      <a:alpha val="43137"/>
+                    </a:srgbClr>
+                  </a:outerShdw>
+                </a:effectLst>
+              </a:rPr>
+              <a:t>流程</a:t>
+            </a:r>
+            <a:endParaRPr lang="zh-CN" altLang="en-US" sz="3600" b="1" dirty="0">
+              <a:effectLst>
+                <a:outerShdw blurRad="38100" dist="38100" dir="2700000" algn="tl">
+                  <a:srgbClr val="000000">
+                    <a:alpha val="43137"/>
+                  </a:srgbClr>
+                </a:outerShdw>
+              </a:effectLst>
+            </a:endParaRPr>
+          </a:p>
+        </p:txBody>
+      </p:sp>
+      <p:sp>
+        <p:nvSpPr>
+          <p:cNvPr id="23" name="文本框 22"/>
+          <p:cNvSpPr txBox="1"/>
+          <p:nvPr/>
+        </p:nvSpPr>
+        <p:spPr>
+          <a:xfrm>
+            <a:off x="3937568" y="910016"/>
+            <a:ext cx="1264777" cy="400110"/>
+          </a:xfrm>
+          <a:prstGeom prst="rect">
+            <a:avLst/>
+          </a:prstGeom>
+          <a:noFill/>
+        </p:spPr>
+        <p:txBody>
+          <a:bodyPr wrap="square" rtlCol="0">
+            <a:spAutoFit/>
+          </a:bodyPr>
+          <a:lstStyle/>
+          <a:p>
+            <a:pPr algn="ctr"/>
+            <a:r>
+              <a:rPr lang="en-US" altLang="zh-CN" sz="2000" b="1" dirty="0" smtClean="0">
+                <a:latin typeface="宋体" panose="02010600030101010101" pitchFamily="2" charset="-122"/>
+                <a:ea typeface="宋体" panose="02010600030101010101" pitchFamily="2" charset="-122"/>
+              </a:rPr>
+              <a:t>nose</a:t>
+            </a:r>
+            <a:endParaRPr lang="zh-CN" altLang="en-US" sz="2000" b="1" dirty="0">
+              <a:latin typeface="宋体" panose="02010600030101010101" pitchFamily="2" charset="-122"/>
+              <a:ea typeface="宋体" panose="02010600030101010101" pitchFamily="2" charset="-122"/>
+            </a:endParaRPr>
+          </a:p>
+        </p:txBody>
+      </p:sp>
+      <p:sp>
+        <p:nvSpPr>
+          <p:cNvPr id="24" name="文本框 23"/>
+          <p:cNvSpPr txBox="1"/>
+          <p:nvPr/>
+        </p:nvSpPr>
+        <p:spPr>
+          <a:xfrm>
+            <a:off x="2922042" y="1186823"/>
+            <a:ext cx="683663" cy="707886"/>
+          </a:xfrm>
+          <a:prstGeom prst="rect">
+            <a:avLst/>
+          </a:prstGeom>
+          <a:noFill/>
+        </p:spPr>
+        <p:txBody>
+          <a:bodyPr wrap="square" rtlCol="0">
+            <a:spAutoFit/>
+          </a:bodyPr>
+          <a:lstStyle/>
+          <a:p>
+            <a:r>
+              <a:rPr lang="zh-CN" altLang="en-US" sz="2000" b="1" dirty="0" smtClean="0">
+                <a:latin typeface="宋体" panose="02010600030101010101" pitchFamily="2" charset="-122"/>
+                <a:ea typeface="宋体" panose="02010600030101010101" pitchFamily="2" charset="-122"/>
+              </a:rPr>
+              <a:t>调用</a:t>
+            </a:r>
+            <a:endParaRPr lang="zh-CN" altLang="en-US" sz="2000" b="1" dirty="0">
+              <a:latin typeface="宋体" panose="02010600030101010101" pitchFamily="2" charset="-122"/>
+              <a:ea typeface="宋体" panose="02010600030101010101" pitchFamily="2" charset="-122"/>
+            </a:endParaRPr>
+          </a:p>
+        </p:txBody>
+      </p:sp>
+      <p:sp>
+        <p:nvSpPr>
+          <p:cNvPr id="25" name="文本框 24"/>
+          <p:cNvSpPr txBox="1"/>
+          <p:nvPr/>
+        </p:nvSpPr>
+        <p:spPr>
+          <a:xfrm>
+            <a:off x="5548450" y="1195369"/>
+            <a:ext cx="683663" cy="707886"/>
+          </a:xfrm>
+          <a:prstGeom prst="rect">
+            <a:avLst/>
+          </a:prstGeom>
+          <a:noFill/>
+        </p:spPr>
+        <p:txBody>
+          <a:bodyPr wrap="square" rtlCol="0">
+            <a:spAutoFit/>
+          </a:bodyPr>
+          <a:lstStyle/>
+          <a:p>
+            <a:r>
+              <a:rPr lang="zh-CN" altLang="en-US" sz="2000" b="1" dirty="0">
+                <a:latin typeface="宋体" panose="02010600030101010101" pitchFamily="2" charset="-122"/>
+                <a:ea typeface="宋体" panose="02010600030101010101" pitchFamily="2" charset="-122"/>
+              </a:rPr>
+              <a:t>生成</a:t>
+            </a:r>
+          </a:p>
+        </p:txBody>
+      </p:sp>
+      <p:sp>
+        <p:nvSpPr>
+          <p:cNvPr id="26" name="文本框 25"/>
+          <p:cNvSpPr txBox="1"/>
+          <p:nvPr/>
+        </p:nvSpPr>
+        <p:spPr>
+          <a:xfrm>
+            <a:off x="6457152" y="910016"/>
+            <a:ext cx="1264777" cy="400110"/>
+          </a:xfrm>
+          <a:prstGeom prst="rect">
+            <a:avLst/>
+          </a:prstGeom>
+          <a:noFill/>
+        </p:spPr>
+        <p:txBody>
+          <a:bodyPr wrap="square" rtlCol="0">
+            <a:spAutoFit/>
+          </a:bodyPr>
+          <a:lstStyle/>
+          <a:p>
+            <a:pPr algn="ctr"/>
+            <a:r>
+              <a:rPr lang="zh-CN" altLang="en-US" sz="2000" b="1" dirty="0" smtClean="0">
+                <a:latin typeface="宋体" panose="02010600030101010101" pitchFamily="2" charset="-122"/>
+                <a:ea typeface="宋体" panose="02010600030101010101" pitchFamily="2" charset="-122"/>
+              </a:rPr>
+              <a:t>报告</a:t>
+            </a:r>
+            <a:endParaRPr lang="zh-CN" altLang="en-US" sz="2000" b="1" dirty="0">
+              <a:latin typeface="宋体" panose="02010600030101010101" pitchFamily="2" charset="-122"/>
+              <a:ea typeface="宋体" panose="02010600030101010101" pitchFamily="2" charset="-122"/>
+            </a:endParaRPr>
+          </a:p>
+        </p:txBody>
+      </p:sp>
+      <p:sp>
+        <p:nvSpPr>
+          <p:cNvPr id="27" name="文本框 26"/>
+          <p:cNvSpPr txBox="1"/>
+          <p:nvPr/>
+        </p:nvSpPr>
+        <p:spPr>
+          <a:xfrm>
+            <a:off x="2083139" y="1769799"/>
+            <a:ext cx="492443" cy="649481"/>
+          </a:xfrm>
+          <a:prstGeom prst="rect">
+            <a:avLst/>
+          </a:prstGeom>
+          <a:noFill/>
+        </p:spPr>
+        <p:txBody>
+          <a:bodyPr vert="eaVert" wrap="square" rtlCol="0">
+            <a:spAutoFit/>
+          </a:bodyPr>
+          <a:lstStyle/>
+          <a:p>
+            <a:r>
+              <a:rPr lang="zh-CN" altLang="en-US" sz="2000" b="1" dirty="0" smtClean="0">
+                <a:latin typeface="宋体" panose="02010600030101010101" pitchFamily="2" charset="-122"/>
+                <a:ea typeface="宋体" panose="02010600030101010101" pitchFamily="2" charset="-122"/>
+              </a:rPr>
+              <a:t>管理</a:t>
+            </a:r>
+            <a:endParaRPr lang="zh-CN" altLang="en-US" sz="2000" b="1" dirty="0">
+              <a:latin typeface="宋体" panose="02010600030101010101" pitchFamily="2" charset="-122"/>
+              <a:ea typeface="宋体" panose="02010600030101010101" pitchFamily="2" charset="-122"/>
+            </a:endParaRPr>
+          </a:p>
+        </p:txBody>
+      </p:sp>
+      <p:sp>
+        <p:nvSpPr>
+          <p:cNvPr id="28" name="文本框 27"/>
+          <p:cNvSpPr txBox="1"/>
+          <p:nvPr/>
+        </p:nvSpPr>
+        <p:spPr>
+          <a:xfrm>
+            <a:off x="4709903" y="1769799"/>
+            <a:ext cx="492443" cy="649481"/>
+          </a:xfrm>
+          <a:prstGeom prst="rect">
+            <a:avLst/>
+          </a:prstGeom>
+          <a:noFill/>
+        </p:spPr>
+        <p:txBody>
+          <a:bodyPr vert="eaVert" wrap="square" rtlCol="0">
+            <a:spAutoFit/>
+          </a:bodyPr>
+          <a:lstStyle/>
+          <a:p>
+            <a:r>
+              <a:rPr lang="zh-CN" altLang="en-US" sz="2000" b="1" dirty="0">
+                <a:latin typeface="宋体" panose="02010600030101010101" pitchFamily="2" charset="-122"/>
+                <a:ea typeface="宋体" panose="02010600030101010101" pitchFamily="2" charset="-122"/>
+              </a:rPr>
+              <a:t>执行</a:t>
+            </a:r>
+          </a:p>
+        </p:txBody>
+      </p:sp>
+      <p:sp>
+        <p:nvSpPr>
+          <p:cNvPr id="29" name="文本框 28"/>
+          <p:cNvSpPr txBox="1"/>
+          <p:nvPr/>
+        </p:nvSpPr>
+        <p:spPr>
+          <a:xfrm>
+            <a:off x="1846697" y="2940571"/>
+            <a:ext cx="1292551" cy="400110"/>
+          </a:xfrm>
+          <a:prstGeom prst="rect">
+            <a:avLst/>
+          </a:prstGeom>
+          <a:noFill/>
+        </p:spPr>
+        <p:txBody>
+          <a:bodyPr wrap="square" rtlCol="0">
+            <a:spAutoFit/>
+          </a:bodyPr>
+          <a:lstStyle/>
+          <a:p>
+            <a:pPr algn="ctr"/>
+            <a:r>
+              <a:rPr lang="en-US" altLang="zh-CN" sz="2000" b="1" dirty="0" smtClean="0">
+                <a:latin typeface="宋体" panose="02010600030101010101" pitchFamily="2" charset="-122"/>
+                <a:ea typeface="宋体" panose="02010600030101010101" pitchFamily="2" charset="-122"/>
+              </a:rPr>
+              <a:t>suite 1</a:t>
+            </a:r>
+            <a:endParaRPr lang="zh-CN" altLang="en-US" sz="2000" b="1" dirty="0">
+              <a:latin typeface="宋体" panose="02010600030101010101" pitchFamily="2" charset="-122"/>
+              <a:ea typeface="宋体" panose="02010600030101010101" pitchFamily="2" charset="-122"/>
+            </a:endParaRPr>
+          </a:p>
+        </p:txBody>
+      </p:sp>
+      <p:sp>
+        <p:nvSpPr>
+          <p:cNvPr id="30" name="文本框 29"/>
+          <p:cNvSpPr txBox="1"/>
+          <p:nvPr/>
+        </p:nvSpPr>
+        <p:spPr>
+          <a:xfrm>
+            <a:off x="3608409" y="2940571"/>
+            <a:ext cx="1292551" cy="400110"/>
+          </a:xfrm>
+          <a:prstGeom prst="rect">
+            <a:avLst/>
+          </a:prstGeom>
+          <a:noFill/>
+        </p:spPr>
+        <p:txBody>
+          <a:bodyPr wrap="square" rtlCol="0">
+            <a:spAutoFit/>
+          </a:bodyPr>
+          <a:lstStyle/>
+          <a:p>
+            <a:pPr algn="ctr"/>
+            <a:r>
+              <a:rPr lang="en-US" altLang="zh-CN" sz="2000" b="1" dirty="0" smtClean="0">
+                <a:latin typeface="宋体" panose="02010600030101010101" pitchFamily="2" charset="-122"/>
+                <a:ea typeface="宋体" panose="02010600030101010101" pitchFamily="2" charset="-122"/>
+              </a:rPr>
+              <a:t>Suite n</a:t>
+            </a:r>
+            <a:endParaRPr lang="zh-CN" altLang="en-US" sz="2000" b="1" dirty="0">
+              <a:latin typeface="宋体" panose="02010600030101010101" pitchFamily="2" charset="-122"/>
+              <a:ea typeface="宋体" panose="02010600030101010101" pitchFamily="2" charset="-122"/>
+            </a:endParaRPr>
+          </a:p>
+        </p:txBody>
+      </p:sp>
+      <p:sp>
+        <p:nvSpPr>
+          <p:cNvPr id="34" name="圆角矩形 33"/>
           <p:cNvSpPr/>
           <p:nvPr/>
         </p:nvSpPr>
         <p:spPr>
           <a:xfrm>
-            <a:off x="2963610" y="4373743"/>
-            <a:ext cx="632389" cy="991312"/>
+            <a:off x="2270236" y="3441925"/>
+            <a:ext cx="984194" cy="991312"/>
           </a:xfrm>
           <a:prstGeom prst="roundRect">
             <a:avLst/>
           </a:prstGeom>
-          <a:solidFill>
-            <a:schemeClr val="tx2">
-              <a:lumMod val="40000"/>
-              <a:lumOff val="60000"/>
-            </a:schemeClr>
-          </a:solidFill>
         </p:spPr>
         <p:style>
           <a:lnRef idx="2">
@@ -6332,7 +6714,14 @@
           <a:lstStyle/>
           <a:p>
             <a:pPr algn="ctr"/>
-            <a:endParaRPr lang="zh-CN" altLang="en-US" sz="2000" b="1">
+            <a:r>
+              <a:rPr lang="en-US" altLang="zh-CN" sz="2000" b="1" dirty="0" smtClean="0">
+                <a:latin typeface="宋体" panose="02010600030101010101" pitchFamily="2" charset="-122"/>
+                <a:ea typeface="宋体" panose="02010600030101010101" pitchFamily="2" charset="-122"/>
+              </a:rPr>
+              <a:t>Case 2</a:t>
+            </a:r>
+            <a:endParaRPr lang="zh-CN" altLang="en-US" sz="2000" b="1" dirty="0">
               <a:latin typeface="宋体" panose="02010600030101010101" pitchFamily="2" charset="-122"/>
               <a:ea typeface="宋体" panose="02010600030101010101" pitchFamily="2" charset="-122"/>
             </a:endParaRPr>
@@ -6341,21 +6730,18 @@
       </p:sp>
       <p:sp>
         <p:nvSpPr>
-          <p:cNvPr id="18" name="圆角矩形 17"/>
+          <p:cNvPr id="38" name="圆角矩形 37"/>
           <p:cNvSpPr/>
           <p:nvPr/>
         </p:nvSpPr>
         <p:spPr>
           <a:xfrm>
-            <a:off x="3107820" y="4365197"/>
-            <a:ext cx="632389" cy="991312"/>
+            <a:off x="3080339" y="3441925"/>
+            <a:ext cx="961403" cy="991312"/>
           </a:xfrm>
           <a:prstGeom prst="roundRect">
             <a:avLst/>
           </a:prstGeom>
-          <a:solidFill>
-            <a:srgbClr val="FFFF00"/>
-          </a:solidFill>
         </p:spPr>
         <p:style>
           <a:lnRef idx="2">
@@ -6378,6 +6764,63 @@
           <a:lstStyle/>
           <a:p>
             <a:pPr algn="ctr"/>
+            <a:r>
+              <a:rPr lang="en-US" altLang="zh-CN" sz="2000" b="1" dirty="0" smtClean="0">
+                <a:latin typeface="宋体" panose="02010600030101010101" pitchFamily="2" charset="-122"/>
+                <a:ea typeface="宋体" panose="02010600030101010101" pitchFamily="2" charset="-122"/>
+              </a:rPr>
+              <a:t>Case </a:t>
+            </a:r>
+            <a:r>
+              <a:rPr lang="en-US" altLang="zh-CN" sz="2000" b="1" dirty="0" smtClean="0">
+                <a:latin typeface="宋体" panose="02010600030101010101" pitchFamily="2" charset="-122"/>
+                <a:ea typeface="宋体" panose="02010600030101010101" pitchFamily="2" charset="-122"/>
+              </a:rPr>
+              <a:t>3</a:t>
+            </a:r>
+            <a:endParaRPr lang="zh-CN" altLang="en-US" sz="2000" b="1" dirty="0">
+              <a:latin typeface="宋体" panose="02010600030101010101" pitchFamily="2" charset="-122"/>
+              <a:ea typeface="宋体" panose="02010600030101010101" pitchFamily="2" charset="-122"/>
+            </a:endParaRPr>
+          </a:p>
+        </p:txBody>
+      </p:sp>
+      <p:sp>
+        <p:nvSpPr>
+          <p:cNvPr id="39" name="虚尾箭头 38"/>
+          <p:cNvSpPr/>
+          <p:nvPr/>
+        </p:nvSpPr>
+        <p:spPr>
+          <a:xfrm>
+            <a:off x="5812461" y="3692601"/>
+            <a:ext cx="384561" cy="222191"/>
+          </a:xfrm>
+          <a:prstGeom prst="stripedRightArrow">
+            <a:avLst/>
+          </a:prstGeom>
+        </p:spPr>
+        <p:style>
+          <a:lnRef idx="2">
+            <a:schemeClr val="accent1">
+              <a:shade val="50000"/>
+            </a:schemeClr>
+          </a:lnRef>
+          <a:fillRef idx="1">
+            <a:schemeClr val="accent1"/>
+          </a:fillRef>
+          <a:effectRef idx="0">
+            <a:schemeClr val="accent1"/>
+          </a:effectRef>
+          <a:fontRef idx="minor">
+            <a:schemeClr val="lt1"/>
+          </a:fontRef>
+        </p:style>
+        <p:txBody>
+          <a:bodyPr rtlCol="0" anchor="ctr"/>
+          <a:lstStyle/>
+          <a:p>
+            <a:pPr algn="ctr"/>
             <a:endParaRPr lang="zh-CN" altLang="en-US" sz="2000" b="1">
               <a:latin typeface="宋体" panose="02010600030101010101" pitchFamily="2" charset="-122"/>
               <a:ea typeface="宋体" panose="02010600030101010101" pitchFamily="2" charset="-122"/>
@@ -6387,173 +6830,62 @@
       </p:sp>
       <p:sp>
         <p:nvSpPr>
-          <p:cNvPr id="19" name="文本框 18"/>
-          <p:cNvSpPr txBox="1"/>
+          <p:cNvPr id="40" name="圆角矩形 39"/>
+          <p:cNvSpPr/>
           <p:nvPr/>
         </p:nvSpPr>
         <p:spPr>
           <a:xfrm>
-            <a:off x="2568367" y="1796254"/>
-            <a:ext cx="1318189" cy="400110"/>
-          </a:xfrm>
-          <a:prstGeom prst="rect">
+            <a:off x="6387977" y="3290950"/>
+            <a:ext cx="1786071" cy="1025495"/>
+          </a:xfrm>
+          <a:prstGeom prst="roundRect">
             <a:avLst/>
           </a:prstGeom>
-          <a:noFill/>
-        </p:spPr>
-        <p:txBody>
-          <a:bodyPr wrap="square" rtlCol="0">
-            <a:spAutoFit/>
-          </a:bodyPr>
+        </p:spPr>
+        <p:style>
+          <a:lnRef idx="2">
+            <a:schemeClr val="accent1">
+              <a:shade val="50000"/>
+            </a:schemeClr>
+          </a:lnRef>
+          <a:fillRef idx="1">
+            <a:schemeClr val="accent1"/>
+          </a:fillRef>
+          <a:effectRef idx="0">
+            <a:schemeClr val="accent1"/>
+          </a:effectRef>
+          <a:fontRef idx="minor">
+            <a:schemeClr val="lt1"/>
+          </a:fontRef>
+        </p:style>
+        <p:txBody>
+          <a:bodyPr rtlCol="0" anchor="ctr"/>
           <a:lstStyle/>
           <a:p>
             <a:pPr algn="ctr"/>
             <a:r>
-              <a:rPr lang="en-US" altLang="zh-CN" sz="2000" b="1" dirty="0" smtClean="0">
+              <a:rPr lang="zh-CN" altLang="en-US" sz="2000" b="1" dirty="0">
+                <a:solidFill>
+                  <a:schemeClr val="tx1"/>
+                </a:solidFill>
                 <a:latin typeface="宋体" panose="02010600030101010101" pitchFamily="2" charset="-122"/>
                 <a:ea typeface="宋体" panose="02010600030101010101" pitchFamily="2" charset="-122"/>
               </a:rPr>
-              <a:t>ATS</a:t>
-            </a:r>
-            <a:endParaRPr lang="zh-CN" altLang="en-US" sz="2000" b="1" dirty="0">
-              <a:latin typeface="宋体" panose="02010600030101010101" pitchFamily="2" charset="-122"/>
-              <a:ea typeface="宋体" panose="02010600030101010101" pitchFamily="2" charset="-122"/>
-            </a:endParaRPr>
-          </a:p>
-        </p:txBody>
-      </p:sp>
-      <p:sp>
-        <p:nvSpPr>
-          <p:cNvPr id="22" name="文本框 21"/>
+              <a:t>日志</a:t>
+            </a:r>
+          </a:p>
+        </p:txBody>
+      </p:sp>
+      <p:sp>
+        <p:nvSpPr>
+          <p:cNvPr id="41" name="文本框 40"/>
           <p:cNvSpPr txBox="1"/>
           <p:nvPr/>
         </p:nvSpPr>
         <p:spPr>
           <a:xfrm>
-            <a:off x="828942" y="384561"/>
-            <a:ext cx="3529412" cy="646331"/>
-          </a:xfrm>
-          <a:prstGeom prst="rect">
-            <a:avLst/>
-          </a:prstGeom>
-          <a:noFill/>
-        </p:spPr>
-        <p:txBody>
-          <a:bodyPr wrap="square" rtlCol="0">
-            <a:spAutoFit/>
-          </a:bodyPr>
-          <a:lstStyle/>
-          <a:p>
-            <a:r>
-              <a:rPr lang="zh-CN" altLang="en-US" sz="2800" b="1" dirty="0" smtClean="0"/>
-              <a:t> </a:t>
-            </a:r>
-            <a:r>
-              <a:rPr lang="zh-CN" altLang="en-US" sz="3600" b="1" dirty="0" smtClean="0">
-                <a:effectLst>
-                  <a:outerShdw blurRad="38100" dist="38100" dir="2700000" algn="tl">
-                    <a:srgbClr val="000000">
-                      <a:alpha val="43137"/>
-                    </a:srgbClr>
-                  </a:outerShdw>
-                </a:effectLst>
-              </a:rPr>
-              <a:t>工作流程</a:t>
-            </a:r>
-            <a:endParaRPr lang="zh-CN" altLang="en-US" sz="3600" b="1" dirty="0">
-              <a:effectLst>
-                <a:outerShdw blurRad="38100" dist="38100" dir="2700000" algn="tl">
-                  <a:srgbClr val="000000">
-                    <a:alpha val="43137"/>
-                  </a:srgbClr>
-                </a:outerShdw>
-              </a:effectLst>
-            </a:endParaRPr>
-          </a:p>
-        </p:txBody>
-      </p:sp>
-      <p:sp>
-        <p:nvSpPr>
-          <p:cNvPr id="23" name="文本框 22"/>
-          <p:cNvSpPr txBox="1"/>
-          <p:nvPr/>
-        </p:nvSpPr>
-        <p:spPr>
-          <a:xfrm>
-            <a:off x="5248543" y="1796254"/>
-            <a:ext cx="1264777" cy="400110"/>
-          </a:xfrm>
-          <a:prstGeom prst="rect">
-            <a:avLst/>
-          </a:prstGeom>
-          <a:noFill/>
-        </p:spPr>
-        <p:txBody>
-          <a:bodyPr wrap="square" rtlCol="0">
-            <a:spAutoFit/>
-          </a:bodyPr>
-          <a:lstStyle/>
-          <a:p>
-            <a:pPr algn="ctr"/>
-            <a:r>
-              <a:rPr lang="en-US" altLang="zh-CN" sz="2000" b="1" dirty="0" smtClean="0">
-                <a:latin typeface="宋体" panose="02010600030101010101" pitchFamily="2" charset="-122"/>
-                <a:ea typeface="宋体" panose="02010600030101010101" pitchFamily="2" charset="-122"/>
-              </a:rPr>
-              <a:t>nose</a:t>
-            </a:r>
-            <a:endParaRPr lang="zh-CN" altLang="en-US" sz="2000" b="1" dirty="0">
-              <a:latin typeface="宋体" panose="02010600030101010101" pitchFamily="2" charset="-122"/>
-              <a:ea typeface="宋体" panose="02010600030101010101" pitchFamily="2" charset="-122"/>
-            </a:endParaRPr>
-          </a:p>
-        </p:txBody>
-      </p:sp>
-      <p:sp>
-        <p:nvSpPr>
-          <p:cNvPr id="24" name="文本框 23"/>
-          <p:cNvSpPr txBox="1"/>
-          <p:nvPr/>
-        </p:nvSpPr>
-        <p:spPr>
-          <a:xfrm>
-            <a:off x="4233017" y="2073061"/>
-            <a:ext cx="683663" cy="707886"/>
-          </a:xfrm>
-          <a:prstGeom prst="rect">
-            <a:avLst/>
-          </a:prstGeom>
-          <a:noFill/>
-        </p:spPr>
-        <p:txBody>
-          <a:bodyPr wrap="square" rtlCol="0">
-            <a:spAutoFit/>
-          </a:bodyPr>
-          <a:lstStyle/>
-          <a:p>
-            <a:r>
-              <a:rPr lang="zh-CN" altLang="en-US" sz="2000" b="1" dirty="0" smtClean="0">
-                <a:latin typeface="宋体" panose="02010600030101010101" pitchFamily="2" charset="-122"/>
-                <a:ea typeface="宋体" panose="02010600030101010101" pitchFamily="2" charset="-122"/>
-              </a:rPr>
-              <a:t>调用</a:t>
-            </a:r>
-            <a:endParaRPr lang="zh-CN" altLang="en-US" sz="2000" b="1" dirty="0">
-              <a:latin typeface="宋体" panose="02010600030101010101" pitchFamily="2" charset="-122"/>
-              <a:ea typeface="宋体" panose="02010600030101010101" pitchFamily="2" charset="-122"/>
-            </a:endParaRPr>
-          </a:p>
-        </p:txBody>
-      </p:sp>
-      <p:sp>
-        <p:nvSpPr>
-          <p:cNvPr id="25" name="文本框 24"/>
-          <p:cNvSpPr txBox="1"/>
-          <p:nvPr/>
-        </p:nvSpPr>
-        <p:spPr>
-          <a:xfrm>
-            <a:off x="6859425" y="2081607"/>
+            <a:off x="5752791" y="3918135"/>
             <a:ext cx="683663" cy="707886"/>
           </a:xfrm>
           <a:prstGeom prst="rect">
@@ -6579,203 +6911,18 @@
       </p:sp>
       <p:sp>
         <p:nvSpPr>
-          <p:cNvPr id="26" name="文本框 25"/>
-          <p:cNvSpPr txBox="1"/>
-          <p:nvPr/>
-        </p:nvSpPr>
-        <p:spPr>
-          <a:xfrm>
-            <a:off x="7768127" y="1796254"/>
-            <a:ext cx="1264777" cy="400110"/>
-          </a:xfrm>
-          <a:prstGeom prst="rect">
-            <a:avLst/>
-          </a:prstGeom>
-          <a:noFill/>
-        </p:spPr>
-        <p:txBody>
-          <a:bodyPr wrap="square" rtlCol="0">
-            <a:spAutoFit/>
-          </a:bodyPr>
-          <a:lstStyle/>
-          <a:p>
-            <a:pPr algn="ctr"/>
-            <a:r>
-              <a:rPr lang="zh-CN" altLang="en-US" sz="2000" b="1" dirty="0" smtClean="0">
-                <a:latin typeface="宋体" panose="02010600030101010101" pitchFamily="2" charset="-122"/>
-                <a:ea typeface="宋体" panose="02010600030101010101" pitchFamily="2" charset="-122"/>
-              </a:rPr>
-              <a:t>报告</a:t>
-            </a:r>
-            <a:endParaRPr lang="zh-CN" altLang="en-US" sz="2000" b="1" dirty="0">
-              <a:latin typeface="宋体" panose="02010600030101010101" pitchFamily="2" charset="-122"/>
-              <a:ea typeface="宋体" panose="02010600030101010101" pitchFamily="2" charset="-122"/>
-            </a:endParaRPr>
-          </a:p>
-        </p:txBody>
-      </p:sp>
-      <p:sp>
-        <p:nvSpPr>
-          <p:cNvPr id="27" name="文本框 26"/>
-          <p:cNvSpPr txBox="1"/>
-          <p:nvPr/>
-        </p:nvSpPr>
-        <p:spPr>
-          <a:xfrm>
-            <a:off x="3394114" y="2656037"/>
-            <a:ext cx="492443" cy="649481"/>
-          </a:xfrm>
-          <a:prstGeom prst="rect">
-            <a:avLst/>
-          </a:prstGeom>
-          <a:noFill/>
-        </p:spPr>
-        <p:txBody>
-          <a:bodyPr vert="eaVert" wrap="square" rtlCol="0">
-            <a:spAutoFit/>
-          </a:bodyPr>
-          <a:lstStyle/>
-          <a:p>
-            <a:r>
-              <a:rPr lang="zh-CN" altLang="en-US" sz="2000" b="1" dirty="0" smtClean="0">
-                <a:latin typeface="宋体" panose="02010600030101010101" pitchFamily="2" charset="-122"/>
-                <a:ea typeface="宋体" panose="02010600030101010101" pitchFamily="2" charset="-122"/>
-              </a:rPr>
-              <a:t>管理</a:t>
-            </a:r>
-            <a:endParaRPr lang="zh-CN" altLang="en-US" sz="2000" b="1" dirty="0">
-              <a:latin typeface="宋体" panose="02010600030101010101" pitchFamily="2" charset="-122"/>
-              <a:ea typeface="宋体" panose="02010600030101010101" pitchFamily="2" charset="-122"/>
-            </a:endParaRPr>
-          </a:p>
-        </p:txBody>
-      </p:sp>
-      <p:sp>
-        <p:nvSpPr>
-          <p:cNvPr id="28" name="文本框 27"/>
-          <p:cNvSpPr txBox="1"/>
-          <p:nvPr/>
-        </p:nvSpPr>
-        <p:spPr>
-          <a:xfrm>
-            <a:off x="6020878" y="2656037"/>
-            <a:ext cx="492443" cy="649481"/>
-          </a:xfrm>
-          <a:prstGeom prst="rect">
-            <a:avLst/>
-          </a:prstGeom>
-          <a:noFill/>
-        </p:spPr>
-        <p:txBody>
-          <a:bodyPr vert="eaVert" wrap="square" rtlCol="0">
-            <a:spAutoFit/>
-          </a:bodyPr>
-          <a:lstStyle/>
-          <a:p>
-            <a:r>
-              <a:rPr lang="zh-CN" altLang="en-US" sz="2000" b="1" dirty="0">
-                <a:latin typeface="宋体" panose="02010600030101010101" pitchFamily="2" charset="-122"/>
-                <a:ea typeface="宋体" panose="02010600030101010101" pitchFamily="2" charset="-122"/>
-              </a:rPr>
-              <a:t>执行</a:t>
-            </a:r>
-          </a:p>
-        </p:txBody>
-      </p:sp>
-      <p:sp>
-        <p:nvSpPr>
-          <p:cNvPr id="29" name="文本框 28"/>
-          <p:cNvSpPr txBox="1"/>
-          <p:nvPr/>
-        </p:nvSpPr>
-        <p:spPr>
-          <a:xfrm>
-            <a:off x="2633530" y="3886632"/>
-            <a:ext cx="1292551" cy="400110"/>
-          </a:xfrm>
-          <a:prstGeom prst="rect">
-            <a:avLst/>
-          </a:prstGeom>
-          <a:noFill/>
-        </p:spPr>
-        <p:txBody>
-          <a:bodyPr wrap="square" rtlCol="0">
-            <a:spAutoFit/>
-          </a:bodyPr>
-          <a:lstStyle/>
-          <a:p>
-            <a:pPr algn="ctr"/>
-            <a:r>
-              <a:rPr lang="en-US" altLang="zh-CN" sz="2000" b="1" dirty="0" smtClean="0">
-                <a:latin typeface="宋体" panose="02010600030101010101" pitchFamily="2" charset="-122"/>
-                <a:ea typeface="宋体" panose="02010600030101010101" pitchFamily="2" charset="-122"/>
-              </a:rPr>
-              <a:t>suite 1</a:t>
-            </a:r>
-            <a:endParaRPr lang="zh-CN" altLang="en-US" sz="2000" b="1" dirty="0">
-              <a:latin typeface="宋体" panose="02010600030101010101" pitchFamily="2" charset="-122"/>
-              <a:ea typeface="宋体" panose="02010600030101010101" pitchFamily="2" charset="-122"/>
-            </a:endParaRPr>
-          </a:p>
-        </p:txBody>
-      </p:sp>
-      <p:sp>
-        <p:nvSpPr>
-          <p:cNvPr id="30" name="文本框 29"/>
-          <p:cNvSpPr txBox="1"/>
-          <p:nvPr/>
-        </p:nvSpPr>
-        <p:spPr>
-          <a:xfrm>
-            <a:off x="5212126" y="3886632"/>
-            <a:ext cx="1292551" cy="400110"/>
-          </a:xfrm>
-          <a:prstGeom prst="rect">
-            <a:avLst/>
-          </a:prstGeom>
-          <a:noFill/>
-        </p:spPr>
-        <p:txBody>
-          <a:bodyPr wrap="square" rtlCol="0">
-            <a:spAutoFit/>
-          </a:bodyPr>
-          <a:lstStyle/>
-          <a:p>
-            <a:pPr algn="ctr"/>
-            <a:r>
-              <a:rPr lang="en-US" altLang="zh-CN" sz="2000" b="1" dirty="0" smtClean="0">
-                <a:latin typeface="宋体" panose="02010600030101010101" pitchFamily="2" charset="-122"/>
-                <a:ea typeface="宋体" panose="02010600030101010101" pitchFamily="2" charset="-122"/>
-              </a:rPr>
-              <a:t>Suite n</a:t>
-            </a:r>
-            <a:endParaRPr lang="zh-CN" altLang="en-US" sz="2000" b="1" dirty="0">
-              <a:latin typeface="宋体" panose="02010600030101010101" pitchFamily="2" charset="-122"/>
-              <a:ea typeface="宋体" panose="02010600030101010101" pitchFamily="2" charset="-122"/>
-            </a:endParaRPr>
-          </a:p>
-        </p:txBody>
-      </p:sp>
-      <p:sp>
-        <p:nvSpPr>
-          <p:cNvPr id="32" name="圆角矩形 31"/>
+          <p:cNvPr id="43" name="圆角矩形 42"/>
           <p:cNvSpPr/>
           <p:nvPr/>
         </p:nvSpPr>
         <p:spPr>
           <a:xfrm>
-            <a:off x="3256790" y="4356651"/>
-            <a:ext cx="632389" cy="991312"/>
+            <a:off x="3627828" y="3442874"/>
+            <a:ext cx="961403" cy="991312"/>
           </a:xfrm>
           <a:prstGeom prst="roundRect">
             <a:avLst/>
           </a:prstGeom>
-          <a:solidFill>
-            <a:schemeClr val="accent4">
-              <a:lumMod val="40000"/>
-              <a:lumOff val="60000"/>
-            </a:schemeClr>
-          </a:solidFill>
         </p:spPr>
         <p:style>
           <a:lnRef idx="2">
@@ -6798,7 +6945,14 @@
           <a:lstStyle/>
           <a:p>
             <a:pPr algn="ctr"/>
-            <a:endParaRPr lang="zh-CN" altLang="en-US" sz="2000" b="1">
+            <a:r>
+              <a:rPr lang="en-US" altLang="zh-CN" sz="2000" b="1" dirty="0" smtClean="0">
+                <a:latin typeface="宋体" panose="02010600030101010101" pitchFamily="2" charset="-122"/>
+                <a:ea typeface="宋体" panose="02010600030101010101" pitchFamily="2" charset="-122"/>
+              </a:rPr>
+              <a:t>Case n</a:t>
+            </a:r>
+            <a:endParaRPr lang="zh-CN" altLang="en-US" sz="2000" b="1" dirty="0">
               <a:latin typeface="宋体" panose="02010600030101010101" pitchFamily="2" charset="-122"/>
               <a:ea typeface="宋体" panose="02010600030101010101" pitchFamily="2" charset="-122"/>
             </a:endParaRPr>
@@ -6807,13 +6961,13 @@
       </p:sp>
       <p:sp>
         <p:nvSpPr>
-          <p:cNvPr id="33" name="圆角矩形 32"/>
+          <p:cNvPr id="45" name="圆角矩形 44"/>
           <p:cNvSpPr/>
           <p:nvPr/>
         </p:nvSpPr>
         <p:spPr>
           <a:xfrm>
-            <a:off x="3424013" y="4356651"/>
+            <a:off x="3980571" y="3441925"/>
             <a:ext cx="961403" cy="991312"/>
           </a:xfrm>
           <a:prstGeom prst="roundRect">
@@ -6857,14 +7011,14 @@
       </p:sp>
       <p:sp>
         <p:nvSpPr>
-          <p:cNvPr id="34" name="圆角矩形 33"/>
+          <p:cNvPr id="46" name="圆角矩形 45"/>
           <p:cNvSpPr/>
           <p:nvPr/>
         </p:nvSpPr>
         <p:spPr>
           <a:xfrm>
-            <a:off x="4756446" y="4373743"/>
-            <a:ext cx="984194" cy="991312"/>
+            <a:off x="4368666" y="3441925"/>
+            <a:ext cx="961403" cy="991312"/>
           </a:xfrm>
           <a:prstGeom prst="roundRect">
             <a:avLst/>
@@ -6896,7 +7050,7 @@
                 <a:latin typeface="宋体" panose="02010600030101010101" pitchFamily="2" charset="-122"/>
                 <a:ea typeface="宋体" panose="02010600030101010101" pitchFamily="2" charset="-122"/>
               </a:rPr>
-              <a:t>Case 2</a:t>
+              <a:t>Case n</a:t>
             </a:r>
             <a:endParaRPr lang="zh-CN" altLang="en-US" sz="2000" b="1" dirty="0">
               <a:latin typeface="宋体" panose="02010600030101010101" pitchFamily="2" charset="-122"/>
@@ -6907,207 +7061,16 @@
       </p:sp>
       <p:sp>
         <p:nvSpPr>
-          <p:cNvPr id="35" name="圆角矩形 34"/>
+          <p:cNvPr id="47" name="圆角矩形 46"/>
           <p:cNvSpPr/>
           <p:nvPr/>
         </p:nvSpPr>
         <p:spPr>
           <a:xfrm>
-            <a:off x="5615914" y="4373743"/>
-            <a:ext cx="632389" cy="991312"/>
+            <a:off x="1197216" y="5741488"/>
+            <a:ext cx="4263590" cy="1025495"/>
           </a:xfrm>
           <a:prstGeom prst="roundRect">
-            <a:avLst/>
-          </a:prstGeom>
-          <a:solidFill>
-            <a:srgbClr val="00B0F0"/>
-          </a:solidFill>
-        </p:spPr>
-        <p:style>
-          <a:lnRef idx="2">
-            <a:schemeClr val="accent3">
-              <a:shade val="50000"/>
-            </a:schemeClr>
-          </a:lnRef>
-          <a:fillRef idx="1">
-            <a:schemeClr val="accent3"/>
-          </a:fillRef>
-          <a:effectRef idx="0">
-            <a:schemeClr val="accent3"/>
-          </a:effectRef>
-          <a:fontRef idx="minor">
-            <a:schemeClr val="lt1"/>
-          </a:fontRef>
-        </p:style>
-        <p:txBody>
-          <a:bodyPr rtlCol="0" anchor="ctr"/>
-          <a:lstStyle/>
-          <a:p>
-            <a:pPr algn="ctr"/>
-            <a:endParaRPr lang="zh-CN" altLang="en-US" sz="2000" b="1">
-              <a:latin typeface="宋体" panose="02010600030101010101" pitchFamily="2" charset="-122"/>
-              <a:ea typeface="宋体" panose="02010600030101010101" pitchFamily="2" charset="-122"/>
-            </a:endParaRPr>
-          </a:p>
-        </p:txBody>
-      </p:sp>
-      <p:sp>
-        <p:nvSpPr>
-          <p:cNvPr id="36" name="圆角矩形 35"/>
-          <p:cNvSpPr/>
-          <p:nvPr/>
-        </p:nvSpPr>
-        <p:spPr>
-          <a:xfrm>
-            <a:off x="5734992" y="4356651"/>
-            <a:ext cx="632389" cy="991312"/>
-          </a:xfrm>
-          <a:prstGeom prst="roundRect">
-            <a:avLst/>
-          </a:prstGeom>
-          <a:solidFill>
-            <a:srgbClr val="FFFF00"/>
-          </a:solidFill>
-        </p:spPr>
-        <p:style>
-          <a:lnRef idx="2">
-            <a:schemeClr val="accent3">
-              <a:shade val="50000"/>
-            </a:schemeClr>
-          </a:lnRef>
-          <a:fillRef idx="1">
-            <a:schemeClr val="accent3"/>
-          </a:fillRef>
-          <a:effectRef idx="0">
-            <a:schemeClr val="accent3"/>
-          </a:effectRef>
-          <a:fontRef idx="minor">
-            <a:schemeClr val="lt1"/>
-          </a:fontRef>
-        </p:style>
-        <p:txBody>
-          <a:bodyPr rtlCol="0" anchor="ctr"/>
-          <a:lstStyle/>
-          <a:p>
-            <a:pPr algn="ctr"/>
-            <a:endParaRPr lang="zh-CN" altLang="en-US" sz="2000" b="1">
-              <a:latin typeface="宋体" panose="02010600030101010101" pitchFamily="2" charset="-122"/>
-              <a:ea typeface="宋体" panose="02010600030101010101" pitchFamily="2" charset="-122"/>
-            </a:endParaRPr>
-          </a:p>
-        </p:txBody>
-      </p:sp>
-      <p:sp>
-        <p:nvSpPr>
-          <p:cNvPr id="37" name="圆角矩形 36"/>
-          <p:cNvSpPr/>
-          <p:nvPr/>
-        </p:nvSpPr>
-        <p:spPr>
-          <a:xfrm>
-            <a:off x="5872190" y="4356651"/>
-            <a:ext cx="632389" cy="991312"/>
-          </a:xfrm>
-          <a:prstGeom prst="roundRect">
-            <a:avLst/>
-          </a:prstGeom>
-          <a:solidFill>
-            <a:schemeClr val="accent5">
-              <a:lumMod val="60000"/>
-              <a:lumOff val="40000"/>
-            </a:schemeClr>
-          </a:solidFill>
-        </p:spPr>
-        <p:style>
-          <a:lnRef idx="2">
-            <a:schemeClr val="accent3">
-              <a:shade val="50000"/>
-            </a:schemeClr>
-          </a:lnRef>
-          <a:fillRef idx="1">
-            <a:schemeClr val="accent3"/>
-          </a:fillRef>
-          <a:effectRef idx="0">
-            <a:schemeClr val="accent3"/>
-          </a:effectRef>
-          <a:fontRef idx="minor">
-            <a:schemeClr val="lt1"/>
-          </a:fontRef>
-        </p:style>
-        <p:txBody>
-          <a:bodyPr rtlCol="0" anchor="ctr"/>
-          <a:lstStyle/>
-          <a:p>
-            <a:pPr algn="ctr"/>
-            <a:endParaRPr lang="zh-CN" altLang="en-US" sz="2000" b="1">
-              <a:latin typeface="宋体" panose="02010600030101010101" pitchFamily="2" charset="-122"/>
-              <a:ea typeface="宋体" panose="02010600030101010101" pitchFamily="2" charset="-122"/>
-            </a:endParaRPr>
-          </a:p>
-        </p:txBody>
-      </p:sp>
-      <p:sp>
-        <p:nvSpPr>
-          <p:cNvPr id="38" name="圆角矩形 37"/>
-          <p:cNvSpPr/>
-          <p:nvPr/>
-        </p:nvSpPr>
-        <p:spPr>
-          <a:xfrm>
-            <a:off x="6003517" y="4348104"/>
-            <a:ext cx="961403" cy="991312"/>
-          </a:xfrm>
-          <a:prstGeom prst="roundRect">
-            <a:avLst/>
-          </a:prstGeom>
-        </p:spPr>
-        <p:style>
-          <a:lnRef idx="2">
-            <a:schemeClr val="accent3">
-              <a:shade val="50000"/>
-            </a:schemeClr>
-          </a:lnRef>
-          <a:fillRef idx="1">
-            <a:schemeClr val="accent3"/>
-          </a:fillRef>
-          <a:effectRef idx="0">
-            <a:schemeClr val="accent3"/>
-          </a:effectRef>
-          <a:fontRef idx="minor">
-            <a:schemeClr val="lt1"/>
-          </a:fontRef>
-        </p:style>
-        <p:txBody>
-          <a:bodyPr rtlCol="0" anchor="ctr"/>
-          <a:lstStyle/>
-          <a:p>
-            <a:pPr algn="ctr"/>
-            <a:r>
-              <a:rPr lang="en-US" altLang="zh-CN" sz="2000" b="1" dirty="0" smtClean="0">
-                <a:latin typeface="宋体" panose="02010600030101010101" pitchFamily="2" charset="-122"/>
-                <a:ea typeface="宋体" panose="02010600030101010101" pitchFamily="2" charset="-122"/>
-              </a:rPr>
-              <a:t>Case n</a:t>
-            </a:r>
-            <a:endParaRPr lang="zh-CN" altLang="en-US" sz="2000" b="1" dirty="0">
-              <a:latin typeface="宋体" panose="02010600030101010101" pitchFamily="2" charset="-122"/>
-              <a:ea typeface="宋体" panose="02010600030101010101" pitchFamily="2" charset="-122"/>
-            </a:endParaRPr>
-          </a:p>
-        </p:txBody>
-      </p:sp>
-      <p:sp>
-        <p:nvSpPr>
-          <p:cNvPr id="39" name="虚尾箭头 38"/>
-          <p:cNvSpPr/>
-          <p:nvPr/>
-        </p:nvSpPr>
-        <p:spPr>
-          <a:xfrm>
-            <a:off x="7253385" y="4578841"/>
-            <a:ext cx="384561" cy="222191"/>
-          </a:xfrm>
-          <a:prstGeom prst="stripedRightArrow">
             <a:avLst/>
           </a:prstGeom>
         </p:spPr>
@@ -7132,7 +7095,30 @@
           <a:lstStyle/>
           <a:p>
             <a:pPr algn="ctr"/>
-            <a:endParaRPr lang="zh-CN" altLang="en-US" sz="2000" b="1">
+            <a:r>
+              <a:rPr lang="zh-CN" altLang="en-US" sz="2000" b="1" dirty="0">
+                <a:solidFill>
+                  <a:schemeClr val="tx1"/>
+                </a:solidFill>
+                <a:latin typeface="宋体" panose="02010600030101010101" pitchFamily="2" charset="-122"/>
+                <a:ea typeface="宋体" panose="02010600030101010101" pitchFamily="2" charset="-122"/>
+              </a:rPr>
+              <a:t>被</a:t>
+            </a:r>
+            <a:r>
+              <a:rPr lang="zh-CN" altLang="en-US" sz="2000" b="1" dirty="0" smtClean="0">
+                <a:solidFill>
+                  <a:schemeClr val="tx1"/>
+                </a:solidFill>
+                <a:latin typeface="宋体" panose="02010600030101010101" pitchFamily="2" charset="-122"/>
+                <a:ea typeface="宋体" panose="02010600030101010101" pitchFamily="2" charset="-122"/>
+              </a:rPr>
+              <a:t>测系统</a:t>
+            </a:r>
+            <a:endParaRPr lang="zh-CN" altLang="en-US" sz="2000" b="1" dirty="0">
+              <a:solidFill>
+                <a:schemeClr val="tx1"/>
+              </a:solidFill>
               <a:latin typeface="宋体" panose="02010600030101010101" pitchFamily="2" charset="-122"/>
               <a:ea typeface="宋体" panose="02010600030101010101" pitchFamily="2" charset="-122"/>
             </a:endParaRPr>
@@ -7141,16 +7127,16 @@
       </p:sp>
       <p:sp>
         <p:nvSpPr>
-          <p:cNvPr id="40" name="圆角矩形 39"/>
+          <p:cNvPr id="2" name="上下箭头 1"/>
           <p:cNvSpPr/>
           <p:nvPr/>
         </p:nvSpPr>
         <p:spPr>
           <a:xfrm>
-            <a:off x="7698952" y="4177188"/>
-            <a:ext cx="1786071" cy="1025495"/>
-          </a:xfrm>
-          <a:prstGeom prst="roundRect">
+            <a:off x="3062816" y="5054628"/>
+            <a:ext cx="355403" cy="660081"/>
+          </a:xfrm>
+          <a:prstGeom prst="upDownArrow">
             <a:avLst/>
           </a:prstGeom>
         </p:spPr>
@@ -7175,29 +7161,20 @@
           <a:lstStyle/>
           <a:p>
             <a:pPr algn="ctr"/>
-            <a:r>
-              <a:rPr lang="zh-CN" altLang="en-US" sz="2000" b="1" dirty="0">
-                <a:solidFill>
-                  <a:schemeClr val="tx1"/>
-                </a:solidFill>
-                <a:latin typeface="宋体" panose="02010600030101010101" pitchFamily="2" charset="-122"/>
-                <a:ea typeface="宋体" panose="02010600030101010101" pitchFamily="2" charset="-122"/>
-              </a:rPr>
-              <a:t>日志</a:t>
-            </a:r>
-          </a:p>
-        </p:txBody>
-      </p:sp>
-      <p:sp>
-        <p:nvSpPr>
-          <p:cNvPr id="41" name="文本框 40"/>
+            <a:endParaRPr lang="zh-CN" altLang="en-US"/>
+          </a:p>
+        </p:txBody>
+      </p:sp>
+      <p:sp>
+        <p:nvSpPr>
+          <p:cNvPr id="3" name="文本框 2"/>
           <p:cNvSpPr txBox="1"/>
           <p:nvPr/>
         </p:nvSpPr>
         <p:spPr>
           <a:xfrm>
-            <a:off x="7063766" y="4804373"/>
-            <a:ext cx="683663" cy="707886"/>
+            <a:off x="3536163" y="5174101"/>
+            <a:ext cx="2543550" cy="369332"/>
           </a:xfrm>
           <a:prstGeom prst="rect">
             <a:avLst/>
@@ -7211,108 +7188,22 @@
           <a:lstStyle/>
           <a:p>
             <a:r>
-              <a:rPr lang="zh-CN" altLang="en-US" sz="2000" b="1" dirty="0">
-                <a:latin typeface="宋体" panose="02010600030101010101" pitchFamily="2" charset="-122"/>
-                <a:ea typeface="宋体" panose="02010600030101010101" pitchFamily="2" charset="-122"/>
-              </a:rPr>
-              <a:t>生成</a:t>
-            </a:r>
-          </a:p>
-        </p:txBody>
-      </p:sp>
-      <p:sp>
-        <p:nvSpPr>
-          <p:cNvPr id="42" name="圆角矩形 41"/>
-          <p:cNvSpPr/>
-          <p:nvPr/>
-        </p:nvSpPr>
-        <p:spPr>
-          <a:xfrm>
-            <a:off x="828942" y="1468173"/>
-            <a:ext cx="770547" cy="1025495"/>
-          </a:xfrm>
-          <a:prstGeom prst="roundRect">
-            <a:avLst/>
-          </a:prstGeom>
-        </p:spPr>
-        <p:style>
-          <a:lnRef idx="2">
-            <a:schemeClr val="accent1">
-              <a:shade val="50000"/>
-            </a:schemeClr>
-          </a:lnRef>
-          <a:fillRef idx="1">
-            <a:schemeClr val="accent1"/>
-          </a:fillRef>
-          <a:effectRef idx="0">
-            <a:schemeClr val="accent1"/>
-          </a:effectRef>
-          <a:fontRef idx="minor">
-            <a:schemeClr val="lt1"/>
-          </a:fontRef>
-        </p:style>
-        <p:txBody>
-          <a:bodyPr rtlCol="0" anchor="ctr"/>
-          <a:lstStyle/>
-          <a:p>
-            <a:pPr algn="ctr"/>
-            <a:r>
-              <a:rPr lang="en-US" altLang="zh-CN" sz="2000" b="1" dirty="0" smtClean="0">
-                <a:solidFill>
-                  <a:schemeClr val="tx1"/>
-                </a:solidFill>
-                <a:latin typeface="宋体" panose="02010600030101010101" pitchFamily="2" charset="-122"/>
-                <a:ea typeface="宋体" panose="02010600030101010101" pitchFamily="2" charset="-122"/>
-              </a:rPr>
-              <a:t>CLI</a:t>
-            </a:r>
-            <a:endParaRPr lang="zh-CN" altLang="en-US" sz="2000" b="1" dirty="0">
-              <a:solidFill>
-                <a:schemeClr val="tx1"/>
-              </a:solidFill>
-              <a:latin typeface="宋体" panose="02010600030101010101" pitchFamily="2" charset="-122"/>
-              <a:ea typeface="宋体" panose="02010600030101010101" pitchFamily="2" charset="-122"/>
-            </a:endParaRPr>
-          </a:p>
-        </p:txBody>
-      </p:sp>
-      <p:sp>
-        <p:nvSpPr>
-          <p:cNvPr id="44" name="左右箭头 43"/>
-          <p:cNvSpPr/>
-          <p:nvPr/>
-        </p:nvSpPr>
-        <p:spPr>
-          <a:xfrm>
-            <a:off x="1770405" y="1889582"/>
-            <a:ext cx="427289" cy="222191"/>
-          </a:xfrm>
-          <a:prstGeom prst="leftRightArrow">
-            <a:avLst/>
-          </a:prstGeom>
-        </p:spPr>
-        <p:style>
-          <a:lnRef idx="2">
-            <a:schemeClr val="accent1">
-              <a:shade val="50000"/>
-            </a:schemeClr>
-          </a:lnRef>
-          <a:fillRef idx="1">
-            <a:schemeClr val="accent1"/>
-          </a:fillRef>
-          <a:effectRef idx="0">
-            <a:schemeClr val="accent1"/>
-          </a:effectRef>
-          <a:fontRef idx="minor">
-            <a:schemeClr val="lt1"/>
-          </a:fontRef>
-        </p:style>
-        <p:txBody>
-          <a:bodyPr rtlCol="0" anchor="ctr"/>
-          <a:lstStyle/>
-          <a:p>
-            <a:pPr algn="ctr"/>
-            <a:endParaRPr lang="zh-CN" altLang="en-US"/>
+              <a:rPr lang="en-US" altLang="zh-CN" dirty="0" smtClean="0"/>
+              <a:t>Serial/</a:t>
+            </a:r>
+            <a:r>
+              <a:rPr lang="en-US" altLang="zh-CN" dirty="0" err="1" smtClean="0"/>
+              <a:t>ssh</a:t>
+            </a:r>
+            <a:r>
+              <a:rPr lang="en-US" altLang="zh-CN" dirty="0" smtClean="0"/>
+              <a:t>/telnet </a:t>
+            </a:r>
+            <a:r>
+              <a:rPr lang="zh-CN" altLang="en-US" dirty="0" smtClean="0"/>
+              <a:t>交互</a:t>
+            </a:r>
+            <a:endParaRPr lang="zh-CN" altLang="en-US" dirty="0"/>
           </a:p>
         </p:txBody>
       </p:sp>
@@ -7395,7 +7286,7 @@
         </p:nvSpPr>
         <p:spPr>
           <a:xfrm>
-            <a:off x="1324598" y="1666430"/>
+            <a:off x="1058130" y="2503307"/>
             <a:ext cx="2110811" cy="638620"/>
           </a:xfrm>
           <a:prstGeom prst="flowChartAlternateProcess">
@@ -7488,7 +7379,7 @@
         </p:nvSpPr>
         <p:spPr>
           <a:xfrm>
-            <a:off x="1324595" y="2347749"/>
+            <a:off x="1058127" y="3184626"/>
             <a:ext cx="2110811" cy="638620"/>
           </a:xfrm>
           <a:prstGeom prst="flowChartAlternateProcess">
@@ -7581,7 +7472,7 @@
         </p:nvSpPr>
         <p:spPr>
           <a:xfrm>
-            <a:off x="1324595" y="3029068"/>
+            <a:off x="1058127" y="3865945"/>
             <a:ext cx="2110811" cy="638620"/>
           </a:xfrm>
           <a:prstGeom prst="flowChartAlternateProcess">
@@ -7674,7 +7565,7 @@
         </p:nvSpPr>
         <p:spPr>
           <a:xfrm>
-            <a:off x="1324595" y="3710387"/>
+            <a:off x="1058127" y="4547264"/>
             <a:ext cx="2110811" cy="638620"/>
           </a:xfrm>
           <a:prstGeom prst="flowChartAlternateProcess">
@@ -7767,7 +7658,7 @@
         </p:nvSpPr>
         <p:spPr>
           <a:xfrm>
-            <a:off x="6600825" y="1666430"/>
+            <a:off x="6434147" y="2432714"/>
             <a:ext cx="2295525" cy="2753170"/>
           </a:xfrm>
           <a:prstGeom prst="roundRect">
@@ -7849,7 +7740,7 @@
         </p:nvSpPr>
         <p:spPr>
           <a:xfrm>
-            <a:off x="6791325" y="3043015"/>
+            <a:off x="6624648" y="3879892"/>
             <a:ext cx="930133" cy="986682"/>
           </a:xfrm>
           <a:prstGeom prst="roundRect">
@@ -7915,7 +7806,7 @@
         </p:nvSpPr>
         <p:spPr>
           <a:xfrm>
-            <a:off x="7841967" y="3043015"/>
+            <a:off x="7675290" y="3879892"/>
             <a:ext cx="911508" cy="986682"/>
           </a:xfrm>
           <a:prstGeom prst="roundRect">
@@ -7985,7 +7876,7 @@
         </p:nvSpPr>
         <p:spPr>
           <a:xfrm>
-            <a:off x="7196137" y="2305050"/>
+            <a:off x="7029460" y="3141927"/>
             <a:ext cx="1128713" cy="400110"/>
           </a:xfrm>
           <a:prstGeom prst="rect">
@@ -8005,7 +7896,7 @@
                 <a:latin typeface="宋体" panose="02010600030101010101" pitchFamily="2" charset="-122"/>
                 <a:ea typeface="宋体" panose="02010600030101010101" pitchFamily="2" charset="-122"/>
               </a:rPr>
-              <a:t>ATS</a:t>
+              <a:t>CLI</a:t>
             </a:r>
             <a:endParaRPr lang="zh-CN" altLang="en-US" sz="2000" b="1" dirty="0">
               <a:latin typeface="宋体" panose="02010600030101010101" pitchFamily="2" charset="-122"/>
@@ -8022,7 +7913,7 @@
         </p:nvSpPr>
         <p:spPr>
           <a:xfrm>
-            <a:off x="3581400" y="2848063"/>
+            <a:off x="3414723" y="3684940"/>
             <a:ext cx="523875" cy="362009"/>
           </a:xfrm>
           <a:prstGeom prst="leftRightArrow">
@@ -8068,7 +7959,7 @@
         </p:nvSpPr>
         <p:spPr>
           <a:xfrm>
-            <a:off x="5956441" y="2843493"/>
+            <a:off x="5789764" y="3680370"/>
             <a:ext cx="523875" cy="362009"/>
           </a:xfrm>
           <a:prstGeom prst="leftRightArrow">
@@ -8114,7 +8005,7 @@
         </p:nvSpPr>
         <p:spPr>
           <a:xfrm>
-            <a:off x="4282982" y="2347749"/>
+            <a:off x="4116305" y="3184626"/>
             <a:ext cx="1470266" cy="1462251"/>
           </a:xfrm>
           <a:prstGeom prst="flowChartConnector">

--- a/nose based ATS.pptx
+++ b/nose based ATS.pptx
@@ -6,8 +6,27 @@
   </p:sldMasterIdLst>
   <p:sldIdLst>
     <p:sldId id="256" r:id="rId2"/>
-    <p:sldId id="257" r:id="rId3"/>
-    <p:sldId id="258" r:id="rId4"/>
+    <p:sldId id="259" r:id="rId3"/>
+    <p:sldId id="262" r:id="rId4"/>
+    <p:sldId id="269" r:id="rId5"/>
+    <p:sldId id="257" r:id="rId6"/>
+    <p:sldId id="258" r:id="rId7"/>
+    <p:sldId id="274" r:id="rId8"/>
+    <p:sldId id="275" r:id="rId9"/>
+    <p:sldId id="276" r:id="rId10"/>
+    <p:sldId id="277" r:id="rId11"/>
+    <p:sldId id="278" r:id="rId12"/>
+    <p:sldId id="279" r:id="rId13"/>
+    <p:sldId id="280" r:id="rId14"/>
+    <p:sldId id="281" r:id="rId15"/>
+    <p:sldId id="282" r:id="rId16"/>
+    <p:sldId id="283" r:id="rId17"/>
+    <p:sldId id="270" r:id="rId18"/>
+    <p:sldId id="285" r:id="rId19"/>
+    <p:sldId id="286" r:id="rId20"/>
+    <p:sldId id="272" r:id="rId21"/>
+    <p:sldId id="284" r:id="rId22"/>
+    <p:sldId id="273" r:id="rId23"/>
   </p:sldIdLst>
   <p:sldSz cx="12192000" cy="6858000"/>
   <p:notesSz cx="6858000" cy="9144000"/>
@@ -837,7 +856,7 @@
             <a:fld id="{B61BEF0D-F0BB-DE4B-95CE-6DB70DBA9567}" type="datetimeFigureOut">
               <a:rPr lang="en-US" dirty="0"/>
               <a:pPr/>
-              <a:t>8/30/2017</a:t>
+              <a:t>11/16/2017</a:t>
             </a:fld>
             <a:endParaRPr lang="en-US" dirty="0"/>
           </a:p>
@@ -1085,7 +1104,7 @@
             <a:fld id="{B61BEF0D-F0BB-DE4B-95CE-6DB70DBA9567}" type="datetimeFigureOut">
               <a:rPr lang="en-US" dirty="0"/>
               <a:pPr/>
-              <a:t>8/30/2017</a:t>
+              <a:t>11/16/2017</a:t>
             </a:fld>
             <a:endParaRPr lang="en-US" dirty="0"/>
           </a:p>
@@ -1396,7 +1415,7 @@
             <a:fld id="{B61BEF0D-F0BB-DE4B-95CE-6DB70DBA9567}" type="datetimeFigureOut">
               <a:rPr lang="en-US" dirty="0"/>
               <a:pPr/>
-              <a:t>8/30/2017</a:t>
+              <a:t>11/16/2017</a:t>
             </a:fld>
             <a:endParaRPr lang="en-US" dirty="0"/>
           </a:p>
@@ -1734,7 +1753,7 @@
             <a:fld id="{B61BEF0D-F0BB-DE4B-95CE-6DB70DBA9567}" type="datetimeFigureOut">
               <a:rPr lang="en-US" dirty="0"/>
               <a:pPr/>
-              <a:t>8/30/2017</a:t>
+              <a:t>11/16/2017</a:t>
             </a:fld>
             <a:endParaRPr lang="en-US" dirty="0"/>
           </a:p>
@@ -2045,7 +2064,7 @@
             <a:fld id="{B61BEF0D-F0BB-DE4B-95CE-6DB70DBA9567}" type="datetimeFigureOut">
               <a:rPr lang="en-US" dirty="0"/>
               <a:pPr/>
-              <a:t>8/30/2017</a:t>
+              <a:t>11/16/2017</a:t>
             </a:fld>
             <a:endParaRPr lang="en-US" dirty="0"/>
           </a:p>
@@ -2435,7 +2454,7 @@
             <a:fld id="{B61BEF0D-F0BB-DE4B-95CE-6DB70DBA9567}" type="datetimeFigureOut">
               <a:rPr lang="en-US" dirty="0"/>
               <a:pPr/>
-              <a:t>8/30/2017</a:t>
+              <a:t>11/16/2017</a:t>
             </a:fld>
             <a:endParaRPr lang="en-US" dirty="0"/>
           </a:p>
@@ -2601,7 +2620,7 @@
           <a:p>
             <a:fld id="{55C6B4A9-1611-4792-9094-5F34BCA07E0B}" type="datetimeFigureOut">
               <a:rPr lang="en-US" dirty="0"/>
-              <a:t>8/30/2017</a:t>
+              <a:t>11/16/2017</a:t>
             </a:fld>
             <a:endParaRPr lang="en-US" dirty="0"/>
           </a:p>
@@ -2777,7 +2796,7 @@
             <a:fld id="{B61BEF0D-F0BB-DE4B-95CE-6DB70DBA9567}" type="datetimeFigureOut">
               <a:rPr lang="en-US" dirty="0"/>
               <a:pPr/>
-              <a:t>8/30/2017</a:t>
+              <a:t>11/16/2017</a:t>
             </a:fld>
             <a:endParaRPr lang="en-US" dirty="0"/>
           </a:p>
@@ -2950,7 +2969,7 @@
             <a:fld id="{B61BEF0D-F0BB-DE4B-95CE-6DB70DBA9567}" type="datetimeFigureOut">
               <a:rPr lang="en-US" dirty="0"/>
               <a:pPr/>
-              <a:t>8/30/2017</a:t>
+              <a:t>11/16/2017</a:t>
             </a:fld>
             <a:endParaRPr lang="en-US" dirty="0"/>
           </a:p>
@@ -3194,7 +3213,7 @@
             <a:fld id="{B61BEF0D-F0BB-DE4B-95CE-6DB70DBA9567}" type="datetimeFigureOut">
               <a:rPr lang="en-US" dirty="0"/>
               <a:pPr/>
-              <a:t>8/30/2017</a:t>
+              <a:t>11/16/2017</a:t>
             </a:fld>
             <a:endParaRPr lang="en-US" dirty="0"/>
           </a:p>
@@ -3422,7 +3441,7 @@
           <a:p>
             <a:fld id="{EB712588-04B1-427B-82EE-E8DB90309F08}" type="datetimeFigureOut">
               <a:rPr lang="en-US" dirty="0"/>
-              <a:t>8/30/2017</a:t>
+              <a:t>11/16/2017</a:t>
             </a:fld>
             <a:endParaRPr lang="en-US" dirty="0"/>
           </a:p>
@@ -3792,7 +3811,7 @@
             <a:fld id="{B61BEF0D-F0BB-DE4B-95CE-6DB70DBA9567}" type="datetimeFigureOut">
               <a:rPr lang="en-US" dirty="0"/>
               <a:pPr/>
-              <a:t>8/30/2017</a:t>
+              <a:t>11/16/2017</a:t>
             </a:fld>
             <a:endParaRPr lang="en-US" dirty="0"/>
           </a:p>
@@ -3912,7 +3931,7 @@
             <a:fld id="{B61BEF0D-F0BB-DE4B-95CE-6DB70DBA9567}" type="datetimeFigureOut">
               <a:rPr lang="en-US" dirty="0"/>
               <a:pPr/>
-              <a:t>8/30/2017</a:t>
+              <a:t>11/16/2017</a:t>
             </a:fld>
             <a:endParaRPr lang="en-US" dirty="0"/>
           </a:p>
@@ -4004,7 +4023,7 @@
             <a:fld id="{B61BEF0D-F0BB-DE4B-95CE-6DB70DBA9567}" type="datetimeFigureOut">
               <a:rPr lang="en-US" dirty="0"/>
               <a:pPr/>
-              <a:t>8/30/2017</a:t>
+              <a:t>11/16/2017</a:t>
             </a:fld>
             <a:endParaRPr lang="en-US" dirty="0"/>
           </a:p>
@@ -4255,7 +4274,7 @@
           <a:p>
             <a:fld id="{42A54C80-263E-416B-A8E0-580EDEADCBDC}" type="datetimeFigureOut">
               <a:rPr lang="en-US" dirty="0"/>
-              <a:t>8/30/2017</a:t>
+              <a:t>11/16/2017</a:t>
             </a:fld>
             <a:endParaRPr lang="en-US" dirty="0"/>
           </a:p>
@@ -4514,7 +4533,7 @@
             <a:fld id="{B61BEF0D-F0BB-DE4B-95CE-6DB70DBA9567}" type="datetimeFigureOut">
               <a:rPr lang="en-US" dirty="0"/>
               <a:pPr/>
-              <a:t>8/30/2017</a:t>
+              <a:t>11/16/2017</a:t>
             </a:fld>
             <a:endParaRPr lang="en-US" dirty="0"/>
           </a:p>
@@ -5254,7 +5273,7 @@
             <a:fld id="{B61BEF0D-F0BB-DE4B-95CE-6DB70DBA9567}" type="datetimeFigureOut">
               <a:rPr lang="en-US" dirty="0"/>
               <a:pPr/>
-              <a:t>8/30/2017</a:t>
+              <a:t>11/16/2017</a:t>
             </a:fld>
             <a:endParaRPr lang="en-US" dirty="0"/>
           </a:p>
@@ -5797,7 +5816,23 @@
             <a:pPr algn="ctr"/>
             <a:r>
               <a:rPr lang="en-US" altLang="zh-CN" dirty="0" smtClean="0"/>
-              <a:t>nose based ATS</a:t>
+              <a:t>ATS</a:t>
+            </a:r>
+            <a:r>
+              <a:rPr lang="zh-CN" altLang="en-US" sz="2400" dirty="0" smtClean="0"/>
+              <a:t>（</a:t>
+            </a:r>
+            <a:r>
+              <a:rPr lang="en-US" altLang="zh-CN" sz="2400" dirty="0" smtClean="0"/>
+              <a:t>auto test system</a:t>
+            </a:r>
+            <a:r>
+              <a:rPr lang="zh-CN" altLang="en-US" sz="2400" dirty="0" smtClean="0"/>
+              <a:t>）</a:t>
+            </a:r>
+            <a:r>
+              <a:rPr lang="zh-CN" altLang="en-US" dirty="0"/>
+              <a:t>介绍</a:t>
             </a:r>
             <a:endParaRPr lang="zh-CN" altLang="en-US" dirty="0"/>
           </a:p>
@@ -5822,7 +5857,7 @@
           <a:p>
             <a:r>
               <a:rPr lang="en-US" altLang="zh-CN" sz="2400" dirty="0" smtClean="0"/>
-              <a:t>Kobe </a:t>
+              <a:t>---By Kobe Gong </a:t>
             </a:r>
             <a:endParaRPr lang="zh-CN" altLang="en-US" sz="2400" dirty="0"/>
           </a:p>
@@ -5838,10 +5873,4254 @@
   <p:clrMapOvr>
     <a:masterClrMapping/>
   </p:clrMapOvr>
+  <p:timing>
+    <p:tnLst>
+      <p:par>
+        <p:cTn id="1" dur="indefinite" restart="never" nodeType="tmRoot"/>
+      </p:par>
+    </p:tnLst>
+  </p:timing>
+</p:sld>
+</file>
+
+<file path=ppt/slides/slide10.xml><?xml version="1.0" encoding="utf-8"?>
+<p:sld xmlns:a="http://schemas.openxmlformats.org/drawingml/2006/main" xmlns:r="http://schemas.openxmlformats.org/officeDocument/2006/relationships" xmlns:p="http://schemas.openxmlformats.org/presentationml/2006/main">
+  <p:cSld>
+    <p:spTree>
+      <p:nvGrpSpPr>
+        <p:cNvPr id="1" name=""/>
+        <p:cNvGrpSpPr/>
+        <p:nvPr/>
+      </p:nvGrpSpPr>
+      <p:grpSpPr>
+        <a:xfrm>
+          <a:off x="0" y="0"/>
+          <a:ext cx="0" cy="0"/>
+          <a:chOff x="0" y="0"/>
+          <a:chExt cx="0" cy="0"/>
+        </a:xfrm>
+      </p:grpSpPr>
+      <p:sp>
+        <p:nvSpPr>
+          <p:cNvPr id="4" name="副标题 3"/>
+          <p:cNvSpPr>
+            <a:spLocks noGrp="1"/>
+          </p:cNvSpPr>
+          <p:nvPr>
+            <p:ph type="subTitle" idx="1"/>
+          </p:nvPr>
+        </p:nvSpPr>
+        <p:spPr>
+          <a:xfrm>
+            <a:off x="752558" y="728283"/>
+            <a:ext cx="8763675" cy="5915278"/>
+          </a:xfrm>
+        </p:spPr>
+        <p:txBody>
+          <a:bodyPr>
+            <a:normAutofit/>
+          </a:bodyPr>
+          <a:lstStyle/>
+          <a:p>
+            <a:pPr lvl="0" algn="l"/>
+            <a:r>
+              <a:rPr lang="en-US" altLang="zh-CN" sz="2400" dirty="0" smtClean="0">
+                <a:solidFill>
+                  <a:srgbClr val="00B050"/>
+                </a:solidFill>
+              </a:rPr>
+              <a:t>2.</a:t>
+            </a:r>
+            <a:r>
+              <a:rPr lang="zh-CN" altLang="en-US" sz="2400" dirty="0" smtClean="0">
+                <a:solidFill>
+                  <a:srgbClr val="00B050"/>
+                </a:solidFill>
+              </a:rPr>
+              <a:t>帮助信息</a:t>
+            </a:r>
+            <a:endParaRPr lang="en-US" altLang="zh-CN" sz="2400" dirty="0">
+              <a:solidFill>
+                <a:srgbClr val="00B050"/>
+              </a:solidFill>
+            </a:endParaRPr>
+          </a:p>
+        </p:txBody>
+      </p:sp>
+      <p:sp>
+        <p:nvSpPr>
+          <p:cNvPr id="6" name="标题 1"/>
+          <p:cNvSpPr>
+            <a:spLocks noGrp="1"/>
+          </p:cNvSpPr>
+          <p:nvPr>
+            <p:ph type="ctrTitle"/>
+          </p:nvPr>
+        </p:nvSpPr>
+        <p:spPr>
+          <a:xfrm>
+            <a:off x="1223845" y="1"/>
+            <a:ext cx="7766936" cy="558350"/>
+          </a:xfrm>
+        </p:spPr>
+        <p:txBody>
+          <a:bodyPr/>
+          <a:lstStyle/>
+          <a:p>
+            <a:pPr lvl="0" algn="ctr"/>
+            <a:r>
+              <a:rPr lang="en-US" altLang="zh-CN" sz="2400" dirty="0">
+                <a:solidFill>
+                  <a:srgbClr val="0070C0"/>
+                </a:solidFill>
+              </a:rPr>
+              <a:t>ATS</a:t>
+            </a:r>
+            <a:r>
+              <a:rPr lang="zh-CN" altLang="en-US" sz="2400" dirty="0">
+                <a:solidFill>
+                  <a:srgbClr val="0070C0"/>
+                </a:solidFill>
+              </a:rPr>
+              <a:t>作为自动化</a:t>
+            </a:r>
+            <a:r>
+              <a:rPr lang="zh-CN" altLang="en-US" sz="2400" dirty="0">
+                <a:solidFill>
+                  <a:srgbClr val="0070C0"/>
+                </a:solidFill>
+              </a:rPr>
+              <a:t>测试</a:t>
+            </a:r>
+            <a:r>
+              <a:rPr lang="zh-CN" altLang="en-US" sz="2400" dirty="0">
+                <a:solidFill>
+                  <a:srgbClr val="0070C0"/>
+                </a:solidFill>
+              </a:rPr>
+              <a:t>框架</a:t>
+            </a:r>
+            <a:r>
+              <a:rPr lang="en-US" altLang="zh-CN" sz="2400" dirty="0" smtClean="0">
+                <a:solidFill>
+                  <a:srgbClr val="0070C0"/>
+                </a:solidFill>
+              </a:rPr>
+              <a:t>-</a:t>
+            </a:r>
+            <a:r>
+              <a:rPr lang="zh-CN" altLang="en-US" sz="2400" dirty="0" smtClean="0">
+                <a:solidFill>
+                  <a:srgbClr val="0070C0"/>
+                </a:solidFill>
+              </a:rPr>
+              <a:t>使用方法</a:t>
+            </a:r>
+            <a:endParaRPr lang="en-US" altLang="zh-CN" sz="2400" dirty="0">
+              <a:solidFill>
+                <a:srgbClr val="0070C0"/>
+              </a:solidFill>
+            </a:endParaRPr>
+          </a:p>
+        </p:txBody>
+      </p:sp>
+      <p:pic>
+        <p:nvPicPr>
+          <p:cNvPr id="3" name="图片 2"/>
+          <p:cNvPicPr>
+            <a:picLocks noChangeAspect="1"/>
+          </p:cNvPicPr>
+          <p:nvPr/>
+        </p:nvPicPr>
+        <p:blipFill>
+          <a:blip r:embed="rId2"/>
+          <a:stretch>
+            <a:fillRect/>
+          </a:stretch>
+        </p:blipFill>
+        <p:spPr>
+          <a:xfrm>
+            <a:off x="841066" y="1517214"/>
+            <a:ext cx="8713508" cy="3928726"/>
+          </a:xfrm>
+          <a:prstGeom prst="rect">
+            <a:avLst/>
+          </a:prstGeom>
+        </p:spPr>
+      </p:pic>
+    </p:spTree>
+    <p:extLst>
+      <p:ext uri="{BB962C8B-B14F-4D97-AF65-F5344CB8AC3E}">
+        <p14:creationId xmlns:p14="http://schemas.microsoft.com/office/powerpoint/2010/main" val="4187647583"/>
+      </p:ext>
+    </p:extLst>
+  </p:cSld>
+  <p:clrMapOvr>
+    <a:masterClrMapping/>
+  </p:clrMapOvr>
+  <p:timing>
+    <p:tnLst>
+      <p:par>
+        <p:cTn id="1" dur="indefinite" restart="never" nodeType="tmRoot"/>
+      </p:par>
+    </p:tnLst>
+  </p:timing>
+</p:sld>
+</file>
+
+<file path=ppt/slides/slide11.xml><?xml version="1.0" encoding="utf-8"?>
+<p:sld xmlns:a="http://schemas.openxmlformats.org/drawingml/2006/main" xmlns:r="http://schemas.openxmlformats.org/officeDocument/2006/relationships" xmlns:p="http://schemas.openxmlformats.org/presentationml/2006/main">
+  <p:cSld>
+    <p:spTree>
+      <p:nvGrpSpPr>
+        <p:cNvPr id="1" name=""/>
+        <p:cNvGrpSpPr/>
+        <p:nvPr/>
+      </p:nvGrpSpPr>
+      <p:grpSpPr>
+        <a:xfrm>
+          <a:off x="0" y="0"/>
+          <a:ext cx="0" cy="0"/>
+          <a:chOff x="0" y="0"/>
+          <a:chExt cx="0" cy="0"/>
+        </a:xfrm>
+      </p:grpSpPr>
+      <p:sp>
+        <p:nvSpPr>
+          <p:cNvPr id="4" name="副标题 3"/>
+          <p:cNvSpPr>
+            <a:spLocks noGrp="1"/>
+          </p:cNvSpPr>
+          <p:nvPr>
+            <p:ph type="subTitle" idx="1"/>
+          </p:nvPr>
+        </p:nvSpPr>
+        <p:spPr>
+          <a:xfrm>
+            <a:off x="752558" y="728283"/>
+            <a:ext cx="8763675" cy="5915278"/>
+          </a:xfrm>
+        </p:spPr>
+        <p:txBody>
+          <a:bodyPr>
+            <a:normAutofit/>
+          </a:bodyPr>
+          <a:lstStyle/>
+          <a:p>
+            <a:pPr lvl="0" algn="l"/>
+            <a:r>
+              <a:rPr lang="en-US" altLang="zh-CN" sz="2400" dirty="0" smtClean="0">
+                <a:solidFill>
+                  <a:srgbClr val="00B050"/>
+                </a:solidFill>
+              </a:rPr>
+              <a:t>3.</a:t>
+            </a:r>
+            <a:r>
+              <a:rPr lang="zh-CN" altLang="en-US" sz="2400" dirty="0" smtClean="0">
+                <a:solidFill>
+                  <a:srgbClr val="00B050"/>
+                </a:solidFill>
+              </a:rPr>
+              <a:t>查看测试集</a:t>
+            </a:r>
+            <a:endParaRPr lang="en-US" altLang="zh-CN" sz="2400" dirty="0" smtClean="0">
+              <a:solidFill>
+                <a:srgbClr val="00B050"/>
+              </a:solidFill>
+            </a:endParaRPr>
+          </a:p>
+          <a:p>
+            <a:pPr lvl="0" algn="l"/>
+            <a:endParaRPr lang="en-US" altLang="zh-CN" sz="2400" dirty="0">
+              <a:solidFill>
+                <a:srgbClr val="00B050"/>
+              </a:solidFill>
+            </a:endParaRPr>
+          </a:p>
+        </p:txBody>
+      </p:sp>
+      <p:sp>
+        <p:nvSpPr>
+          <p:cNvPr id="6" name="标题 1"/>
+          <p:cNvSpPr>
+            <a:spLocks noGrp="1"/>
+          </p:cNvSpPr>
+          <p:nvPr>
+            <p:ph type="ctrTitle"/>
+          </p:nvPr>
+        </p:nvSpPr>
+        <p:spPr>
+          <a:xfrm>
+            <a:off x="1223845" y="1"/>
+            <a:ext cx="7766936" cy="558350"/>
+          </a:xfrm>
+        </p:spPr>
+        <p:txBody>
+          <a:bodyPr/>
+          <a:lstStyle/>
+          <a:p>
+            <a:pPr lvl="0" algn="ctr"/>
+            <a:r>
+              <a:rPr lang="en-US" altLang="zh-CN" sz="2400" dirty="0">
+                <a:solidFill>
+                  <a:srgbClr val="0070C0"/>
+                </a:solidFill>
+              </a:rPr>
+              <a:t>ATS</a:t>
+            </a:r>
+            <a:r>
+              <a:rPr lang="zh-CN" altLang="en-US" sz="2400" dirty="0">
+                <a:solidFill>
+                  <a:srgbClr val="0070C0"/>
+                </a:solidFill>
+              </a:rPr>
+              <a:t>作为自动化</a:t>
+            </a:r>
+            <a:r>
+              <a:rPr lang="zh-CN" altLang="en-US" sz="2400" dirty="0">
+                <a:solidFill>
+                  <a:srgbClr val="0070C0"/>
+                </a:solidFill>
+              </a:rPr>
+              <a:t>测试</a:t>
+            </a:r>
+            <a:r>
+              <a:rPr lang="zh-CN" altLang="en-US" sz="2400" dirty="0">
+                <a:solidFill>
+                  <a:srgbClr val="0070C0"/>
+                </a:solidFill>
+              </a:rPr>
+              <a:t>框架</a:t>
+            </a:r>
+            <a:r>
+              <a:rPr lang="en-US" altLang="zh-CN" sz="2400" dirty="0" smtClean="0">
+                <a:solidFill>
+                  <a:srgbClr val="0070C0"/>
+                </a:solidFill>
+              </a:rPr>
+              <a:t>-</a:t>
+            </a:r>
+            <a:r>
+              <a:rPr lang="zh-CN" altLang="en-US" sz="2400" dirty="0" smtClean="0">
+                <a:solidFill>
+                  <a:srgbClr val="0070C0"/>
+                </a:solidFill>
+              </a:rPr>
+              <a:t>使用方法</a:t>
+            </a:r>
+            <a:endParaRPr lang="en-US" altLang="zh-CN" sz="2400" dirty="0">
+              <a:solidFill>
+                <a:srgbClr val="0070C0"/>
+              </a:solidFill>
+            </a:endParaRPr>
+          </a:p>
+        </p:txBody>
+      </p:sp>
+      <p:pic>
+        <p:nvPicPr>
+          <p:cNvPr id="2" name="图片 1"/>
+          <p:cNvPicPr>
+            <a:picLocks noChangeAspect="1"/>
+          </p:cNvPicPr>
+          <p:nvPr/>
+        </p:nvPicPr>
+        <p:blipFill>
+          <a:blip r:embed="rId2"/>
+          <a:stretch>
+            <a:fillRect/>
+          </a:stretch>
+        </p:blipFill>
+        <p:spPr>
+          <a:xfrm>
+            <a:off x="752558" y="1138784"/>
+            <a:ext cx="8626111" cy="5221555"/>
+          </a:xfrm>
+          <a:prstGeom prst="rect">
+            <a:avLst/>
+          </a:prstGeom>
+        </p:spPr>
+      </p:pic>
+    </p:spTree>
+    <p:extLst>
+      <p:ext uri="{BB962C8B-B14F-4D97-AF65-F5344CB8AC3E}">
+        <p14:creationId xmlns:p14="http://schemas.microsoft.com/office/powerpoint/2010/main" val="3964557120"/>
+      </p:ext>
+    </p:extLst>
+  </p:cSld>
+  <p:clrMapOvr>
+    <a:masterClrMapping/>
+  </p:clrMapOvr>
+  <p:timing>
+    <p:tnLst>
+      <p:par>
+        <p:cTn id="1" dur="indefinite" restart="never" nodeType="tmRoot"/>
+      </p:par>
+    </p:tnLst>
+  </p:timing>
+</p:sld>
+</file>
+
+<file path=ppt/slides/slide12.xml><?xml version="1.0" encoding="utf-8"?>
+<p:sld xmlns:a="http://schemas.openxmlformats.org/drawingml/2006/main" xmlns:r="http://schemas.openxmlformats.org/officeDocument/2006/relationships" xmlns:p="http://schemas.openxmlformats.org/presentationml/2006/main">
+  <p:cSld>
+    <p:spTree>
+      <p:nvGrpSpPr>
+        <p:cNvPr id="1" name=""/>
+        <p:cNvGrpSpPr/>
+        <p:nvPr/>
+      </p:nvGrpSpPr>
+      <p:grpSpPr>
+        <a:xfrm>
+          <a:off x="0" y="0"/>
+          <a:ext cx="0" cy="0"/>
+          <a:chOff x="0" y="0"/>
+          <a:chExt cx="0" cy="0"/>
+        </a:xfrm>
+      </p:grpSpPr>
+      <p:sp>
+        <p:nvSpPr>
+          <p:cNvPr id="4" name="副标题 3"/>
+          <p:cNvSpPr>
+            <a:spLocks noGrp="1"/>
+          </p:cNvSpPr>
+          <p:nvPr>
+            <p:ph type="subTitle" idx="1"/>
+          </p:nvPr>
+        </p:nvSpPr>
+        <p:spPr>
+          <a:xfrm>
+            <a:off x="752558" y="728283"/>
+            <a:ext cx="8763675" cy="5915278"/>
+          </a:xfrm>
+        </p:spPr>
+        <p:txBody>
+          <a:bodyPr>
+            <a:normAutofit/>
+          </a:bodyPr>
+          <a:lstStyle/>
+          <a:p>
+            <a:pPr lvl="0" algn="l"/>
+            <a:r>
+              <a:rPr lang="en-US" altLang="zh-CN" sz="2400" dirty="0" smtClean="0">
+                <a:solidFill>
+                  <a:srgbClr val="00B050"/>
+                </a:solidFill>
+              </a:rPr>
+              <a:t>4.</a:t>
+            </a:r>
+            <a:r>
+              <a:rPr lang="zh-CN" altLang="en-US" sz="2400" dirty="0" smtClean="0">
+                <a:solidFill>
+                  <a:srgbClr val="00B050"/>
+                </a:solidFill>
+              </a:rPr>
+              <a:t>运行测试集</a:t>
+            </a:r>
+            <a:endParaRPr lang="en-US" altLang="zh-CN" sz="2400" dirty="0" smtClean="0">
+              <a:solidFill>
+                <a:srgbClr val="00B050"/>
+              </a:solidFill>
+            </a:endParaRPr>
+          </a:p>
+          <a:p>
+            <a:pPr lvl="0" algn="l"/>
+            <a:endParaRPr lang="en-US" altLang="zh-CN" sz="2400" dirty="0">
+              <a:solidFill>
+                <a:srgbClr val="00B050"/>
+              </a:solidFill>
+            </a:endParaRPr>
+          </a:p>
+        </p:txBody>
+      </p:sp>
+      <p:sp>
+        <p:nvSpPr>
+          <p:cNvPr id="6" name="标题 1"/>
+          <p:cNvSpPr>
+            <a:spLocks noGrp="1"/>
+          </p:cNvSpPr>
+          <p:nvPr>
+            <p:ph type="ctrTitle"/>
+          </p:nvPr>
+        </p:nvSpPr>
+        <p:spPr>
+          <a:xfrm>
+            <a:off x="1223845" y="1"/>
+            <a:ext cx="7766936" cy="558350"/>
+          </a:xfrm>
+        </p:spPr>
+        <p:txBody>
+          <a:bodyPr/>
+          <a:lstStyle/>
+          <a:p>
+            <a:pPr lvl="0" algn="ctr"/>
+            <a:r>
+              <a:rPr lang="en-US" altLang="zh-CN" sz="2400" dirty="0">
+                <a:solidFill>
+                  <a:srgbClr val="0070C0"/>
+                </a:solidFill>
+              </a:rPr>
+              <a:t>ATS</a:t>
+            </a:r>
+            <a:r>
+              <a:rPr lang="zh-CN" altLang="en-US" sz="2400" dirty="0">
+                <a:solidFill>
+                  <a:srgbClr val="0070C0"/>
+                </a:solidFill>
+              </a:rPr>
+              <a:t>作为自动化</a:t>
+            </a:r>
+            <a:r>
+              <a:rPr lang="zh-CN" altLang="en-US" sz="2400" dirty="0">
+                <a:solidFill>
+                  <a:srgbClr val="0070C0"/>
+                </a:solidFill>
+              </a:rPr>
+              <a:t>测试</a:t>
+            </a:r>
+            <a:r>
+              <a:rPr lang="zh-CN" altLang="en-US" sz="2400" dirty="0">
+                <a:solidFill>
+                  <a:srgbClr val="0070C0"/>
+                </a:solidFill>
+              </a:rPr>
+              <a:t>框架</a:t>
+            </a:r>
+            <a:r>
+              <a:rPr lang="en-US" altLang="zh-CN" sz="2400" dirty="0" smtClean="0">
+                <a:solidFill>
+                  <a:srgbClr val="0070C0"/>
+                </a:solidFill>
+              </a:rPr>
+              <a:t>-</a:t>
+            </a:r>
+            <a:r>
+              <a:rPr lang="zh-CN" altLang="en-US" sz="2400" dirty="0" smtClean="0">
+                <a:solidFill>
+                  <a:srgbClr val="0070C0"/>
+                </a:solidFill>
+              </a:rPr>
+              <a:t>使用方法</a:t>
+            </a:r>
+            <a:endParaRPr lang="en-US" altLang="zh-CN" sz="2400" dirty="0">
+              <a:solidFill>
+                <a:srgbClr val="0070C0"/>
+              </a:solidFill>
+            </a:endParaRPr>
+          </a:p>
+        </p:txBody>
+      </p:sp>
+      <p:pic>
+        <p:nvPicPr>
+          <p:cNvPr id="5" name="图片 4"/>
+          <p:cNvPicPr>
+            <a:picLocks noChangeAspect="1"/>
+          </p:cNvPicPr>
+          <p:nvPr/>
+        </p:nvPicPr>
+        <p:blipFill>
+          <a:blip r:embed="rId2"/>
+          <a:stretch>
+            <a:fillRect/>
+          </a:stretch>
+        </p:blipFill>
+        <p:spPr>
+          <a:xfrm>
+            <a:off x="845534" y="1129978"/>
+            <a:ext cx="8727344" cy="4485896"/>
+          </a:xfrm>
+          <a:prstGeom prst="rect">
+            <a:avLst/>
+          </a:prstGeom>
+        </p:spPr>
+      </p:pic>
+    </p:spTree>
+    <p:extLst>
+      <p:ext uri="{BB962C8B-B14F-4D97-AF65-F5344CB8AC3E}">
+        <p14:creationId xmlns:p14="http://schemas.microsoft.com/office/powerpoint/2010/main" val="2683134107"/>
+      </p:ext>
+    </p:extLst>
+  </p:cSld>
+  <p:clrMapOvr>
+    <a:masterClrMapping/>
+  </p:clrMapOvr>
+  <p:timing>
+    <p:tnLst>
+      <p:par>
+        <p:cTn id="1" dur="indefinite" restart="never" nodeType="tmRoot"/>
+      </p:par>
+    </p:tnLst>
+  </p:timing>
+</p:sld>
+</file>
+
+<file path=ppt/slides/slide13.xml><?xml version="1.0" encoding="utf-8"?>
+<p:sld xmlns:a="http://schemas.openxmlformats.org/drawingml/2006/main" xmlns:r="http://schemas.openxmlformats.org/officeDocument/2006/relationships" xmlns:p="http://schemas.openxmlformats.org/presentationml/2006/main">
+  <p:cSld>
+    <p:spTree>
+      <p:nvGrpSpPr>
+        <p:cNvPr id="1" name=""/>
+        <p:cNvGrpSpPr/>
+        <p:nvPr/>
+      </p:nvGrpSpPr>
+      <p:grpSpPr>
+        <a:xfrm>
+          <a:off x="0" y="0"/>
+          <a:ext cx="0" cy="0"/>
+          <a:chOff x="0" y="0"/>
+          <a:chExt cx="0" cy="0"/>
+        </a:xfrm>
+      </p:grpSpPr>
+      <p:sp>
+        <p:nvSpPr>
+          <p:cNvPr id="4" name="副标题 3"/>
+          <p:cNvSpPr>
+            <a:spLocks noGrp="1"/>
+          </p:cNvSpPr>
+          <p:nvPr>
+            <p:ph type="subTitle" idx="1"/>
+          </p:nvPr>
+        </p:nvSpPr>
+        <p:spPr>
+          <a:xfrm>
+            <a:off x="752558" y="728283"/>
+            <a:ext cx="8763675" cy="5915278"/>
+          </a:xfrm>
+        </p:spPr>
+        <p:txBody>
+          <a:bodyPr>
+            <a:normAutofit/>
+          </a:bodyPr>
+          <a:lstStyle/>
+          <a:p>
+            <a:pPr lvl="0" algn="l"/>
+            <a:r>
+              <a:rPr lang="en-US" altLang="zh-CN" sz="2400" dirty="0" smtClean="0">
+                <a:solidFill>
+                  <a:srgbClr val="00B050"/>
+                </a:solidFill>
+              </a:rPr>
+              <a:t>5.</a:t>
+            </a:r>
+            <a:r>
+              <a:rPr lang="zh-CN" altLang="en-US" sz="2400" dirty="0" smtClean="0">
+                <a:solidFill>
+                  <a:srgbClr val="00B050"/>
+                </a:solidFill>
+              </a:rPr>
+              <a:t>查看测试</a:t>
+            </a:r>
+            <a:r>
+              <a:rPr lang="en-US" altLang="zh-CN" sz="2400" dirty="0" smtClean="0">
+                <a:solidFill>
+                  <a:srgbClr val="00B050"/>
+                </a:solidFill>
+              </a:rPr>
+              <a:t>log</a:t>
+            </a:r>
+            <a:endParaRPr lang="en-US" altLang="zh-CN" sz="2400" dirty="0">
+              <a:solidFill>
+                <a:srgbClr val="00B050"/>
+              </a:solidFill>
+            </a:endParaRPr>
+          </a:p>
+        </p:txBody>
+      </p:sp>
+      <p:sp>
+        <p:nvSpPr>
+          <p:cNvPr id="6" name="标题 1"/>
+          <p:cNvSpPr>
+            <a:spLocks noGrp="1"/>
+          </p:cNvSpPr>
+          <p:nvPr>
+            <p:ph type="ctrTitle"/>
+          </p:nvPr>
+        </p:nvSpPr>
+        <p:spPr>
+          <a:xfrm>
+            <a:off x="1223845" y="1"/>
+            <a:ext cx="7766936" cy="558350"/>
+          </a:xfrm>
+        </p:spPr>
+        <p:txBody>
+          <a:bodyPr/>
+          <a:lstStyle/>
+          <a:p>
+            <a:pPr lvl="0" algn="ctr"/>
+            <a:r>
+              <a:rPr lang="en-US" altLang="zh-CN" sz="2400" dirty="0">
+                <a:solidFill>
+                  <a:srgbClr val="0070C0"/>
+                </a:solidFill>
+              </a:rPr>
+              <a:t>ATS</a:t>
+            </a:r>
+            <a:r>
+              <a:rPr lang="zh-CN" altLang="en-US" sz="2400" dirty="0">
+                <a:solidFill>
+                  <a:srgbClr val="0070C0"/>
+                </a:solidFill>
+              </a:rPr>
+              <a:t>作为自动化</a:t>
+            </a:r>
+            <a:r>
+              <a:rPr lang="zh-CN" altLang="en-US" sz="2400" dirty="0">
+                <a:solidFill>
+                  <a:srgbClr val="0070C0"/>
+                </a:solidFill>
+              </a:rPr>
+              <a:t>测试</a:t>
+            </a:r>
+            <a:r>
+              <a:rPr lang="zh-CN" altLang="en-US" sz="2400" dirty="0">
+                <a:solidFill>
+                  <a:srgbClr val="0070C0"/>
+                </a:solidFill>
+              </a:rPr>
+              <a:t>框架</a:t>
+            </a:r>
+            <a:r>
+              <a:rPr lang="en-US" altLang="zh-CN" sz="2400" dirty="0" smtClean="0">
+                <a:solidFill>
+                  <a:srgbClr val="0070C0"/>
+                </a:solidFill>
+              </a:rPr>
+              <a:t>-</a:t>
+            </a:r>
+            <a:r>
+              <a:rPr lang="zh-CN" altLang="en-US" sz="2400" dirty="0" smtClean="0">
+                <a:solidFill>
+                  <a:srgbClr val="0070C0"/>
+                </a:solidFill>
+              </a:rPr>
+              <a:t>使用方法</a:t>
+            </a:r>
+            <a:endParaRPr lang="en-US" altLang="zh-CN" sz="2400" dirty="0">
+              <a:solidFill>
+                <a:srgbClr val="0070C0"/>
+              </a:solidFill>
+            </a:endParaRPr>
+          </a:p>
+        </p:txBody>
+      </p:sp>
+      <p:pic>
+        <p:nvPicPr>
+          <p:cNvPr id="2" name="图片 1"/>
+          <p:cNvPicPr>
+            <a:picLocks noChangeAspect="1"/>
+          </p:cNvPicPr>
+          <p:nvPr/>
+        </p:nvPicPr>
+        <p:blipFill>
+          <a:blip r:embed="rId2"/>
+          <a:stretch>
+            <a:fillRect/>
+          </a:stretch>
+        </p:blipFill>
+        <p:spPr>
+          <a:xfrm>
+            <a:off x="752559" y="1173345"/>
+            <a:ext cx="8909332" cy="5226022"/>
+          </a:xfrm>
+          <a:prstGeom prst="rect">
+            <a:avLst/>
+          </a:prstGeom>
+        </p:spPr>
+      </p:pic>
+    </p:spTree>
+    <p:extLst>
+      <p:ext uri="{BB962C8B-B14F-4D97-AF65-F5344CB8AC3E}">
+        <p14:creationId xmlns:p14="http://schemas.microsoft.com/office/powerpoint/2010/main" val="677124268"/>
+      </p:ext>
+    </p:extLst>
+  </p:cSld>
+  <p:clrMapOvr>
+    <a:masterClrMapping/>
+  </p:clrMapOvr>
+  <p:timing>
+    <p:tnLst>
+      <p:par>
+        <p:cTn id="1" dur="indefinite" restart="never" nodeType="tmRoot"/>
+      </p:par>
+    </p:tnLst>
+  </p:timing>
+</p:sld>
+</file>
+
+<file path=ppt/slides/slide14.xml><?xml version="1.0" encoding="utf-8"?>
+<p:sld xmlns:a="http://schemas.openxmlformats.org/drawingml/2006/main" xmlns:r="http://schemas.openxmlformats.org/officeDocument/2006/relationships" xmlns:p="http://schemas.openxmlformats.org/presentationml/2006/main">
+  <p:cSld>
+    <p:spTree>
+      <p:nvGrpSpPr>
+        <p:cNvPr id="1" name=""/>
+        <p:cNvGrpSpPr/>
+        <p:nvPr/>
+      </p:nvGrpSpPr>
+      <p:grpSpPr>
+        <a:xfrm>
+          <a:off x="0" y="0"/>
+          <a:ext cx="0" cy="0"/>
+          <a:chOff x="0" y="0"/>
+          <a:chExt cx="0" cy="0"/>
+        </a:xfrm>
+      </p:grpSpPr>
+      <p:sp>
+        <p:nvSpPr>
+          <p:cNvPr id="4" name="副标题 3"/>
+          <p:cNvSpPr>
+            <a:spLocks noGrp="1"/>
+          </p:cNvSpPr>
+          <p:nvPr>
+            <p:ph type="subTitle" idx="1"/>
+          </p:nvPr>
+        </p:nvSpPr>
+        <p:spPr>
+          <a:xfrm>
+            <a:off x="752558" y="728283"/>
+            <a:ext cx="8763675" cy="5915278"/>
+          </a:xfrm>
+        </p:spPr>
+        <p:txBody>
+          <a:bodyPr>
+            <a:normAutofit/>
+          </a:bodyPr>
+          <a:lstStyle/>
+          <a:p>
+            <a:pPr lvl="0" algn="l"/>
+            <a:r>
+              <a:rPr lang="en-US" altLang="zh-CN" sz="2400" dirty="0" smtClean="0">
+                <a:solidFill>
+                  <a:srgbClr val="00B050"/>
+                </a:solidFill>
+              </a:rPr>
+              <a:t>5.</a:t>
+            </a:r>
+            <a:r>
+              <a:rPr lang="zh-CN" altLang="en-US" sz="2400" dirty="0" smtClean="0">
+                <a:solidFill>
+                  <a:srgbClr val="00B050"/>
+                </a:solidFill>
+              </a:rPr>
+              <a:t>查看测试报告</a:t>
+            </a:r>
+            <a:endParaRPr lang="en-US" altLang="zh-CN" sz="2400" dirty="0" smtClean="0">
+              <a:solidFill>
+                <a:srgbClr val="00B050"/>
+              </a:solidFill>
+            </a:endParaRPr>
+          </a:p>
+          <a:p>
+            <a:pPr lvl="0" algn="l"/>
+            <a:endParaRPr lang="en-US" altLang="zh-CN" sz="2400" dirty="0">
+              <a:solidFill>
+                <a:srgbClr val="00B050"/>
+              </a:solidFill>
+            </a:endParaRPr>
+          </a:p>
+        </p:txBody>
+      </p:sp>
+      <p:sp>
+        <p:nvSpPr>
+          <p:cNvPr id="6" name="标题 1"/>
+          <p:cNvSpPr>
+            <a:spLocks noGrp="1"/>
+          </p:cNvSpPr>
+          <p:nvPr>
+            <p:ph type="ctrTitle"/>
+          </p:nvPr>
+        </p:nvSpPr>
+        <p:spPr>
+          <a:xfrm>
+            <a:off x="1223845" y="1"/>
+            <a:ext cx="7766936" cy="558350"/>
+          </a:xfrm>
+        </p:spPr>
+        <p:txBody>
+          <a:bodyPr/>
+          <a:lstStyle/>
+          <a:p>
+            <a:pPr lvl="0" algn="ctr"/>
+            <a:r>
+              <a:rPr lang="en-US" altLang="zh-CN" sz="2400" dirty="0">
+                <a:solidFill>
+                  <a:srgbClr val="0070C0"/>
+                </a:solidFill>
+              </a:rPr>
+              <a:t>ATS</a:t>
+            </a:r>
+            <a:r>
+              <a:rPr lang="zh-CN" altLang="en-US" sz="2400" dirty="0">
+                <a:solidFill>
+                  <a:srgbClr val="0070C0"/>
+                </a:solidFill>
+              </a:rPr>
+              <a:t>作为自动化</a:t>
+            </a:r>
+            <a:r>
+              <a:rPr lang="zh-CN" altLang="en-US" sz="2400" dirty="0">
+                <a:solidFill>
+                  <a:srgbClr val="0070C0"/>
+                </a:solidFill>
+              </a:rPr>
+              <a:t>测试</a:t>
+            </a:r>
+            <a:r>
+              <a:rPr lang="zh-CN" altLang="en-US" sz="2400" dirty="0">
+                <a:solidFill>
+                  <a:srgbClr val="0070C0"/>
+                </a:solidFill>
+              </a:rPr>
+              <a:t>框架</a:t>
+            </a:r>
+            <a:r>
+              <a:rPr lang="en-US" altLang="zh-CN" sz="2400" dirty="0" smtClean="0">
+                <a:solidFill>
+                  <a:srgbClr val="0070C0"/>
+                </a:solidFill>
+              </a:rPr>
+              <a:t>-</a:t>
+            </a:r>
+            <a:r>
+              <a:rPr lang="zh-CN" altLang="en-US" sz="2400" dirty="0" smtClean="0">
+                <a:solidFill>
+                  <a:srgbClr val="0070C0"/>
+                </a:solidFill>
+              </a:rPr>
+              <a:t>使用方法</a:t>
+            </a:r>
+            <a:endParaRPr lang="en-US" altLang="zh-CN" sz="2400" dirty="0">
+              <a:solidFill>
+                <a:srgbClr val="0070C0"/>
+              </a:solidFill>
+            </a:endParaRPr>
+          </a:p>
+        </p:txBody>
+      </p:sp>
+      <p:pic>
+        <p:nvPicPr>
+          <p:cNvPr id="3" name="图片 2"/>
+          <p:cNvPicPr>
+            <a:picLocks noChangeAspect="1"/>
+          </p:cNvPicPr>
+          <p:nvPr/>
+        </p:nvPicPr>
+        <p:blipFill>
+          <a:blip r:embed="rId3"/>
+          <a:stretch>
+            <a:fillRect/>
+          </a:stretch>
+        </p:blipFill>
+        <p:spPr>
+          <a:xfrm>
+            <a:off x="752558" y="1138237"/>
+            <a:ext cx="8496638" cy="4793225"/>
+          </a:xfrm>
+          <a:prstGeom prst="rect">
+            <a:avLst/>
+          </a:prstGeom>
+        </p:spPr>
+      </p:pic>
+      <p:graphicFrame>
+        <p:nvGraphicFramePr>
+          <p:cNvPr id="5" name="对象 4"/>
+          <p:cNvGraphicFramePr>
+            <a:graphicFrameLocks noChangeAspect="1"/>
+          </p:cNvGraphicFramePr>
+          <p:nvPr>
+            <p:extLst>
+              <p:ext uri="{D42A27DB-BD31-4B8C-83A1-F6EECF244321}">
+                <p14:modId xmlns:p14="http://schemas.microsoft.com/office/powerpoint/2010/main" val="3153169111"/>
+              </p:ext>
+            </p:extLst>
+          </p:nvPr>
+        </p:nvGraphicFramePr>
+        <p:xfrm>
+          <a:off x="3588255" y="5779961"/>
+          <a:ext cx="1244600" cy="863600"/>
+        </p:xfrm>
+        <a:graphic>
+          <a:graphicData uri="http://schemas.openxmlformats.org/presentationml/2006/ole">
+            <mc:AlternateContent xmlns:mc="http://schemas.openxmlformats.org/markup-compatibility/2006">
+              <mc:Choice xmlns:v="urn:schemas-microsoft-com:vml" Requires="v">
+                <p:oleObj spid="_x0000_s1053" name="包装程序外壳对象" showAsIcon="1" r:id="rId4" imgW="1244160" imgH="863640" progId="Package">
+                  <p:embed/>
+                </p:oleObj>
+              </mc:Choice>
+              <mc:Fallback>
+                <p:oleObj name="包装程序外壳对象" showAsIcon="1" r:id="rId4" imgW="1244160" imgH="863640" progId="Package">
+                  <p:embed/>
+                  <p:pic>
+                    <p:nvPicPr>
+                      <p:cNvPr id="0" name=""/>
+                      <p:cNvPicPr/>
+                      <p:nvPr/>
+                    </p:nvPicPr>
+                    <p:blipFill>
+                      <a:blip r:embed="rId5"/>
+                      <a:stretch>
+                        <a:fillRect/>
+                      </a:stretch>
+                    </p:blipFill>
+                    <p:spPr>
+                      <a:xfrm>
+                        <a:off x="3588255" y="5779961"/>
+                        <a:ext cx="1244600" cy="863600"/>
+                      </a:xfrm>
+                      <a:prstGeom prst="rect">
+                        <a:avLst/>
+                      </a:prstGeom>
+                    </p:spPr>
+                  </p:pic>
+                </p:oleObj>
+              </mc:Fallback>
+            </mc:AlternateContent>
+          </a:graphicData>
+        </a:graphic>
+      </p:graphicFrame>
+    </p:spTree>
+    <p:extLst>
+      <p:ext uri="{BB962C8B-B14F-4D97-AF65-F5344CB8AC3E}">
+        <p14:creationId xmlns:p14="http://schemas.microsoft.com/office/powerpoint/2010/main" val="3385621065"/>
+      </p:ext>
+    </p:extLst>
+  </p:cSld>
+  <p:clrMapOvr>
+    <a:masterClrMapping/>
+  </p:clrMapOvr>
+  <p:timing>
+    <p:tnLst>
+      <p:par>
+        <p:cTn id="1" dur="indefinite" restart="never" nodeType="tmRoot"/>
+      </p:par>
+    </p:tnLst>
+  </p:timing>
+</p:sld>
+</file>
+
+<file path=ppt/slides/slide15.xml><?xml version="1.0" encoding="utf-8"?>
+<p:sld xmlns:a="http://schemas.openxmlformats.org/drawingml/2006/main" xmlns:r="http://schemas.openxmlformats.org/officeDocument/2006/relationships" xmlns:p="http://schemas.openxmlformats.org/presentationml/2006/main">
+  <p:cSld>
+    <p:spTree>
+      <p:nvGrpSpPr>
+        <p:cNvPr id="1" name=""/>
+        <p:cNvGrpSpPr/>
+        <p:nvPr/>
+      </p:nvGrpSpPr>
+      <p:grpSpPr>
+        <a:xfrm>
+          <a:off x="0" y="0"/>
+          <a:ext cx="0" cy="0"/>
+          <a:chOff x="0" y="0"/>
+          <a:chExt cx="0" cy="0"/>
+        </a:xfrm>
+      </p:grpSpPr>
+      <p:sp>
+        <p:nvSpPr>
+          <p:cNvPr id="4" name="副标题 3"/>
+          <p:cNvSpPr>
+            <a:spLocks noGrp="1"/>
+          </p:cNvSpPr>
+          <p:nvPr>
+            <p:ph type="subTitle" idx="1"/>
+          </p:nvPr>
+        </p:nvSpPr>
+        <p:spPr>
+          <a:xfrm>
+            <a:off x="752558" y="728283"/>
+            <a:ext cx="8763675" cy="5915278"/>
+          </a:xfrm>
+        </p:spPr>
+        <p:txBody>
+          <a:bodyPr>
+            <a:normAutofit/>
+          </a:bodyPr>
+          <a:lstStyle/>
+          <a:p>
+            <a:pPr lvl="0" algn="l"/>
+            <a:r>
+              <a:rPr lang="en-US" altLang="zh-CN" sz="2400" dirty="0" smtClean="0">
+                <a:solidFill>
+                  <a:srgbClr val="00B050"/>
+                </a:solidFill>
+              </a:rPr>
+              <a:t>6.</a:t>
+            </a:r>
+            <a:r>
+              <a:rPr lang="zh-CN" altLang="en-US" sz="2400" dirty="0" smtClean="0">
+                <a:solidFill>
+                  <a:srgbClr val="00B050"/>
+                </a:solidFill>
+              </a:rPr>
+              <a:t>运行单个用例</a:t>
+            </a:r>
+            <a:endParaRPr lang="en-US" altLang="zh-CN" sz="2400" dirty="0">
+              <a:solidFill>
+                <a:srgbClr val="00B050"/>
+              </a:solidFill>
+            </a:endParaRPr>
+          </a:p>
+        </p:txBody>
+      </p:sp>
+      <p:sp>
+        <p:nvSpPr>
+          <p:cNvPr id="6" name="标题 1"/>
+          <p:cNvSpPr>
+            <a:spLocks noGrp="1"/>
+          </p:cNvSpPr>
+          <p:nvPr>
+            <p:ph type="ctrTitle"/>
+          </p:nvPr>
+        </p:nvSpPr>
+        <p:spPr>
+          <a:xfrm>
+            <a:off x="1223845" y="1"/>
+            <a:ext cx="7766936" cy="558350"/>
+          </a:xfrm>
+        </p:spPr>
+        <p:txBody>
+          <a:bodyPr/>
+          <a:lstStyle/>
+          <a:p>
+            <a:pPr lvl="0" algn="ctr"/>
+            <a:r>
+              <a:rPr lang="en-US" altLang="zh-CN" sz="2400" dirty="0">
+                <a:solidFill>
+                  <a:srgbClr val="0070C0"/>
+                </a:solidFill>
+              </a:rPr>
+              <a:t>ATS</a:t>
+            </a:r>
+            <a:r>
+              <a:rPr lang="zh-CN" altLang="en-US" sz="2400" dirty="0">
+                <a:solidFill>
+                  <a:srgbClr val="0070C0"/>
+                </a:solidFill>
+              </a:rPr>
+              <a:t>作为自动化</a:t>
+            </a:r>
+            <a:r>
+              <a:rPr lang="zh-CN" altLang="en-US" sz="2400" dirty="0">
+                <a:solidFill>
+                  <a:srgbClr val="0070C0"/>
+                </a:solidFill>
+              </a:rPr>
+              <a:t>测试</a:t>
+            </a:r>
+            <a:r>
+              <a:rPr lang="zh-CN" altLang="en-US" sz="2400" dirty="0">
+                <a:solidFill>
+                  <a:srgbClr val="0070C0"/>
+                </a:solidFill>
+              </a:rPr>
+              <a:t>框架</a:t>
+            </a:r>
+            <a:r>
+              <a:rPr lang="en-US" altLang="zh-CN" sz="2400" dirty="0" smtClean="0">
+                <a:solidFill>
+                  <a:srgbClr val="0070C0"/>
+                </a:solidFill>
+              </a:rPr>
+              <a:t>-</a:t>
+            </a:r>
+            <a:r>
+              <a:rPr lang="zh-CN" altLang="en-US" sz="2400" dirty="0" smtClean="0">
+                <a:solidFill>
+                  <a:srgbClr val="0070C0"/>
+                </a:solidFill>
+              </a:rPr>
+              <a:t>使用方法</a:t>
+            </a:r>
+            <a:endParaRPr lang="en-US" altLang="zh-CN" sz="2400" dirty="0">
+              <a:solidFill>
+                <a:srgbClr val="0070C0"/>
+              </a:solidFill>
+            </a:endParaRPr>
+          </a:p>
+        </p:txBody>
+      </p:sp>
+      <p:pic>
+        <p:nvPicPr>
+          <p:cNvPr id="3" name="图片 2"/>
+          <p:cNvPicPr>
+            <a:picLocks noChangeAspect="1"/>
+          </p:cNvPicPr>
+          <p:nvPr/>
+        </p:nvPicPr>
+        <p:blipFill>
+          <a:blip r:embed="rId2">
+            <a:extLst>
+              <a:ext uri="{28A0092B-C50C-407E-A947-70E740481C1C}">
+                <a14:useLocalDpi xmlns:a14="http://schemas.microsoft.com/office/drawing/2010/main" val="0"/>
+              </a:ext>
+            </a:extLst>
+          </a:blip>
+          <a:stretch>
+            <a:fillRect/>
+          </a:stretch>
+        </p:blipFill>
+        <p:spPr>
+          <a:xfrm>
+            <a:off x="752847" y="1221798"/>
+            <a:ext cx="8981872" cy="4992885"/>
+          </a:xfrm>
+          <a:prstGeom prst="rect">
+            <a:avLst/>
+          </a:prstGeom>
+        </p:spPr>
+      </p:pic>
+    </p:spTree>
+    <p:extLst>
+      <p:ext uri="{BB962C8B-B14F-4D97-AF65-F5344CB8AC3E}">
+        <p14:creationId xmlns:p14="http://schemas.microsoft.com/office/powerpoint/2010/main" val="119495564"/>
+      </p:ext>
+    </p:extLst>
+  </p:cSld>
+  <p:clrMapOvr>
+    <a:masterClrMapping/>
+  </p:clrMapOvr>
+  <p:timing>
+    <p:tnLst>
+      <p:par>
+        <p:cTn id="1" dur="indefinite" restart="never" nodeType="tmRoot"/>
+      </p:par>
+    </p:tnLst>
+  </p:timing>
+</p:sld>
+</file>
+
+<file path=ppt/slides/slide16.xml><?xml version="1.0" encoding="utf-8"?>
+<p:sld xmlns:a="http://schemas.openxmlformats.org/drawingml/2006/main" xmlns:r="http://schemas.openxmlformats.org/officeDocument/2006/relationships" xmlns:p="http://schemas.openxmlformats.org/presentationml/2006/main">
+  <p:cSld>
+    <p:spTree>
+      <p:nvGrpSpPr>
+        <p:cNvPr id="1" name=""/>
+        <p:cNvGrpSpPr/>
+        <p:nvPr/>
+      </p:nvGrpSpPr>
+      <p:grpSpPr>
+        <a:xfrm>
+          <a:off x="0" y="0"/>
+          <a:ext cx="0" cy="0"/>
+          <a:chOff x="0" y="0"/>
+          <a:chExt cx="0" cy="0"/>
+        </a:xfrm>
+      </p:grpSpPr>
+      <p:sp>
+        <p:nvSpPr>
+          <p:cNvPr id="4" name="副标题 3"/>
+          <p:cNvSpPr>
+            <a:spLocks noGrp="1"/>
+          </p:cNvSpPr>
+          <p:nvPr>
+            <p:ph type="subTitle" idx="1"/>
+          </p:nvPr>
+        </p:nvSpPr>
+        <p:spPr>
+          <a:xfrm>
+            <a:off x="752558" y="728283"/>
+            <a:ext cx="8763675" cy="5915278"/>
+          </a:xfrm>
+        </p:spPr>
+        <p:txBody>
+          <a:bodyPr>
+            <a:normAutofit/>
+          </a:bodyPr>
+          <a:lstStyle/>
+          <a:p>
+            <a:pPr lvl="0" algn="l"/>
+            <a:r>
+              <a:rPr lang="en-US" altLang="zh-CN" sz="2400" dirty="0">
+                <a:solidFill>
+                  <a:srgbClr val="00B050"/>
+                </a:solidFill>
+              </a:rPr>
+              <a:t>7</a:t>
+            </a:r>
+            <a:r>
+              <a:rPr lang="en-US" altLang="zh-CN" sz="2400" dirty="0" smtClean="0">
+                <a:solidFill>
+                  <a:srgbClr val="00B050"/>
+                </a:solidFill>
+              </a:rPr>
+              <a:t>.</a:t>
+            </a:r>
+            <a:r>
+              <a:rPr lang="zh-CN" altLang="en-US" sz="2400" dirty="0" smtClean="0">
+                <a:solidFill>
+                  <a:srgbClr val="00B050"/>
+                </a:solidFill>
+              </a:rPr>
+              <a:t>运行单个用例时的</a:t>
+            </a:r>
+            <a:r>
+              <a:rPr lang="en-US" altLang="zh-CN" sz="2400" dirty="0" smtClean="0">
+                <a:solidFill>
+                  <a:srgbClr val="00B050"/>
+                </a:solidFill>
+              </a:rPr>
+              <a:t>log</a:t>
+            </a:r>
+          </a:p>
+          <a:p>
+            <a:pPr lvl="0" algn="l"/>
+            <a:endParaRPr lang="en-US" altLang="zh-CN" sz="2400" dirty="0">
+              <a:solidFill>
+                <a:srgbClr val="00B050"/>
+              </a:solidFill>
+            </a:endParaRPr>
+          </a:p>
+        </p:txBody>
+      </p:sp>
+      <p:sp>
+        <p:nvSpPr>
+          <p:cNvPr id="6" name="标题 1"/>
+          <p:cNvSpPr>
+            <a:spLocks noGrp="1"/>
+          </p:cNvSpPr>
+          <p:nvPr>
+            <p:ph type="ctrTitle"/>
+          </p:nvPr>
+        </p:nvSpPr>
+        <p:spPr>
+          <a:xfrm>
+            <a:off x="1223845" y="1"/>
+            <a:ext cx="7766936" cy="558350"/>
+          </a:xfrm>
+        </p:spPr>
+        <p:txBody>
+          <a:bodyPr/>
+          <a:lstStyle/>
+          <a:p>
+            <a:pPr lvl="0" algn="ctr"/>
+            <a:r>
+              <a:rPr lang="en-US" altLang="zh-CN" sz="2400" dirty="0">
+                <a:solidFill>
+                  <a:srgbClr val="0070C0"/>
+                </a:solidFill>
+              </a:rPr>
+              <a:t>ATS</a:t>
+            </a:r>
+            <a:r>
+              <a:rPr lang="zh-CN" altLang="en-US" sz="2400" dirty="0">
+                <a:solidFill>
+                  <a:srgbClr val="0070C0"/>
+                </a:solidFill>
+              </a:rPr>
+              <a:t>作为自动化</a:t>
+            </a:r>
+            <a:r>
+              <a:rPr lang="zh-CN" altLang="en-US" sz="2400" dirty="0">
+                <a:solidFill>
+                  <a:srgbClr val="0070C0"/>
+                </a:solidFill>
+              </a:rPr>
+              <a:t>测试</a:t>
+            </a:r>
+            <a:r>
+              <a:rPr lang="zh-CN" altLang="en-US" sz="2400" dirty="0">
+                <a:solidFill>
+                  <a:srgbClr val="0070C0"/>
+                </a:solidFill>
+              </a:rPr>
+              <a:t>框架</a:t>
+            </a:r>
+            <a:r>
+              <a:rPr lang="en-US" altLang="zh-CN" sz="2400" dirty="0" smtClean="0">
+                <a:solidFill>
+                  <a:srgbClr val="0070C0"/>
+                </a:solidFill>
+              </a:rPr>
+              <a:t>-</a:t>
+            </a:r>
+            <a:r>
+              <a:rPr lang="zh-CN" altLang="en-US" sz="2400" dirty="0" smtClean="0">
+                <a:solidFill>
+                  <a:srgbClr val="0070C0"/>
+                </a:solidFill>
+              </a:rPr>
+              <a:t>使用方法</a:t>
+            </a:r>
+            <a:endParaRPr lang="en-US" altLang="zh-CN" sz="2400" dirty="0">
+              <a:solidFill>
+                <a:srgbClr val="0070C0"/>
+              </a:solidFill>
+            </a:endParaRPr>
+          </a:p>
+        </p:txBody>
+      </p:sp>
+      <p:pic>
+        <p:nvPicPr>
+          <p:cNvPr id="2" name="图片 1"/>
+          <p:cNvPicPr>
+            <a:picLocks noChangeAspect="1"/>
+          </p:cNvPicPr>
+          <p:nvPr/>
+        </p:nvPicPr>
+        <p:blipFill>
+          <a:blip r:embed="rId2"/>
+          <a:stretch>
+            <a:fillRect/>
+          </a:stretch>
+        </p:blipFill>
+        <p:spPr>
+          <a:xfrm>
+            <a:off x="604290" y="1619797"/>
+            <a:ext cx="9009048" cy="3057399"/>
+          </a:xfrm>
+          <a:prstGeom prst="rect">
+            <a:avLst/>
+          </a:prstGeom>
+        </p:spPr>
+      </p:pic>
+      <p:pic>
+        <p:nvPicPr>
+          <p:cNvPr id="5" name="图片 4"/>
+          <p:cNvPicPr>
+            <a:picLocks noChangeAspect="1"/>
+          </p:cNvPicPr>
+          <p:nvPr/>
+        </p:nvPicPr>
+        <p:blipFill>
+          <a:blip r:embed="rId3"/>
+          <a:stretch>
+            <a:fillRect/>
+          </a:stretch>
+        </p:blipFill>
+        <p:spPr>
+          <a:xfrm>
+            <a:off x="604290" y="4220922"/>
+            <a:ext cx="8515350" cy="2487375"/>
+          </a:xfrm>
+          <a:prstGeom prst="rect">
+            <a:avLst/>
+          </a:prstGeom>
+        </p:spPr>
+      </p:pic>
+    </p:spTree>
+    <p:extLst>
+      <p:ext uri="{BB962C8B-B14F-4D97-AF65-F5344CB8AC3E}">
+        <p14:creationId xmlns:p14="http://schemas.microsoft.com/office/powerpoint/2010/main" val="373270951"/>
+      </p:ext>
+    </p:extLst>
+  </p:cSld>
+  <p:clrMapOvr>
+    <a:masterClrMapping/>
+  </p:clrMapOvr>
+  <p:timing>
+    <p:tnLst>
+      <p:par>
+        <p:cTn id="1" dur="indefinite" restart="never" nodeType="tmRoot"/>
+      </p:par>
+    </p:tnLst>
+  </p:timing>
+</p:sld>
+</file>
+
+<file path=ppt/slides/slide17.xml><?xml version="1.0" encoding="utf-8"?>
+<p:sld xmlns:a="http://schemas.openxmlformats.org/drawingml/2006/main" xmlns:r="http://schemas.openxmlformats.org/officeDocument/2006/relationships" xmlns:p="http://schemas.openxmlformats.org/presentationml/2006/main">
+  <p:cSld>
+    <p:spTree>
+      <p:nvGrpSpPr>
+        <p:cNvPr id="1" name=""/>
+        <p:cNvGrpSpPr/>
+        <p:nvPr/>
+      </p:nvGrpSpPr>
+      <p:grpSpPr>
+        <a:xfrm>
+          <a:off x="0" y="0"/>
+          <a:ext cx="0" cy="0"/>
+          <a:chOff x="0" y="0"/>
+          <a:chExt cx="0" cy="0"/>
+        </a:xfrm>
+      </p:grpSpPr>
+      <p:sp>
+        <p:nvSpPr>
+          <p:cNvPr id="4" name="副标题 3"/>
+          <p:cNvSpPr>
+            <a:spLocks noGrp="1"/>
+          </p:cNvSpPr>
+          <p:nvPr>
+            <p:ph type="subTitle" idx="1"/>
+          </p:nvPr>
+        </p:nvSpPr>
+        <p:spPr>
+          <a:xfrm>
+            <a:off x="752558" y="929469"/>
+            <a:ext cx="8763675" cy="5714092"/>
+          </a:xfrm>
+        </p:spPr>
+        <p:txBody>
+          <a:bodyPr>
+            <a:normAutofit/>
+          </a:bodyPr>
+          <a:lstStyle/>
+          <a:p>
+            <a:pPr algn="l"/>
+            <a:endParaRPr lang="en-US" altLang="zh-CN" dirty="0" smtClean="0">
+              <a:solidFill>
+                <a:srgbClr val="0070C0"/>
+              </a:solidFill>
+            </a:endParaRPr>
+          </a:p>
+          <a:p>
+            <a:pPr algn="l"/>
+            <a:r>
+              <a:rPr lang="en-US" altLang="zh-CN" dirty="0" smtClean="0"/>
+              <a:t>    </a:t>
+            </a:r>
+            <a:r>
+              <a:rPr lang="zh-CN" altLang="en-US" dirty="0" smtClean="0"/>
+              <a:t>由于</a:t>
+            </a:r>
+            <a:r>
+              <a:rPr lang="en-US" altLang="zh-CN" dirty="0" smtClean="0"/>
+              <a:t>ATS</a:t>
+            </a:r>
+            <a:r>
+              <a:rPr lang="zh-CN" altLang="en-US" dirty="0" smtClean="0"/>
+              <a:t>内部实现了很多常用的功能模块（</a:t>
+            </a:r>
+            <a:r>
+              <a:rPr lang="en-US" altLang="zh-CN" dirty="0" err="1" smtClean="0"/>
+              <a:t>my_serial</a:t>
+            </a:r>
+            <a:r>
+              <a:rPr lang="en-US" altLang="zh-CN" dirty="0" smtClean="0"/>
+              <a:t>, </a:t>
+            </a:r>
+            <a:r>
+              <a:rPr lang="en-US" altLang="zh-CN" dirty="0" err="1" smtClean="0"/>
+              <a:t>my_socket</a:t>
+            </a:r>
+            <a:r>
+              <a:rPr lang="en-US" altLang="zh-CN" dirty="0" smtClean="0"/>
+              <a:t>, http, </a:t>
+            </a:r>
+            <a:r>
+              <a:rPr lang="en-US" altLang="zh-CN" dirty="0" err="1" smtClean="0"/>
+              <a:t>log_tool</a:t>
+            </a:r>
+            <a:r>
+              <a:rPr lang="en-US" altLang="zh-CN" dirty="0"/>
+              <a:t>, </a:t>
+            </a:r>
+            <a:r>
+              <a:rPr lang="en-US" altLang="zh-CN" dirty="0" err="1"/>
+              <a:t>MyCmd</a:t>
+            </a:r>
+            <a:r>
+              <a:rPr lang="en-US" altLang="zh-CN" dirty="0"/>
+              <a:t> </a:t>
+            </a:r>
+            <a:r>
+              <a:rPr lang="zh-CN" altLang="en-US" dirty="0" smtClean="0"/>
+              <a:t>），使用这些模块可以很容易的开发出满足测试需要的实用工具。以</a:t>
+            </a:r>
+            <a:r>
+              <a:rPr lang="en-US" altLang="zh-CN" dirty="0" smtClean="0"/>
+              <a:t>socket</a:t>
+            </a:r>
+            <a:r>
+              <a:rPr lang="zh-CN" altLang="en-US" dirty="0" smtClean="0"/>
+              <a:t>模块为例，通过使用经过</a:t>
+            </a:r>
+            <a:r>
+              <a:rPr lang="en-US" altLang="zh-CN" dirty="0" smtClean="0"/>
+              <a:t>ATS</a:t>
+            </a:r>
+            <a:r>
+              <a:rPr lang="zh-CN" altLang="en-US" dirty="0" smtClean="0"/>
+              <a:t>封装后的</a:t>
+            </a:r>
+            <a:r>
+              <a:rPr lang="en-US" altLang="zh-CN" dirty="0" err="1" smtClean="0"/>
+              <a:t>MyServer</a:t>
+            </a:r>
+            <a:r>
+              <a:rPr lang="zh-CN" altLang="en-US" dirty="0" smtClean="0"/>
+              <a:t>， </a:t>
+            </a:r>
+            <a:r>
+              <a:rPr lang="en-US" altLang="zh-CN" dirty="0" err="1" smtClean="0"/>
+              <a:t>MyClient</a:t>
+            </a:r>
+            <a:r>
+              <a:rPr lang="zh-CN" altLang="en-US" dirty="0" smtClean="0"/>
+              <a:t>类可以很容易开发出工作在多线程模式的小工具。</a:t>
+            </a:r>
+            <a:endParaRPr lang="en-US" altLang="zh-CN" dirty="0" smtClean="0"/>
+          </a:p>
+          <a:p>
+            <a:pPr algn="l"/>
+            <a:endParaRPr lang="en-US" altLang="zh-CN" dirty="0"/>
+          </a:p>
+          <a:p>
+            <a:pPr algn="l"/>
+            <a:endParaRPr lang="en-US" altLang="zh-CN" dirty="0" smtClean="0"/>
+          </a:p>
+          <a:p>
+            <a:pPr algn="l"/>
+            <a:endParaRPr lang="en-US" altLang="zh-CN" dirty="0" smtClean="0"/>
+          </a:p>
+          <a:p>
+            <a:pPr algn="l"/>
+            <a:r>
+              <a:rPr lang="en-US" altLang="zh-CN" dirty="0" smtClean="0"/>
+              <a:t>    </a:t>
+            </a:r>
+            <a:r>
+              <a:rPr lang="zh-CN" altLang="en-US" dirty="0" smtClean="0">
+                <a:solidFill>
+                  <a:srgbClr val="0070C0"/>
+                </a:solidFill>
+              </a:rPr>
+              <a:t>目前已经实现的小工具：</a:t>
+            </a:r>
+            <a:endParaRPr lang="en-US" altLang="zh-CN" dirty="0" smtClean="0">
+              <a:solidFill>
+                <a:srgbClr val="0070C0"/>
+              </a:solidFill>
+            </a:endParaRPr>
+          </a:p>
+          <a:p>
+            <a:pPr algn="l"/>
+            <a:r>
+              <a:rPr lang="en-US" altLang="zh-CN" dirty="0"/>
+              <a:t>	-</a:t>
+            </a:r>
+            <a:r>
+              <a:rPr lang="en-US" altLang="zh-CN" dirty="0" smtClean="0"/>
+              <a:t>air.py </a:t>
+            </a:r>
+            <a:r>
+              <a:rPr lang="zh-CN" altLang="en-US" dirty="0" smtClean="0"/>
+              <a:t>（多路空调模拟工具）</a:t>
+            </a:r>
+            <a:endParaRPr lang="en-US" altLang="zh-CN" dirty="0" smtClean="0"/>
+          </a:p>
+          <a:p>
+            <a:pPr algn="l"/>
+            <a:r>
+              <a:rPr lang="en-US" altLang="zh-CN" dirty="0"/>
+              <a:t>	-</a:t>
+            </a:r>
+            <a:r>
+              <a:rPr lang="en-US" altLang="zh-CN" dirty="0" smtClean="0"/>
+              <a:t>appsim.py</a:t>
+            </a:r>
+            <a:r>
+              <a:rPr lang="zh-CN" altLang="en-US" dirty="0" smtClean="0"/>
+              <a:t>（用于压力测试的空调控制工具）</a:t>
+            </a:r>
+            <a:endParaRPr lang="en-US" altLang="zh-CN" dirty="0" smtClean="0"/>
+          </a:p>
+          <a:p>
+            <a:pPr algn="l"/>
+            <a:r>
+              <a:rPr lang="en-US" altLang="zh-CN" dirty="0"/>
+              <a:t>	-</a:t>
+            </a:r>
+            <a:r>
+              <a:rPr lang="en-US" altLang="zh-CN" dirty="0" smtClean="0"/>
+              <a:t>socket_app.py</a:t>
+            </a:r>
+            <a:r>
+              <a:rPr lang="zh-CN" altLang="en-US" dirty="0" smtClean="0"/>
+              <a:t>（多</a:t>
+            </a:r>
+            <a:r>
+              <a:rPr lang="en-US" altLang="zh-CN" dirty="0" err="1" smtClean="0"/>
+              <a:t>clinet</a:t>
+            </a:r>
+            <a:r>
+              <a:rPr lang="zh-CN" altLang="en-US" dirty="0"/>
+              <a:t>端</a:t>
+            </a:r>
+            <a:r>
+              <a:rPr lang="zh-CN" altLang="en-US" dirty="0" smtClean="0"/>
+              <a:t>模拟</a:t>
+            </a:r>
+            <a:r>
+              <a:rPr lang="zh-CN" altLang="en-US" dirty="0"/>
+              <a:t>工具</a:t>
+            </a:r>
+            <a:r>
+              <a:rPr lang="zh-CN" altLang="en-US" dirty="0" smtClean="0"/>
+              <a:t>）</a:t>
+            </a:r>
+            <a:endParaRPr lang="en-US" altLang="zh-CN" dirty="0" smtClean="0"/>
+          </a:p>
+          <a:p>
+            <a:pPr algn="l"/>
+            <a:endParaRPr lang="en-US" altLang="zh-CN" dirty="0"/>
+          </a:p>
+        </p:txBody>
+      </p:sp>
+      <p:sp>
+        <p:nvSpPr>
+          <p:cNvPr id="5" name="标题 1"/>
+          <p:cNvSpPr txBox="1">
+            <a:spLocks/>
+          </p:cNvSpPr>
+          <p:nvPr/>
+        </p:nvSpPr>
+        <p:spPr>
+          <a:xfrm>
+            <a:off x="1223845" y="0"/>
+            <a:ext cx="7766936" cy="929469"/>
+          </a:xfrm>
+          <a:prstGeom prst="rect">
+            <a:avLst/>
+          </a:prstGeom>
+        </p:spPr>
+        <p:txBody>
+          <a:bodyPr vert="horz" lIns="91440" tIns="45720" rIns="91440" bIns="45720" rtlCol="0" anchor="b">
+            <a:noAutofit/>
+          </a:bodyPr>
+          <a:lstStyle>
+            <a:lvl1pPr algn="r" defTabSz="457200" rtl="0" eaLnBrk="1" latinLnBrk="0" hangingPunct="1">
+              <a:spcBef>
+                <a:spcPct val="0"/>
+              </a:spcBef>
+              <a:buNone/>
+              <a:defRPr sz="5400" kern="1200">
+                <a:solidFill>
+                  <a:schemeClr val="accent1"/>
+                </a:solidFill>
+                <a:latin typeface="+mj-lt"/>
+                <a:ea typeface="+mj-ea"/>
+                <a:cs typeface="+mj-cs"/>
+              </a:defRPr>
+            </a:lvl1pPr>
+            <a:lvl2pPr eaLnBrk="1" hangingPunct="1">
+              <a:defRPr>
+                <a:solidFill>
+                  <a:schemeClr val="tx2"/>
+                </a:solidFill>
+              </a:defRPr>
+            </a:lvl2pPr>
+            <a:lvl3pPr eaLnBrk="1" hangingPunct="1">
+              <a:defRPr>
+                <a:solidFill>
+                  <a:schemeClr val="tx2"/>
+                </a:solidFill>
+              </a:defRPr>
+            </a:lvl3pPr>
+            <a:lvl4pPr eaLnBrk="1" hangingPunct="1">
+              <a:defRPr>
+                <a:solidFill>
+                  <a:schemeClr val="tx2"/>
+                </a:solidFill>
+              </a:defRPr>
+            </a:lvl4pPr>
+            <a:lvl5pPr eaLnBrk="1" hangingPunct="1">
+              <a:defRPr>
+                <a:solidFill>
+                  <a:schemeClr val="tx2"/>
+                </a:solidFill>
+              </a:defRPr>
+            </a:lvl5pPr>
+            <a:lvl6pPr eaLnBrk="1" hangingPunct="1">
+              <a:defRPr>
+                <a:solidFill>
+                  <a:schemeClr val="tx2"/>
+                </a:solidFill>
+              </a:defRPr>
+            </a:lvl6pPr>
+            <a:lvl7pPr eaLnBrk="1" hangingPunct="1">
+              <a:defRPr>
+                <a:solidFill>
+                  <a:schemeClr val="tx2"/>
+                </a:solidFill>
+              </a:defRPr>
+            </a:lvl7pPr>
+            <a:lvl8pPr eaLnBrk="1" hangingPunct="1">
+              <a:defRPr>
+                <a:solidFill>
+                  <a:schemeClr val="tx2"/>
+                </a:solidFill>
+              </a:defRPr>
+            </a:lvl8pPr>
+            <a:lvl9pPr eaLnBrk="1" hangingPunct="1">
+              <a:defRPr>
+                <a:solidFill>
+                  <a:schemeClr val="tx2"/>
+                </a:solidFill>
+              </a:defRPr>
+            </a:lvl9pPr>
+          </a:lstStyle>
+          <a:p>
+            <a:pPr algn="ctr"/>
+            <a:r>
+              <a:rPr lang="en-US" altLang="zh-CN" dirty="0" smtClean="0">
+                <a:solidFill>
+                  <a:srgbClr val="00B050"/>
+                </a:solidFill>
+              </a:rPr>
+              <a:t>ATS</a:t>
+            </a:r>
+            <a:r>
+              <a:rPr lang="zh-CN" altLang="en-US" dirty="0" smtClean="0">
+                <a:solidFill>
+                  <a:srgbClr val="00B050"/>
+                </a:solidFill>
+              </a:rPr>
+              <a:t>简介（</a:t>
+            </a:r>
+            <a:r>
+              <a:rPr lang="zh-CN" altLang="en-US" sz="1100" dirty="0" smtClean="0">
+                <a:solidFill>
+                  <a:srgbClr val="0070C0"/>
+                </a:solidFill>
+              </a:rPr>
+              <a:t>作为工具箱</a:t>
+            </a:r>
+            <a:r>
+              <a:rPr lang="zh-CN" altLang="en-US" sz="1100" dirty="0">
+                <a:solidFill>
+                  <a:srgbClr val="0070C0"/>
+                </a:solidFill>
+              </a:rPr>
+              <a:t>一</a:t>
+            </a:r>
+            <a:r>
+              <a:rPr lang="zh-CN" altLang="en-US" dirty="0" smtClean="0">
+                <a:solidFill>
+                  <a:srgbClr val="00B050"/>
+                </a:solidFill>
+              </a:rPr>
+              <a:t>）</a:t>
+            </a:r>
+            <a:endParaRPr lang="en-US" altLang="zh-CN" dirty="0">
+              <a:solidFill>
+                <a:srgbClr val="00B050"/>
+              </a:solidFill>
+            </a:endParaRPr>
+          </a:p>
+        </p:txBody>
+      </p:sp>
+    </p:spTree>
+    <p:extLst>
+      <p:ext uri="{BB962C8B-B14F-4D97-AF65-F5344CB8AC3E}">
+        <p14:creationId xmlns:p14="http://schemas.microsoft.com/office/powerpoint/2010/main" val="2388050314"/>
+      </p:ext>
+    </p:extLst>
+  </p:cSld>
+  <p:clrMapOvr>
+    <a:masterClrMapping/>
+  </p:clrMapOvr>
+  <p:timing>
+    <p:tnLst>
+      <p:par>
+        <p:cTn id="1" dur="indefinite" restart="never" nodeType="tmRoot"/>
+      </p:par>
+    </p:tnLst>
+  </p:timing>
+</p:sld>
+</file>
+
+<file path=ppt/slides/slide18.xml><?xml version="1.0" encoding="utf-8"?>
+<p:sld xmlns:a="http://schemas.openxmlformats.org/drawingml/2006/main" xmlns:r="http://schemas.openxmlformats.org/officeDocument/2006/relationships" xmlns:p="http://schemas.openxmlformats.org/presentationml/2006/main">
+  <p:cSld>
+    <p:spTree>
+      <p:nvGrpSpPr>
+        <p:cNvPr id="1" name=""/>
+        <p:cNvGrpSpPr/>
+        <p:nvPr/>
+      </p:nvGrpSpPr>
+      <p:grpSpPr>
+        <a:xfrm>
+          <a:off x="0" y="0"/>
+          <a:ext cx="0" cy="0"/>
+          <a:chOff x="0" y="0"/>
+          <a:chExt cx="0" cy="0"/>
+        </a:xfrm>
+      </p:grpSpPr>
+      <p:sp>
+        <p:nvSpPr>
+          <p:cNvPr id="4" name="副标题 3"/>
+          <p:cNvSpPr>
+            <a:spLocks noGrp="1"/>
+          </p:cNvSpPr>
+          <p:nvPr>
+            <p:ph type="subTitle" idx="1"/>
+          </p:nvPr>
+        </p:nvSpPr>
+        <p:spPr>
+          <a:xfrm>
+            <a:off x="752558" y="929469"/>
+            <a:ext cx="8763675" cy="5714092"/>
+          </a:xfrm>
+        </p:spPr>
+        <p:txBody>
+          <a:bodyPr>
+            <a:normAutofit/>
+          </a:bodyPr>
+          <a:lstStyle/>
+          <a:p>
+            <a:pPr algn="l"/>
+            <a:endParaRPr lang="en-US" altLang="zh-CN" dirty="0" smtClean="0">
+              <a:solidFill>
+                <a:srgbClr val="0070C0"/>
+              </a:solidFill>
+            </a:endParaRPr>
+          </a:p>
+          <a:p>
+            <a:pPr algn="l"/>
+            <a:endParaRPr lang="en-US" altLang="zh-CN" dirty="0"/>
+          </a:p>
+          <a:p>
+            <a:pPr algn="l"/>
+            <a:r>
+              <a:rPr lang="zh-CN" altLang="en-US" dirty="0" smtClean="0"/>
+              <a:t>优势：</a:t>
+            </a:r>
+            <a:endParaRPr lang="en-US" altLang="zh-CN" dirty="0" smtClean="0"/>
+          </a:p>
+          <a:p>
+            <a:pPr algn="l"/>
+            <a:r>
+              <a:rPr lang="en-US" altLang="zh-CN" dirty="0"/>
+              <a:t>	</a:t>
+            </a:r>
+            <a:r>
+              <a:rPr lang="en-US" altLang="zh-CN" dirty="0" smtClean="0"/>
+              <a:t>1). </a:t>
+            </a:r>
+            <a:r>
+              <a:rPr lang="zh-CN" altLang="en-US" dirty="0"/>
+              <a:t>利用</a:t>
+            </a:r>
+            <a:r>
+              <a:rPr lang="en-US" altLang="zh-CN" dirty="0" err="1" smtClean="0"/>
+              <a:t>MyCmd</a:t>
+            </a:r>
+            <a:r>
+              <a:rPr lang="en-US" altLang="zh-CN" dirty="0" smtClean="0"/>
+              <a:t> </a:t>
+            </a:r>
+            <a:r>
+              <a:rPr lang="zh-CN" altLang="en-US" dirty="0" smtClean="0"/>
+              <a:t>模块可以实现与程序的交互，例如可以在程序运行当中改变程序的行为：</a:t>
+            </a:r>
+            <a:endParaRPr lang="en-US" altLang="zh-CN" dirty="0" smtClean="0"/>
+          </a:p>
+        </p:txBody>
+      </p:sp>
+      <p:sp>
+        <p:nvSpPr>
+          <p:cNvPr id="5" name="标题 1"/>
+          <p:cNvSpPr txBox="1">
+            <a:spLocks/>
+          </p:cNvSpPr>
+          <p:nvPr/>
+        </p:nvSpPr>
+        <p:spPr>
+          <a:xfrm>
+            <a:off x="1223845" y="0"/>
+            <a:ext cx="7766936" cy="929469"/>
+          </a:xfrm>
+          <a:prstGeom prst="rect">
+            <a:avLst/>
+          </a:prstGeom>
+        </p:spPr>
+        <p:txBody>
+          <a:bodyPr vert="horz" lIns="91440" tIns="45720" rIns="91440" bIns="45720" rtlCol="0" anchor="b">
+            <a:noAutofit/>
+          </a:bodyPr>
+          <a:lstStyle>
+            <a:lvl1pPr algn="r" defTabSz="457200" rtl="0" eaLnBrk="1" latinLnBrk="0" hangingPunct="1">
+              <a:spcBef>
+                <a:spcPct val="0"/>
+              </a:spcBef>
+              <a:buNone/>
+              <a:defRPr sz="5400" kern="1200">
+                <a:solidFill>
+                  <a:schemeClr val="accent1"/>
+                </a:solidFill>
+                <a:latin typeface="+mj-lt"/>
+                <a:ea typeface="+mj-ea"/>
+                <a:cs typeface="+mj-cs"/>
+              </a:defRPr>
+            </a:lvl1pPr>
+            <a:lvl2pPr eaLnBrk="1" hangingPunct="1">
+              <a:defRPr>
+                <a:solidFill>
+                  <a:schemeClr val="tx2"/>
+                </a:solidFill>
+              </a:defRPr>
+            </a:lvl2pPr>
+            <a:lvl3pPr eaLnBrk="1" hangingPunct="1">
+              <a:defRPr>
+                <a:solidFill>
+                  <a:schemeClr val="tx2"/>
+                </a:solidFill>
+              </a:defRPr>
+            </a:lvl3pPr>
+            <a:lvl4pPr eaLnBrk="1" hangingPunct="1">
+              <a:defRPr>
+                <a:solidFill>
+                  <a:schemeClr val="tx2"/>
+                </a:solidFill>
+              </a:defRPr>
+            </a:lvl4pPr>
+            <a:lvl5pPr eaLnBrk="1" hangingPunct="1">
+              <a:defRPr>
+                <a:solidFill>
+                  <a:schemeClr val="tx2"/>
+                </a:solidFill>
+              </a:defRPr>
+            </a:lvl5pPr>
+            <a:lvl6pPr eaLnBrk="1" hangingPunct="1">
+              <a:defRPr>
+                <a:solidFill>
+                  <a:schemeClr val="tx2"/>
+                </a:solidFill>
+              </a:defRPr>
+            </a:lvl6pPr>
+            <a:lvl7pPr eaLnBrk="1" hangingPunct="1">
+              <a:defRPr>
+                <a:solidFill>
+                  <a:schemeClr val="tx2"/>
+                </a:solidFill>
+              </a:defRPr>
+            </a:lvl7pPr>
+            <a:lvl8pPr eaLnBrk="1" hangingPunct="1">
+              <a:defRPr>
+                <a:solidFill>
+                  <a:schemeClr val="tx2"/>
+                </a:solidFill>
+              </a:defRPr>
+            </a:lvl8pPr>
+            <a:lvl9pPr eaLnBrk="1" hangingPunct="1">
+              <a:defRPr>
+                <a:solidFill>
+                  <a:schemeClr val="tx2"/>
+                </a:solidFill>
+              </a:defRPr>
+            </a:lvl9pPr>
+          </a:lstStyle>
+          <a:p>
+            <a:pPr algn="ctr"/>
+            <a:r>
+              <a:rPr lang="en-US" altLang="zh-CN" dirty="0" smtClean="0">
+                <a:solidFill>
+                  <a:srgbClr val="00B050"/>
+                </a:solidFill>
+              </a:rPr>
+              <a:t>ATS</a:t>
+            </a:r>
+            <a:r>
+              <a:rPr lang="zh-CN" altLang="en-US" dirty="0" smtClean="0">
+                <a:solidFill>
+                  <a:srgbClr val="00B050"/>
+                </a:solidFill>
+              </a:rPr>
+              <a:t>简介（</a:t>
+            </a:r>
+            <a:r>
+              <a:rPr lang="zh-CN" altLang="en-US" sz="1100" dirty="0" smtClean="0">
+                <a:solidFill>
+                  <a:srgbClr val="0070C0"/>
+                </a:solidFill>
+              </a:rPr>
+              <a:t>作为工具箱二</a:t>
+            </a:r>
+            <a:r>
+              <a:rPr lang="zh-CN" altLang="en-US" dirty="0" smtClean="0">
+                <a:solidFill>
+                  <a:srgbClr val="00B050"/>
+                </a:solidFill>
+              </a:rPr>
+              <a:t>）</a:t>
+            </a:r>
+            <a:endParaRPr lang="en-US" altLang="zh-CN" dirty="0">
+              <a:solidFill>
+                <a:srgbClr val="00B050"/>
+              </a:solidFill>
+            </a:endParaRPr>
+          </a:p>
+        </p:txBody>
+      </p:sp>
+      <p:pic>
+        <p:nvPicPr>
+          <p:cNvPr id="3" name="图片 2"/>
+          <p:cNvPicPr>
+            <a:picLocks noChangeAspect="1"/>
+          </p:cNvPicPr>
+          <p:nvPr/>
+        </p:nvPicPr>
+        <p:blipFill>
+          <a:blip r:embed="rId2"/>
+          <a:stretch>
+            <a:fillRect/>
+          </a:stretch>
+        </p:blipFill>
+        <p:spPr>
+          <a:xfrm>
+            <a:off x="780231" y="2833561"/>
+            <a:ext cx="8210550" cy="3810000"/>
+          </a:xfrm>
+          <a:prstGeom prst="rect">
+            <a:avLst/>
+          </a:prstGeom>
+        </p:spPr>
+      </p:pic>
+    </p:spTree>
+    <p:extLst>
+      <p:ext uri="{BB962C8B-B14F-4D97-AF65-F5344CB8AC3E}">
+        <p14:creationId xmlns:p14="http://schemas.microsoft.com/office/powerpoint/2010/main" val="2293280270"/>
+      </p:ext>
+    </p:extLst>
+  </p:cSld>
+  <p:clrMapOvr>
+    <a:masterClrMapping/>
+  </p:clrMapOvr>
+  <p:timing>
+    <p:tnLst>
+      <p:par>
+        <p:cTn id="1" dur="indefinite" restart="never" nodeType="tmRoot"/>
+      </p:par>
+    </p:tnLst>
+  </p:timing>
+</p:sld>
+</file>
+
+<file path=ppt/slides/slide19.xml><?xml version="1.0" encoding="utf-8"?>
+<p:sld xmlns:a="http://schemas.openxmlformats.org/drawingml/2006/main" xmlns:r="http://schemas.openxmlformats.org/officeDocument/2006/relationships" xmlns:p="http://schemas.openxmlformats.org/presentationml/2006/main">
+  <p:cSld>
+    <p:spTree>
+      <p:nvGrpSpPr>
+        <p:cNvPr id="1" name=""/>
+        <p:cNvGrpSpPr/>
+        <p:nvPr/>
+      </p:nvGrpSpPr>
+      <p:grpSpPr>
+        <a:xfrm>
+          <a:off x="0" y="0"/>
+          <a:ext cx="0" cy="0"/>
+          <a:chOff x="0" y="0"/>
+          <a:chExt cx="0" cy="0"/>
+        </a:xfrm>
+      </p:grpSpPr>
+      <p:sp>
+        <p:nvSpPr>
+          <p:cNvPr id="4" name="副标题 3"/>
+          <p:cNvSpPr>
+            <a:spLocks noGrp="1"/>
+          </p:cNvSpPr>
+          <p:nvPr>
+            <p:ph type="subTitle" idx="1"/>
+          </p:nvPr>
+        </p:nvSpPr>
+        <p:spPr>
+          <a:xfrm>
+            <a:off x="752558" y="929469"/>
+            <a:ext cx="8763675" cy="5714092"/>
+          </a:xfrm>
+        </p:spPr>
+        <p:txBody>
+          <a:bodyPr>
+            <a:normAutofit/>
+          </a:bodyPr>
+          <a:lstStyle/>
+          <a:p>
+            <a:pPr algn="l"/>
+            <a:endParaRPr lang="en-US" altLang="zh-CN" dirty="0" smtClean="0">
+              <a:solidFill>
+                <a:srgbClr val="0070C0"/>
+              </a:solidFill>
+            </a:endParaRPr>
+          </a:p>
+          <a:p>
+            <a:pPr algn="l"/>
+            <a:endParaRPr lang="en-US" altLang="zh-CN" dirty="0"/>
+          </a:p>
+          <a:p>
+            <a:pPr algn="l"/>
+            <a:r>
+              <a:rPr lang="en-US" altLang="zh-CN" dirty="0"/>
+              <a:t>	</a:t>
+            </a:r>
+            <a:r>
+              <a:rPr lang="en-US" altLang="zh-CN" dirty="0" smtClean="0"/>
+              <a:t>2). </a:t>
+            </a:r>
+            <a:r>
+              <a:rPr lang="zh-CN" altLang="en-US" dirty="0" smtClean="0"/>
+              <a:t>利用</a:t>
+            </a:r>
+            <a:r>
+              <a:rPr lang="en-US" altLang="zh-CN" dirty="0" err="1" smtClean="0"/>
+              <a:t>log_tool</a:t>
+            </a:r>
+            <a:r>
+              <a:rPr lang="zh-CN" altLang="en-US" dirty="0" smtClean="0"/>
+              <a:t>模块可以实现绚丽多彩，五彩缤纷的日志</a:t>
+            </a:r>
+            <a:endParaRPr lang="en-US" altLang="zh-CN" dirty="0" smtClean="0"/>
+          </a:p>
+          <a:p>
+            <a:pPr algn="l"/>
+            <a:endParaRPr lang="en-US" altLang="zh-CN" dirty="0" smtClean="0"/>
+          </a:p>
+          <a:p>
+            <a:pPr algn="l"/>
+            <a:endParaRPr lang="en-US" altLang="zh-CN" dirty="0" smtClean="0"/>
+          </a:p>
+          <a:p>
+            <a:pPr algn="l"/>
+            <a:r>
+              <a:rPr lang="en-US" altLang="zh-CN" dirty="0"/>
+              <a:t>	</a:t>
+            </a:r>
+            <a:endParaRPr lang="en-US" altLang="zh-CN" dirty="0" smtClean="0"/>
+          </a:p>
+          <a:p>
+            <a:pPr algn="l"/>
+            <a:r>
+              <a:rPr lang="en-US" altLang="zh-CN" dirty="0"/>
+              <a:t>	</a:t>
+            </a:r>
+            <a:endParaRPr lang="en-US" altLang="zh-CN" dirty="0" smtClean="0"/>
+          </a:p>
+          <a:p>
+            <a:pPr algn="l"/>
+            <a:endParaRPr lang="en-US" altLang="zh-CN" dirty="0"/>
+          </a:p>
+          <a:p>
+            <a:pPr algn="l"/>
+            <a:r>
+              <a:rPr lang="en-US" altLang="zh-CN" dirty="0" smtClean="0"/>
+              <a:t>	3). </a:t>
+            </a:r>
+            <a:r>
+              <a:rPr lang="zh-CN" altLang="en-US" dirty="0" smtClean="0"/>
+              <a:t>利用其它功能模块可以大大缩短工具的开发周期</a:t>
+            </a:r>
+            <a:r>
+              <a:rPr lang="en-US" altLang="zh-CN" dirty="0" smtClean="0"/>
+              <a:t> </a:t>
+            </a:r>
+          </a:p>
+        </p:txBody>
+      </p:sp>
+      <p:sp>
+        <p:nvSpPr>
+          <p:cNvPr id="5" name="标题 1"/>
+          <p:cNvSpPr txBox="1">
+            <a:spLocks/>
+          </p:cNvSpPr>
+          <p:nvPr/>
+        </p:nvSpPr>
+        <p:spPr>
+          <a:xfrm>
+            <a:off x="1223845" y="0"/>
+            <a:ext cx="7766936" cy="929469"/>
+          </a:xfrm>
+          <a:prstGeom prst="rect">
+            <a:avLst/>
+          </a:prstGeom>
+        </p:spPr>
+        <p:txBody>
+          <a:bodyPr vert="horz" lIns="91440" tIns="45720" rIns="91440" bIns="45720" rtlCol="0" anchor="b">
+            <a:noAutofit/>
+          </a:bodyPr>
+          <a:lstStyle>
+            <a:lvl1pPr algn="r" defTabSz="457200" rtl="0" eaLnBrk="1" latinLnBrk="0" hangingPunct="1">
+              <a:spcBef>
+                <a:spcPct val="0"/>
+              </a:spcBef>
+              <a:buNone/>
+              <a:defRPr sz="5400" kern="1200">
+                <a:solidFill>
+                  <a:schemeClr val="accent1"/>
+                </a:solidFill>
+                <a:latin typeface="+mj-lt"/>
+                <a:ea typeface="+mj-ea"/>
+                <a:cs typeface="+mj-cs"/>
+              </a:defRPr>
+            </a:lvl1pPr>
+            <a:lvl2pPr eaLnBrk="1" hangingPunct="1">
+              <a:defRPr>
+                <a:solidFill>
+                  <a:schemeClr val="tx2"/>
+                </a:solidFill>
+              </a:defRPr>
+            </a:lvl2pPr>
+            <a:lvl3pPr eaLnBrk="1" hangingPunct="1">
+              <a:defRPr>
+                <a:solidFill>
+                  <a:schemeClr val="tx2"/>
+                </a:solidFill>
+              </a:defRPr>
+            </a:lvl3pPr>
+            <a:lvl4pPr eaLnBrk="1" hangingPunct="1">
+              <a:defRPr>
+                <a:solidFill>
+                  <a:schemeClr val="tx2"/>
+                </a:solidFill>
+              </a:defRPr>
+            </a:lvl4pPr>
+            <a:lvl5pPr eaLnBrk="1" hangingPunct="1">
+              <a:defRPr>
+                <a:solidFill>
+                  <a:schemeClr val="tx2"/>
+                </a:solidFill>
+              </a:defRPr>
+            </a:lvl5pPr>
+            <a:lvl6pPr eaLnBrk="1" hangingPunct="1">
+              <a:defRPr>
+                <a:solidFill>
+                  <a:schemeClr val="tx2"/>
+                </a:solidFill>
+              </a:defRPr>
+            </a:lvl6pPr>
+            <a:lvl7pPr eaLnBrk="1" hangingPunct="1">
+              <a:defRPr>
+                <a:solidFill>
+                  <a:schemeClr val="tx2"/>
+                </a:solidFill>
+              </a:defRPr>
+            </a:lvl7pPr>
+            <a:lvl8pPr eaLnBrk="1" hangingPunct="1">
+              <a:defRPr>
+                <a:solidFill>
+                  <a:schemeClr val="tx2"/>
+                </a:solidFill>
+              </a:defRPr>
+            </a:lvl8pPr>
+            <a:lvl9pPr eaLnBrk="1" hangingPunct="1">
+              <a:defRPr>
+                <a:solidFill>
+                  <a:schemeClr val="tx2"/>
+                </a:solidFill>
+              </a:defRPr>
+            </a:lvl9pPr>
+          </a:lstStyle>
+          <a:p>
+            <a:pPr algn="ctr"/>
+            <a:r>
+              <a:rPr lang="en-US" altLang="zh-CN" dirty="0" smtClean="0">
+                <a:solidFill>
+                  <a:srgbClr val="00B050"/>
+                </a:solidFill>
+              </a:rPr>
+              <a:t>ATS</a:t>
+            </a:r>
+            <a:r>
+              <a:rPr lang="zh-CN" altLang="en-US" dirty="0" smtClean="0">
+                <a:solidFill>
+                  <a:srgbClr val="00B050"/>
+                </a:solidFill>
+              </a:rPr>
+              <a:t>简介（</a:t>
+            </a:r>
+            <a:r>
+              <a:rPr lang="zh-CN" altLang="en-US" sz="1100" dirty="0" smtClean="0">
+                <a:solidFill>
+                  <a:srgbClr val="0070C0"/>
+                </a:solidFill>
+              </a:rPr>
+              <a:t>作为工具箱三</a:t>
+            </a:r>
+            <a:r>
+              <a:rPr lang="zh-CN" altLang="en-US" dirty="0" smtClean="0">
+                <a:solidFill>
+                  <a:srgbClr val="00B050"/>
+                </a:solidFill>
+              </a:rPr>
+              <a:t>）</a:t>
+            </a:r>
+            <a:endParaRPr lang="en-US" altLang="zh-CN" dirty="0">
+              <a:solidFill>
+                <a:srgbClr val="00B050"/>
+              </a:solidFill>
+            </a:endParaRPr>
+          </a:p>
+        </p:txBody>
+      </p:sp>
+      <p:pic>
+        <p:nvPicPr>
+          <p:cNvPr id="2" name="图片 1"/>
+          <p:cNvPicPr>
+            <a:picLocks noChangeAspect="1"/>
+          </p:cNvPicPr>
+          <p:nvPr/>
+        </p:nvPicPr>
+        <p:blipFill>
+          <a:blip r:embed="rId2"/>
+          <a:stretch>
+            <a:fillRect/>
+          </a:stretch>
+        </p:blipFill>
+        <p:spPr>
+          <a:xfrm>
+            <a:off x="477599" y="2836997"/>
+            <a:ext cx="9313591" cy="781050"/>
+          </a:xfrm>
+          <a:prstGeom prst="rect">
+            <a:avLst/>
+          </a:prstGeom>
+        </p:spPr>
+      </p:pic>
+    </p:spTree>
+    <p:extLst>
+      <p:ext uri="{BB962C8B-B14F-4D97-AF65-F5344CB8AC3E}">
+        <p14:creationId xmlns:p14="http://schemas.microsoft.com/office/powerpoint/2010/main" val="4046031061"/>
+      </p:ext>
+    </p:extLst>
+  </p:cSld>
+  <p:clrMapOvr>
+    <a:masterClrMapping/>
+  </p:clrMapOvr>
+  <p:timing>
+    <p:tnLst>
+      <p:par>
+        <p:cTn id="1" dur="indefinite" restart="never" nodeType="tmRoot"/>
+      </p:par>
+    </p:tnLst>
+  </p:timing>
 </p:sld>
 </file>
 
 <file path=ppt/slides/slide2.xml><?xml version="1.0" encoding="utf-8"?>
+<p:sld xmlns:a="http://schemas.openxmlformats.org/drawingml/2006/main" xmlns:r="http://schemas.openxmlformats.org/officeDocument/2006/relationships" xmlns:p="http://schemas.openxmlformats.org/presentationml/2006/main">
+  <p:cSld>
+    <p:spTree>
+      <p:nvGrpSpPr>
+        <p:cNvPr id="1" name=""/>
+        <p:cNvGrpSpPr/>
+        <p:nvPr/>
+      </p:nvGrpSpPr>
+      <p:grpSpPr>
+        <a:xfrm>
+          <a:off x="0" y="0"/>
+          <a:ext cx="0" cy="0"/>
+          <a:chOff x="0" y="0"/>
+          <a:chExt cx="0" cy="0"/>
+        </a:xfrm>
+      </p:grpSpPr>
+      <p:sp>
+        <p:nvSpPr>
+          <p:cNvPr id="2" name="标题 1"/>
+          <p:cNvSpPr>
+            <a:spLocks noGrp="1"/>
+          </p:cNvSpPr>
+          <p:nvPr>
+            <p:ph type="ctrTitle"/>
+          </p:nvPr>
+        </p:nvSpPr>
+        <p:spPr>
+          <a:xfrm>
+            <a:off x="1223845" y="0"/>
+            <a:ext cx="7766936" cy="929469"/>
+          </a:xfrm>
+        </p:spPr>
+        <p:txBody>
+          <a:bodyPr/>
+          <a:lstStyle/>
+          <a:p>
+            <a:pPr algn="ctr"/>
+            <a:r>
+              <a:rPr lang="en-US" altLang="zh-CN" dirty="0">
+                <a:solidFill>
+                  <a:srgbClr val="00B050"/>
+                </a:solidFill>
+              </a:rPr>
+              <a:t>Nose</a:t>
+            </a:r>
+            <a:r>
+              <a:rPr lang="zh-CN" altLang="en-US" dirty="0">
+                <a:solidFill>
+                  <a:srgbClr val="00B050"/>
+                </a:solidFill>
+              </a:rPr>
+              <a:t>简介</a:t>
+            </a:r>
+            <a:endParaRPr lang="en-US" altLang="zh-CN" dirty="0">
+              <a:solidFill>
+                <a:srgbClr val="00B050"/>
+              </a:solidFill>
+            </a:endParaRPr>
+          </a:p>
+        </p:txBody>
+      </p:sp>
+      <p:sp>
+        <p:nvSpPr>
+          <p:cNvPr id="4" name="副标题 3"/>
+          <p:cNvSpPr>
+            <a:spLocks noGrp="1"/>
+          </p:cNvSpPr>
+          <p:nvPr>
+            <p:ph type="subTitle" idx="1"/>
+          </p:nvPr>
+        </p:nvSpPr>
+        <p:spPr>
+          <a:xfrm>
+            <a:off x="744466" y="1027688"/>
+            <a:ext cx="8779859" cy="5130351"/>
+          </a:xfrm>
+        </p:spPr>
+        <p:txBody>
+          <a:bodyPr>
+            <a:normAutofit lnSpcReduction="10000"/>
+          </a:bodyPr>
+          <a:lstStyle/>
+          <a:p>
+            <a:pPr algn="l"/>
+            <a:r>
+              <a:rPr lang="en-US" altLang="zh-CN" sz="3400" dirty="0" smtClean="0">
+                <a:latin typeface="Calibri" panose="020F0502020204030204" pitchFamily="34" charset="0"/>
+                <a:ea typeface="华文新魏" panose="02010800040101010101" pitchFamily="2" charset="-122"/>
+              </a:rPr>
+              <a:t>    </a:t>
+            </a:r>
+            <a:r>
+              <a:rPr lang="en-US" altLang="zh-CN" sz="2200" dirty="0" smtClean="0">
+                <a:latin typeface="Calibri" panose="020F0502020204030204" pitchFamily="34" charset="0"/>
+                <a:ea typeface="华文新魏" panose="02010800040101010101" pitchFamily="2" charset="-122"/>
+              </a:rPr>
+              <a:t>nose</a:t>
+            </a:r>
+            <a:r>
+              <a:rPr lang="zh-CN" altLang="en-US" sz="2200" dirty="0" smtClean="0">
+                <a:latin typeface="Calibri" panose="020F0502020204030204" pitchFamily="34" charset="0"/>
+                <a:ea typeface="华文新魏" panose="02010800040101010101" pitchFamily="2" charset="-122"/>
+              </a:rPr>
+              <a:t>是一个用于</a:t>
+            </a:r>
+            <a:r>
+              <a:rPr lang="en-US" altLang="zh-CN" sz="2200" dirty="0" smtClean="0">
+                <a:latin typeface="Calibri" panose="020F0502020204030204" pitchFamily="34" charset="0"/>
+                <a:ea typeface="华文新魏" panose="02010800040101010101" pitchFamily="2" charset="-122"/>
+              </a:rPr>
+              <a:t>python</a:t>
+            </a:r>
+            <a:r>
+              <a:rPr lang="zh-CN" altLang="en-US" sz="2200" dirty="0" smtClean="0">
+                <a:latin typeface="Calibri" panose="020F0502020204030204" pitchFamily="34" charset="0"/>
+                <a:ea typeface="华文新魏" panose="02010800040101010101" pitchFamily="2" charset="-122"/>
+              </a:rPr>
+              <a:t>单元测试的工具。</a:t>
+            </a:r>
+            <a:r>
+              <a:rPr lang="en-US" altLang="zh-CN" sz="2200" dirty="0" smtClean="0">
+                <a:latin typeface="Calibri" panose="020F0502020204030204" pitchFamily="34" charset="0"/>
+                <a:ea typeface="华文新魏" panose="02010800040101010101" pitchFamily="2" charset="-122"/>
+              </a:rPr>
+              <a:t>nose</a:t>
+            </a:r>
+            <a:r>
+              <a:rPr lang="en-US" altLang="zh-CN" sz="2200" dirty="0">
+                <a:latin typeface="Calibri" panose="020F0502020204030204" pitchFamily="34" charset="0"/>
+                <a:ea typeface="华文新魏" panose="02010800040101010101" pitchFamily="2" charset="-122"/>
+              </a:rPr>
+              <a:t> </a:t>
+            </a:r>
+            <a:r>
+              <a:rPr lang="zh-CN" altLang="zh-CN" sz="2200" dirty="0">
+                <a:latin typeface="Calibri" panose="020F0502020204030204" pitchFamily="34" charset="0"/>
+                <a:ea typeface="华文新魏" panose="02010800040101010101" pitchFamily="2" charset="-122"/>
+              </a:rPr>
+              <a:t>项目是于</a:t>
+            </a:r>
+            <a:r>
+              <a:rPr lang="en-US" altLang="zh-CN" sz="2200" dirty="0">
+                <a:latin typeface="Calibri" panose="020F0502020204030204" pitchFamily="34" charset="0"/>
+                <a:ea typeface="华文新魏" panose="02010800040101010101" pitchFamily="2" charset="-122"/>
+              </a:rPr>
+              <a:t> 2005 </a:t>
+            </a:r>
+            <a:r>
+              <a:rPr lang="zh-CN" altLang="zh-CN" sz="2200" dirty="0">
+                <a:latin typeface="Calibri" panose="020F0502020204030204" pitchFamily="34" charset="0"/>
+                <a:ea typeface="华文新魏" panose="02010800040101010101" pitchFamily="2" charset="-122"/>
+              </a:rPr>
+              <a:t>年发布的，也就是</a:t>
+            </a:r>
+            <a:r>
+              <a:rPr lang="en-US" altLang="zh-CN" sz="2200" dirty="0">
+                <a:latin typeface="Calibri" panose="020F0502020204030204" pitchFamily="34" charset="0"/>
+                <a:ea typeface="华文新魏" panose="02010800040101010101" pitchFamily="2" charset="-122"/>
+              </a:rPr>
+              <a:t> </a:t>
+            </a:r>
+            <a:r>
+              <a:rPr lang="en-US" altLang="zh-CN" sz="2200" dirty="0" err="1">
+                <a:latin typeface="Calibri" panose="020F0502020204030204" pitchFamily="34" charset="0"/>
+                <a:ea typeface="华文新魏" panose="02010800040101010101" pitchFamily="2" charset="-122"/>
+              </a:rPr>
+              <a:t>py.test</a:t>
+            </a:r>
+            <a:r>
+              <a:rPr lang="en-US" altLang="zh-CN" sz="2200" dirty="0">
+                <a:latin typeface="Calibri" panose="020F0502020204030204" pitchFamily="34" charset="0"/>
+                <a:ea typeface="华文新魏" panose="02010800040101010101" pitchFamily="2" charset="-122"/>
+              </a:rPr>
+              <a:t> </a:t>
+            </a:r>
+            <a:r>
+              <a:rPr lang="zh-CN" altLang="zh-CN" sz="2200" dirty="0">
+                <a:latin typeface="Calibri" panose="020F0502020204030204" pitchFamily="34" charset="0"/>
+                <a:ea typeface="华文新魏" panose="02010800040101010101" pitchFamily="2" charset="-122"/>
+              </a:rPr>
+              <a:t>改名后的一年。它是由</a:t>
+            </a:r>
+            <a:r>
+              <a:rPr lang="en-US" altLang="zh-CN" sz="2200" dirty="0">
+                <a:latin typeface="Calibri" panose="020F0502020204030204" pitchFamily="34" charset="0"/>
+                <a:ea typeface="华文新魏" panose="02010800040101010101" pitchFamily="2" charset="-122"/>
+              </a:rPr>
+              <a:t> Jason </a:t>
+            </a:r>
+            <a:r>
+              <a:rPr lang="en-US" altLang="zh-CN" sz="2200" dirty="0" err="1">
+                <a:latin typeface="Calibri" panose="020F0502020204030204" pitchFamily="34" charset="0"/>
+                <a:ea typeface="华文新魏" panose="02010800040101010101" pitchFamily="2" charset="-122"/>
+              </a:rPr>
+              <a:t>Pellerin</a:t>
+            </a:r>
+            <a:r>
+              <a:rPr lang="en-US" altLang="zh-CN" sz="2200" dirty="0">
+                <a:latin typeface="Calibri" panose="020F0502020204030204" pitchFamily="34" charset="0"/>
+                <a:ea typeface="华文新魏" panose="02010800040101010101" pitchFamily="2" charset="-122"/>
+              </a:rPr>
+              <a:t> </a:t>
+            </a:r>
+            <a:r>
+              <a:rPr lang="zh-CN" altLang="zh-CN" sz="2200" dirty="0">
+                <a:latin typeface="Calibri" panose="020F0502020204030204" pitchFamily="34" charset="0"/>
+                <a:ea typeface="华文新魏" panose="02010800040101010101" pitchFamily="2" charset="-122"/>
+              </a:rPr>
+              <a:t>编写的，支持与</a:t>
+            </a:r>
+            <a:r>
+              <a:rPr lang="en-US" altLang="zh-CN" sz="2200" dirty="0">
+                <a:latin typeface="Calibri" panose="020F0502020204030204" pitchFamily="34" charset="0"/>
+                <a:ea typeface="华文新魏" panose="02010800040101010101" pitchFamily="2" charset="-122"/>
+              </a:rPr>
+              <a:t> </a:t>
+            </a:r>
+            <a:r>
+              <a:rPr lang="en-US" altLang="zh-CN" sz="2200" dirty="0" err="1">
+                <a:latin typeface="Calibri" panose="020F0502020204030204" pitchFamily="34" charset="0"/>
+                <a:ea typeface="华文新魏" panose="02010800040101010101" pitchFamily="2" charset="-122"/>
+              </a:rPr>
+              <a:t>py.test</a:t>
+            </a:r>
+            <a:r>
+              <a:rPr lang="en-US" altLang="zh-CN" sz="2200" dirty="0">
+                <a:latin typeface="Calibri" panose="020F0502020204030204" pitchFamily="34" charset="0"/>
+                <a:ea typeface="华文新魏" panose="02010800040101010101" pitchFamily="2" charset="-122"/>
+              </a:rPr>
+              <a:t> </a:t>
+            </a:r>
+            <a:r>
+              <a:rPr lang="zh-CN" altLang="zh-CN" sz="2200" dirty="0">
+                <a:latin typeface="Calibri" panose="020F0502020204030204" pitchFamily="34" charset="0"/>
+                <a:ea typeface="华文新魏" panose="02010800040101010101" pitchFamily="2" charset="-122"/>
+              </a:rPr>
+              <a:t>相同的测试习惯做法，但是这个包更容易安装</a:t>
+            </a:r>
+            <a:r>
+              <a:rPr lang="zh-CN" altLang="zh-CN" sz="2200" dirty="0" smtClean="0">
+                <a:latin typeface="Calibri" panose="020F0502020204030204" pitchFamily="34" charset="0"/>
+                <a:ea typeface="华文新魏" panose="02010800040101010101" pitchFamily="2" charset="-122"/>
+              </a:rPr>
+              <a:t>和</a:t>
+            </a:r>
+            <a:r>
+              <a:rPr lang="zh-CN" altLang="en-US" sz="2200" dirty="0" smtClean="0">
+                <a:latin typeface="Calibri" panose="020F0502020204030204" pitchFamily="34" charset="0"/>
+                <a:ea typeface="华文新魏" panose="02010800040101010101" pitchFamily="2" charset="-122"/>
+              </a:rPr>
+              <a:t>维护，有更加丰富的插件。</a:t>
+            </a:r>
+            <a:endParaRPr lang="zh-CN" altLang="zh-CN" sz="2200" dirty="0">
+              <a:latin typeface="Calibri" panose="020F0502020204030204" pitchFamily="34" charset="0"/>
+              <a:ea typeface="华文新魏" panose="02010800040101010101" pitchFamily="2" charset="-122"/>
+            </a:endParaRPr>
+          </a:p>
+          <a:p>
+            <a:pPr algn="l"/>
+            <a:r>
+              <a:rPr lang="en-US" altLang="zh-CN" sz="2200" dirty="0" smtClean="0">
+                <a:latin typeface="Calibri" panose="020F0502020204030204" pitchFamily="34" charset="0"/>
+                <a:ea typeface="华文新魏" panose="02010800040101010101" pitchFamily="2" charset="-122"/>
+              </a:rPr>
+              <a:t>    nose</a:t>
+            </a:r>
+            <a:r>
+              <a:rPr lang="zh-CN" altLang="en-US" sz="2200" dirty="0" smtClean="0">
+                <a:latin typeface="Calibri" panose="020F0502020204030204" pitchFamily="34" charset="0"/>
+                <a:ea typeface="华文新魏" panose="02010800040101010101" pitchFamily="2" charset="-122"/>
+              </a:rPr>
+              <a:t>的工作方式为：</a:t>
+            </a:r>
+            <a:r>
+              <a:rPr lang="zh-CN" altLang="zh-CN" sz="2200" dirty="0" smtClean="0">
+                <a:latin typeface="Calibri" panose="020F0502020204030204" pitchFamily="34" charset="0"/>
+                <a:ea typeface="华文新魏" panose="02010800040101010101" pitchFamily="2" charset="-122"/>
+              </a:rPr>
+              <a:t>自动</a:t>
+            </a:r>
+            <a:r>
+              <a:rPr lang="zh-CN" altLang="zh-CN" sz="2200" dirty="0">
+                <a:latin typeface="Calibri" panose="020F0502020204030204" pitchFamily="34" charset="0"/>
+                <a:ea typeface="华文新魏" panose="02010800040101010101" pitchFamily="2" charset="-122"/>
+              </a:rPr>
+              <a:t>从指定目录下的</a:t>
+            </a:r>
+            <a:r>
+              <a:rPr lang="en-US" altLang="zh-CN" sz="2200" dirty="0">
+                <a:latin typeface="Calibri" panose="020F0502020204030204" pitchFamily="34" charset="0"/>
+                <a:ea typeface="华文新魏" panose="02010800040101010101" pitchFamily="2" charset="-122"/>
+              </a:rPr>
+              <a:t>python </a:t>
+            </a:r>
+            <a:r>
+              <a:rPr lang="zh-CN" altLang="zh-CN" sz="2200" dirty="0">
+                <a:latin typeface="Calibri" panose="020F0502020204030204" pitchFamily="34" charset="0"/>
+                <a:ea typeface="华文新魏" panose="02010800040101010101" pitchFamily="2" charset="-122"/>
+              </a:rPr>
+              <a:t>文件，目录， 和类中搜索测试用例。任何文件，目录或者类只要满足正则表达式： </a:t>
+            </a:r>
+            <a:r>
+              <a:rPr lang="en-US" altLang="zh-CN" sz="2200" i="1" dirty="0">
+                <a:solidFill>
+                  <a:srgbClr val="7030A0"/>
+                </a:solidFill>
+                <a:latin typeface="Calibri" panose="020F0502020204030204" pitchFamily="34" charset="0"/>
+                <a:ea typeface="华文新魏" panose="02010800040101010101" pitchFamily="2" charset="-122"/>
+              </a:rPr>
+              <a:t>(?:\b|_)[</a:t>
+            </a:r>
+            <a:r>
+              <a:rPr lang="en-US" altLang="zh-CN" sz="2200" i="1" dirty="0" err="1">
+                <a:solidFill>
+                  <a:srgbClr val="7030A0"/>
+                </a:solidFill>
+                <a:latin typeface="Calibri" panose="020F0502020204030204" pitchFamily="34" charset="0"/>
+                <a:ea typeface="华文新魏" panose="02010800040101010101" pitchFamily="2" charset="-122"/>
+              </a:rPr>
+              <a:t>Tt</a:t>
+            </a:r>
+            <a:r>
+              <a:rPr lang="en-US" altLang="zh-CN" sz="2200" i="1" dirty="0">
+                <a:solidFill>
+                  <a:srgbClr val="7030A0"/>
+                </a:solidFill>
+                <a:latin typeface="Calibri" panose="020F0502020204030204" pitchFamily="34" charset="0"/>
+                <a:ea typeface="华文新魏" panose="02010800040101010101" pitchFamily="2" charset="-122"/>
+              </a:rPr>
+              <a:t>]</a:t>
+            </a:r>
+            <a:r>
+              <a:rPr lang="en-US" altLang="zh-CN" sz="2200" i="1" dirty="0" err="1">
+                <a:solidFill>
+                  <a:srgbClr val="7030A0"/>
+                </a:solidFill>
+                <a:latin typeface="Calibri" panose="020F0502020204030204" pitchFamily="34" charset="0"/>
+                <a:ea typeface="华文新魏" panose="02010800040101010101" pitchFamily="2" charset="-122"/>
+              </a:rPr>
+              <a:t>est</a:t>
+            </a:r>
+            <a:r>
+              <a:rPr lang="en-US" altLang="zh-CN" sz="2200" dirty="0">
+                <a:latin typeface="Calibri" panose="020F0502020204030204" pitchFamily="34" charset="0"/>
+                <a:ea typeface="华文新魏" panose="02010800040101010101" pitchFamily="2" charset="-122"/>
+              </a:rPr>
+              <a:t> </a:t>
+            </a:r>
+            <a:r>
+              <a:rPr lang="zh-CN" altLang="zh-CN" sz="2200" dirty="0">
+                <a:latin typeface="Calibri" panose="020F0502020204030204" pitchFamily="34" charset="0"/>
+                <a:ea typeface="华文新魏" panose="02010800040101010101" pitchFamily="2" charset="-122"/>
+              </a:rPr>
+              <a:t>都会被</a:t>
+            </a:r>
+            <a:r>
+              <a:rPr lang="en-US" altLang="zh-CN" sz="2200" dirty="0">
+                <a:latin typeface="Calibri" panose="020F0502020204030204" pitchFamily="34" charset="0"/>
+                <a:ea typeface="华文新魏" panose="02010800040101010101" pitchFamily="2" charset="-122"/>
+              </a:rPr>
+              <a:t>nose</a:t>
+            </a:r>
+            <a:r>
+              <a:rPr lang="zh-CN" altLang="zh-CN" sz="2200" dirty="0">
+                <a:latin typeface="Calibri" panose="020F0502020204030204" pitchFamily="34" charset="0"/>
+                <a:ea typeface="华文新魏" panose="02010800040101010101" pitchFamily="2" charset="-122"/>
+              </a:rPr>
+              <a:t>作为搜索对象， 而匹配它的函数或者方法会</a:t>
+            </a:r>
+            <a:r>
+              <a:rPr lang="zh-CN" altLang="zh-CN" sz="2200" dirty="0" smtClean="0">
+                <a:latin typeface="Calibri" panose="020F0502020204030204" pitchFamily="34" charset="0"/>
+                <a:ea typeface="华文新魏" panose="02010800040101010101" pitchFamily="2" charset="-122"/>
+              </a:rPr>
+              <a:t>被为</a:t>
+            </a:r>
+            <a:r>
+              <a:rPr lang="zh-CN" altLang="zh-CN" sz="2200" dirty="0">
+                <a:latin typeface="Calibri" panose="020F0502020204030204" pitchFamily="34" charset="0"/>
+                <a:ea typeface="华文新魏" panose="02010800040101010101" pitchFamily="2" charset="-122"/>
+              </a:rPr>
+              <a:t>用例</a:t>
+            </a:r>
+            <a:r>
+              <a:rPr lang="zh-CN" altLang="zh-CN" sz="2200" dirty="0" smtClean="0">
+                <a:latin typeface="Calibri" panose="020F0502020204030204" pitchFamily="34" charset="0"/>
+                <a:ea typeface="华文新魏" panose="02010800040101010101" pitchFamily="2" charset="-122"/>
+              </a:rPr>
+              <a:t>执行</a:t>
+            </a:r>
+            <a:r>
+              <a:rPr lang="zh-CN" altLang="en-US" sz="2200" dirty="0" smtClean="0">
+                <a:latin typeface="Calibri" panose="020F0502020204030204" pitchFamily="34" charset="0"/>
+                <a:ea typeface="华文新魏" panose="02010800040101010101" pitchFamily="2" charset="-122"/>
+              </a:rPr>
+              <a:t>：</a:t>
+            </a:r>
+            <a:endParaRPr lang="en-US" altLang="zh-CN" sz="2200" dirty="0" smtClean="0">
+              <a:latin typeface="Calibri" panose="020F0502020204030204" pitchFamily="34" charset="0"/>
+              <a:ea typeface="华文新魏" panose="02010800040101010101" pitchFamily="2" charset="-122"/>
+            </a:endParaRPr>
+          </a:p>
+          <a:p>
+            <a:pPr lvl="5" algn="l"/>
+            <a:r>
+              <a:rPr lang="en-US" altLang="zh-CN" sz="2100" dirty="0" err="1">
+                <a:solidFill>
+                  <a:srgbClr val="00B050"/>
+                </a:solidFill>
+              </a:rPr>
+              <a:t>nosetests</a:t>
+            </a:r>
+            <a:r>
+              <a:rPr lang="en-US" altLang="zh-CN" sz="2100" dirty="0">
+                <a:solidFill>
+                  <a:srgbClr val="00B050"/>
+                </a:solidFill>
+              </a:rPr>
+              <a:t> only_test_this.py  </a:t>
+            </a:r>
+          </a:p>
+          <a:p>
+            <a:pPr lvl="5" algn="l"/>
+            <a:r>
+              <a:rPr lang="en-US" altLang="zh-CN" sz="2100" dirty="0" err="1">
+                <a:solidFill>
+                  <a:srgbClr val="00B050"/>
+                </a:solidFill>
+              </a:rPr>
+              <a:t>nosetests</a:t>
+            </a:r>
+            <a:r>
+              <a:rPr lang="en-US" altLang="zh-CN" sz="2100" dirty="0">
+                <a:solidFill>
+                  <a:srgbClr val="00B050"/>
+                </a:solidFill>
+              </a:rPr>
+              <a:t> </a:t>
+            </a:r>
+            <a:r>
+              <a:rPr lang="en-US" altLang="zh-CN" sz="2100" dirty="0" err="1" smtClean="0">
+                <a:solidFill>
+                  <a:srgbClr val="00B050"/>
+                </a:solidFill>
+              </a:rPr>
+              <a:t>test_dir</a:t>
+            </a:r>
+            <a:r>
+              <a:rPr lang="en-US" altLang="zh-CN" sz="2100" dirty="0">
+                <a:solidFill>
+                  <a:srgbClr val="00B050"/>
+                </a:solidFill>
+              </a:rPr>
+              <a:t>  </a:t>
+            </a:r>
+          </a:p>
+          <a:p>
+            <a:pPr lvl="5" algn="l"/>
+            <a:r>
+              <a:rPr lang="en-US" altLang="zh-CN" sz="2100" dirty="0" err="1">
+                <a:solidFill>
+                  <a:schemeClr val="accent5">
+                    <a:lumMod val="75000"/>
+                  </a:schemeClr>
+                </a:solidFill>
+              </a:rPr>
+              <a:t>nosetests</a:t>
+            </a:r>
+            <a:r>
+              <a:rPr lang="en-US" altLang="zh-CN" sz="2100" dirty="0">
+                <a:solidFill>
+                  <a:schemeClr val="accent5">
+                    <a:lumMod val="75000"/>
+                  </a:schemeClr>
+                </a:solidFill>
+              </a:rPr>
+              <a:t> </a:t>
+            </a:r>
+            <a:r>
+              <a:rPr lang="en-US" altLang="zh-CN" sz="2100" dirty="0" err="1">
+                <a:solidFill>
+                  <a:schemeClr val="accent5">
+                    <a:lumMod val="75000"/>
+                  </a:schemeClr>
+                </a:solidFill>
+              </a:rPr>
+              <a:t>another.test:TestCase.test_method</a:t>
+            </a:r>
+            <a:r>
+              <a:rPr lang="en-US" altLang="zh-CN" sz="2100" dirty="0">
+                <a:solidFill>
+                  <a:schemeClr val="accent5">
+                    <a:lumMod val="75000"/>
+                  </a:schemeClr>
+                </a:solidFill>
+              </a:rPr>
+              <a:t>  </a:t>
+            </a:r>
+          </a:p>
+          <a:p>
+            <a:pPr lvl="5" algn="l"/>
+            <a:r>
+              <a:rPr lang="en-US" altLang="zh-CN" sz="2100" dirty="0" err="1">
+                <a:solidFill>
+                  <a:schemeClr val="accent5">
+                    <a:lumMod val="75000"/>
+                  </a:schemeClr>
+                </a:solidFill>
+              </a:rPr>
+              <a:t>nosetests</a:t>
+            </a:r>
+            <a:r>
+              <a:rPr lang="en-US" altLang="zh-CN" sz="2100" dirty="0">
+                <a:solidFill>
+                  <a:schemeClr val="accent5">
+                    <a:lumMod val="75000"/>
+                  </a:schemeClr>
+                </a:solidFill>
+              </a:rPr>
+              <a:t> </a:t>
+            </a:r>
+            <a:r>
+              <a:rPr lang="en-US" altLang="zh-CN" sz="2100" dirty="0" err="1">
+                <a:solidFill>
+                  <a:schemeClr val="accent5">
+                    <a:lumMod val="75000"/>
+                  </a:schemeClr>
+                </a:solidFill>
+              </a:rPr>
+              <a:t>a.test:TestCase</a:t>
+            </a:r>
+            <a:r>
+              <a:rPr lang="en-US" altLang="zh-CN" sz="2100" dirty="0">
+                <a:solidFill>
+                  <a:schemeClr val="accent5">
+                    <a:lumMod val="75000"/>
+                  </a:schemeClr>
+                </a:solidFill>
+              </a:rPr>
+              <a:t>  </a:t>
+            </a:r>
+          </a:p>
+          <a:p>
+            <a:pPr lvl="5" algn="l"/>
+            <a:r>
+              <a:rPr lang="en-US" altLang="zh-CN" sz="2100" dirty="0" err="1">
+                <a:solidFill>
+                  <a:schemeClr val="accent5">
+                    <a:lumMod val="75000"/>
+                  </a:schemeClr>
+                </a:solidFill>
+              </a:rPr>
+              <a:t>nosetests</a:t>
+            </a:r>
+            <a:r>
+              <a:rPr lang="en-US" altLang="zh-CN" sz="2100" dirty="0">
+                <a:solidFill>
+                  <a:schemeClr val="accent5">
+                    <a:lumMod val="75000"/>
+                  </a:schemeClr>
+                </a:solidFill>
+              </a:rPr>
+              <a:t> /path/to/test/</a:t>
+            </a:r>
+            <a:r>
+              <a:rPr lang="en-US" altLang="zh-CN" sz="2100" dirty="0" err="1">
+                <a:solidFill>
+                  <a:schemeClr val="accent5">
+                    <a:lumMod val="75000"/>
+                  </a:schemeClr>
+                </a:solidFill>
+              </a:rPr>
+              <a:t>file.py:test_function</a:t>
+            </a:r>
+            <a:endParaRPr lang="en-US" altLang="zh-CN" sz="2100" dirty="0">
+              <a:solidFill>
+                <a:schemeClr val="accent5">
+                  <a:lumMod val="75000"/>
+                </a:schemeClr>
+              </a:solidFill>
+            </a:endParaRPr>
+          </a:p>
+          <a:p>
+            <a:pPr algn="l"/>
+            <a:endParaRPr lang="zh-CN" altLang="zh-CN" sz="3400" dirty="0"/>
+          </a:p>
+          <a:p>
+            <a:pPr algn="l"/>
+            <a:endParaRPr lang="en-US" altLang="zh-CN" dirty="0"/>
+          </a:p>
+          <a:p>
+            <a:pPr algn="l"/>
+            <a:endParaRPr lang="zh-CN" altLang="en-US" dirty="0"/>
+          </a:p>
+        </p:txBody>
+      </p:sp>
+    </p:spTree>
+    <p:extLst>
+      <p:ext uri="{BB962C8B-B14F-4D97-AF65-F5344CB8AC3E}">
+        <p14:creationId xmlns:p14="http://schemas.microsoft.com/office/powerpoint/2010/main" val="2392313167"/>
+      </p:ext>
+    </p:extLst>
+  </p:cSld>
+  <p:clrMapOvr>
+    <a:masterClrMapping/>
+  </p:clrMapOvr>
+  <p:timing>
+    <p:tnLst>
+      <p:par>
+        <p:cTn id="1" dur="indefinite" restart="never" nodeType="tmRoot"/>
+      </p:par>
+    </p:tnLst>
+  </p:timing>
+</p:sld>
+</file>
+
+<file path=ppt/slides/slide20.xml><?xml version="1.0" encoding="utf-8"?>
+<p:sld xmlns:a="http://schemas.openxmlformats.org/drawingml/2006/main" xmlns:r="http://schemas.openxmlformats.org/officeDocument/2006/relationships" xmlns:p="http://schemas.openxmlformats.org/presentationml/2006/main">
+  <p:cSld>
+    <p:spTree>
+      <p:nvGrpSpPr>
+        <p:cNvPr id="1" name=""/>
+        <p:cNvGrpSpPr/>
+        <p:nvPr/>
+      </p:nvGrpSpPr>
+      <p:grpSpPr>
+        <a:xfrm>
+          <a:off x="0" y="0"/>
+          <a:ext cx="0" cy="0"/>
+          <a:chOff x="0" y="0"/>
+          <a:chExt cx="0" cy="0"/>
+        </a:xfrm>
+      </p:grpSpPr>
+      <p:sp>
+        <p:nvSpPr>
+          <p:cNvPr id="2" name="标题 1"/>
+          <p:cNvSpPr>
+            <a:spLocks noGrp="1"/>
+          </p:cNvSpPr>
+          <p:nvPr>
+            <p:ph type="ctrTitle"/>
+          </p:nvPr>
+        </p:nvSpPr>
+        <p:spPr>
+          <a:xfrm>
+            <a:off x="1223845" y="0"/>
+            <a:ext cx="7766936" cy="929469"/>
+          </a:xfrm>
+        </p:spPr>
+        <p:txBody>
+          <a:bodyPr/>
+          <a:lstStyle/>
+          <a:p>
+            <a:pPr algn="ctr"/>
+            <a:r>
+              <a:rPr lang="zh-CN" altLang="en-US" dirty="0"/>
+              <a:t>改进</a:t>
+            </a:r>
+            <a:endParaRPr lang="zh-CN" altLang="en-US" sz="2400" dirty="0"/>
+          </a:p>
+        </p:txBody>
+      </p:sp>
+      <p:sp>
+        <p:nvSpPr>
+          <p:cNvPr id="4" name="副标题 3"/>
+          <p:cNvSpPr>
+            <a:spLocks noGrp="1"/>
+          </p:cNvSpPr>
+          <p:nvPr>
+            <p:ph type="subTitle" idx="1"/>
+          </p:nvPr>
+        </p:nvSpPr>
+        <p:spPr>
+          <a:xfrm>
+            <a:off x="752558" y="929469"/>
+            <a:ext cx="8763675" cy="5714092"/>
+          </a:xfrm>
+        </p:spPr>
+        <p:txBody>
+          <a:bodyPr>
+            <a:normAutofit/>
+          </a:bodyPr>
+          <a:lstStyle/>
+          <a:p>
+            <a:pPr algn="l"/>
+            <a:endParaRPr lang="en-US" altLang="zh-CN" dirty="0"/>
+          </a:p>
+          <a:p>
+            <a:pPr algn="l"/>
+            <a:r>
+              <a:rPr lang="en-US" altLang="zh-CN" dirty="0" smtClean="0"/>
+              <a:t>1. </a:t>
+            </a:r>
+            <a:r>
+              <a:rPr lang="zh-CN" altLang="en-US" dirty="0"/>
+              <a:t>图形界面</a:t>
+            </a:r>
+            <a:endParaRPr lang="en-US" altLang="zh-CN" dirty="0" smtClean="0"/>
+          </a:p>
+          <a:p>
+            <a:pPr algn="l"/>
+            <a:r>
+              <a:rPr lang="en-US" altLang="zh-CN" dirty="0" smtClean="0"/>
+              <a:t>2. </a:t>
+            </a:r>
+            <a:r>
+              <a:rPr lang="zh-CN" altLang="en-US" dirty="0"/>
+              <a:t>功能</a:t>
+            </a:r>
+            <a:r>
+              <a:rPr lang="zh-CN" altLang="en-US" dirty="0" smtClean="0"/>
+              <a:t>模块充填</a:t>
+            </a:r>
+            <a:endParaRPr lang="en-US" altLang="zh-CN" dirty="0" smtClean="0"/>
+          </a:p>
+          <a:p>
+            <a:pPr algn="l"/>
+            <a:r>
+              <a:rPr lang="en-US" altLang="zh-CN" dirty="0" smtClean="0"/>
+              <a:t>3. </a:t>
+            </a:r>
+            <a:r>
+              <a:rPr lang="zh-CN" altLang="en-US" dirty="0" smtClean="0"/>
+              <a:t>测试集虚拟化</a:t>
+            </a:r>
+            <a:endParaRPr lang="en-US" altLang="zh-CN" dirty="0" smtClean="0"/>
+          </a:p>
+          <a:p>
+            <a:pPr algn="l"/>
+            <a:r>
+              <a:rPr lang="en-US" altLang="zh-CN" dirty="0" smtClean="0"/>
+              <a:t>4. nose2, </a:t>
+            </a:r>
+            <a:r>
+              <a:rPr lang="en-US" altLang="zh-CN" dirty="0" err="1" smtClean="0"/>
+              <a:t>py.test</a:t>
+            </a:r>
+            <a:endParaRPr lang="en-US" altLang="zh-CN" dirty="0" smtClean="0"/>
+          </a:p>
+          <a:p>
+            <a:pPr algn="l"/>
+            <a:endParaRPr lang="en-US" altLang="zh-CN" dirty="0" smtClean="0"/>
+          </a:p>
+        </p:txBody>
+      </p:sp>
+    </p:spTree>
+    <p:extLst>
+      <p:ext uri="{BB962C8B-B14F-4D97-AF65-F5344CB8AC3E}">
+        <p14:creationId xmlns:p14="http://schemas.microsoft.com/office/powerpoint/2010/main" val="1615283950"/>
+      </p:ext>
+    </p:extLst>
+  </p:cSld>
+  <p:clrMapOvr>
+    <a:masterClrMapping/>
+  </p:clrMapOvr>
+  <p:timing>
+    <p:tnLst>
+      <p:par>
+        <p:cTn id="1" dur="indefinite" restart="never" nodeType="tmRoot"/>
+      </p:par>
+    </p:tnLst>
+  </p:timing>
+</p:sld>
+</file>
+
+<file path=ppt/slides/slide21.xml><?xml version="1.0" encoding="utf-8"?>
+<p:sld xmlns:a="http://schemas.openxmlformats.org/drawingml/2006/main" xmlns:r="http://schemas.openxmlformats.org/officeDocument/2006/relationships" xmlns:p="http://schemas.openxmlformats.org/presentationml/2006/main">
+  <p:cSld>
+    <p:spTree>
+      <p:nvGrpSpPr>
+        <p:cNvPr id="1" name=""/>
+        <p:cNvGrpSpPr/>
+        <p:nvPr/>
+      </p:nvGrpSpPr>
+      <p:grpSpPr>
+        <a:xfrm>
+          <a:off x="0" y="0"/>
+          <a:ext cx="0" cy="0"/>
+          <a:chOff x="0" y="0"/>
+          <a:chExt cx="0" cy="0"/>
+        </a:xfrm>
+      </p:grpSpPr>
+      <p:sp>
+        <p:nvSpPr>
+          <p:cNvPr id="2" name="标题 1"/>
+          <p:cNvSpPr>
+            <a:spLocks noGrp="1"/>
+          </p:cNvSpPr>
+          <p:nvPr>
+            <p:ph type="ctrTitle"/>
+          </p:nvPr>
+        </p:nvSpPr>
+        <p:spPr>
+          <a:xfrm>
+            <a:off x="1223845" y="0"/>
+            <a:ext cx="7766936" cy="929469"/>
+          </a:xfrm>
+        </p:spPr>
+        <p:txBody>
+          <a:bodyPr/>
+          <a:lstStyle/>
+          <a:p>
+            <a:pPr algn="ctr"/>
+            <a:r>
+              <a:rPr lang="en-US" altLang="zh-CN" sz="2400" dirty="0" smtClean="0"/>
+              <a:t>more</a:t>
+            </a:r>
+            <a:endParaRPr lang="zh-CN" altLang="en-US" sz="2400" dirty="0"/>
+          </a:p>
+        </p:txBody>
+      </p:sp>
+      <p:sp>
+        <p:nvSpPr>
+          <p:cNvPr id="4" name="副标题 3"/>
+          <p:cNvSpPr>
+            <a:spLocks noGrp="1"/>
+          </p:cNvSpPr>
+          <p:nvPr>
+            <p:ph type="subTitle" idx="1"/>
+          </p:nvPr>
+        </p:nvSpPr>
+        <p:spPr>
+          <a:xfrm>
+            <a:off x="752558" y="929469"/>
+            <a:ext cx="8763675" cy="5714092"/>
+          </a:xfrm>
+        </p:spPr>
+        <p:txBody>
+          <a:bodyPr>
+            <a:normAutofit/>
+          </a:bodyPr>
+          <a:lstStyle/>
+          <a:p>
+            <a:pPr algn="l"/>
+            <a:endParaRPr lang="en-US" altLang="zh-CN" dirty="0"/>
+          </a:p>
+          <a:p>
+            <a:pPr algn="l"/>
+            <a:r>
+              <a:rPr lang="en-US" altLang="zh-CN" dirty="0"/>
+              <a:t>Please see &lt;&lt;ATS</a:t>
+            </a:r>
+            <a:r>
+              <a:rPr lang="zh-CN" altLang="en-US" dirty="0"/>
+              <a:t>测试系统</a:t>
+            </a:r>
+            <a:r>
+              <a:rPr lang="en-US" altLang="zh-CN" dirty="0"/>
+              <a:t>.</a:t>
+            </a:r>
+            <a:r>
+              <a:rPr lang="en-US" altLang="zh-CN" dirty="0" err="1"/>
+              <a:t>docx</a:t>
+            </a:r>
+            <a:r>
+              <a:rPr lang="en-US" altLang="zh-CN" dirty="0"/>
+              <a:t>&gt;&gt;</a:t>
+            </a:r>
+            <a:endParaRPr lang="en-US" altLang="zh-CN" dirty="0" smtClean="0"/>
+          </a:p>
+          <a:p>
+            <a:pPr algn="l"/>
+            <a:endParaRPr lang="en-US" altLang="zh-CN" dirty="0" smtClean="0"/>
+          </a:p>
+        </p:txBody>
+      </p:sp>
+    </p:spTree>
+    <p:extLst>
+      <p:ext uri="{BB962C8B-B14F-4D97-AF65-F5344CB8AC3E}">
+        <p14:creationId xmlns:p14="http://schemas.microsoft.com/office/powerpoint/2010/main" val="3385054409"/>
+      </p:ext>
+    </p:extLst>
+  </p:cSld>
+  <p:clrMapOvr>
+    <a:masterClrMapping/>
+  </p:clrMapOvr>
+  <p:timing>
+    <p:tnLst>
+      <p:par>
+        <p:cTn id="1" dur="indefinite" restart="never" nodeType="tmRoot"/>
+      </p:par>
+    </p:tnLst>
+  </p:timing>
+</p:sld>
+</file>
+
+<file path=ppt/slides/slide22.xml><?xml version="1.0" encoding="utf-8"?>
+<p:sld xmlns:a="http://schemas.openxmlformats.org/drawingml/2006/main" xmlns:r="http://schemas.openxmlformats.org/officeDocument/2006/relationships" xmlns:p="http://schemas.openxmlformats.org/presentationml/2006/main">
+  <p:cSld>
+    <p:spTree>
+      <p:nvGrpSpPr>
+        <p:cNvPr id="1" name=""/>
+        <p:cNvGrpSpPr/>
+        <p:nvPr/>
+      </p:nvGrpSpPr>
+      <p:grpSpPr>
+        <a:xfrm>
+          <a:off x="0" y="0"/>
+          <a:ext cx="0" cy="0"/>
+          <a:chOff x="0" y="0"/>
+          <a:chExt cx="0" cy="0"/>
+        </a:xfrm>
+      </p:grpSpPr>
+      <p:sp>
+        <p:nvSpPr>
+          <p:cNvPr id="2" name="标题 1"/>
+          <p:cNvSpPr>
+            <a:spLocks noGrp="1"/>
+          </p:cNvSpPr>
+          <p:nvPr>
+            <p:ph type="ctrTitle"/>
+          </p:nvPr>
+        </p:nvSpPr>
+        <p:spPr>
+          <a:xfrm>
+            <a:off x="1223845" y="0"/>
+            <a:ext cx="7766936" cy="5284099"/>
+          </a:xfrm>
+        </p:spPr>
+        <p:txBody>
+          <a:bodyPr/>
+          <a:lstStyle/>
+          <a:p>
+            <a:pPr algn="ctr"/>
+            <a:r>
+              <a:rPr lang="en-US" altLang="zh-CN" sz="8000" dirty="0" smtClean="0"/>
+              <a:t>The end!</a:t>
+            </a:r>
+            <a:endParaRPr lang="zh-CN" altLang="en-US" sz="4000" dirty="0"/>
+          </a:p>
+        </p:txBody>
+      </p:sp>
+    </p:spTree>
+    <p:extLst>
+      <p:ext uri="{BB962C8B-B14F-4D97-AF65-F5344CB8AC3E}">
+        <p14:creationId xmlns:p14="http://schemas.microsoft.com/office/powerpoint/2010/main" val="434648197"/>
+      </p:ext>
+    </p:extLst>
+  </p:cSld>
+  <p:clrMapOvr>
+    <a:masterClrMapping/>
+  </p:clrMapOvr>
+  <p:timing>
+    <p:tnLst>
+      <p:par>
+        <p:cTn id="1" dur="indefinite" restart="never" nodeType="tmRoot"/>
+      </p:par>
+    </p:tnLst>
+  </p:timing>
+</p:sld>
+</file>
+
+<file path=ppt/slides/slide3.xml><?xml version="1.0" encoding="utf-8"?>
+<p:sld xmlns:a="http://schemas.openxmlformats.org/drawingml/2006/main" xmlns:r="http://schemas.openxmlformats.org/officeDocument/2006/relationships" xmlns:p="http://schemas.openxmlformats.org/presentationml/2006/main">
+  <p:cSld>
+    <p:spTree>
+      <p:nvGrpSpPr>
+        <p:cNvPr id="1" name=""/>
+        <p:cNvGrpSpPr/>
+        <p:nvPr/>
+      </p:nvGrpSpPr>
+      <p:grpSpPr>
+        <a:xfrm>
+          <a:off x="0" y="0"/>
+          <a:ext cx="0" cy="0"/>
+          <a:chOff x="0" y="0"/>
+          <a:chExt cx="0" cy="0"/>
+        </a:xfrm>
+      </p:grpSpPr>
+      <p:sp>
+        <p:nvSpPr>
+          <p:cNvPr id="2" name="标题 1"/>
+          <p:cNvSpPr>
+            <a:spLocks noGrp="1"/>
+          </p:cNvSpPr>
+          <p:nvPr>
+            <p:ph type="ctrTitle"/>
+          </p:nvPr>
+        </p:nvSpPr>
+        <p:spPr>
+          <a:xfrm>
+            <a:off x="1223845" y="0"/>
+            <a:ext cx="7766936" cy="929469"/>
+          </a:xfrm>
+        </p:spPr>
+        <p:txBody>
+          <a:bodyPr/>
+          <a:lstStyle/>
+          <a:p>
+            <a:pPr algn="ctr"/>
+            <a:r>
+              <a:rPr lang="en-US" altLang="zh-CN" dirty="0">
+                <a:solidFill>
+                  <a:srgbClr val="00B050"/>
+                </a:solidFill>
+              </a:rPr>
+              <a:t>ATS</a:t>
+            </a:r>
+            <a:r>
+              <a:rPr lang="zh-CN" altLang="en-US" dirty="0" smtClean="0">
+                <a:solidFill>
+                  <a:srgbClr val="00B050"/>
+                </a:solidFill>
+              </a:rPr>
+              <a:t>简介（</a:t>
+            </a:r>
+            <a:r>
+              <a:rPr lang="zh-CN" altLang="en-US" sz="1100" dirty="0">
+                <a:solidFill>
+                  <a:srgbClr val="0070C0"/>
+                </a:solidFill>
+              </a:rPr>
+              <a:t>作为自动化测试</a:t>
+            </a:r>
+            <a:r>
+              <a:rPr lang="zh-CN" altLang="en-US" sz="1100" dirty="0" smtClean="0">
+                <a:solidFill>
+                  <a:srgbClr val="0070C0"/>
+                </a:solidFill>
+              </a:rPr>
+              <a:t>框架一</a:t>
+            </a:r>
+            <a:r>
+              <a:rPr lang="zh-CN" altLang="en-US" dirty="0" smtClean="0">
+                <a:solidFill>
+                  <a:srgbClr val="00B050"/>
+                </a:solidFill>
+              </a:rPr>
+              <a:t>）</a:t>
+            </a:r>
+            <a:endParaRPr lang="en-US" altLang="zh-CN" dirty="0">
+              <a:solidFill>
+                <a:srgbClr val="00B050"/>
+              </a:solidFill>
+            </a:endParaRPr>
+          </a:p>
+        </p:txBody>
+      </p:sp>
+      <p:sp>
+        <p:nvSpPr>
+          <p:cNvPr id="4" name="副标题 3"/>
+          <p:cNvSpPr>
+            <a:spLocks noGrp="1"/>
+          </p:cNvSpPr>
+          <p:nvPr>
+            <p:ph type="subTitle" idx="1"/>
+          </p:nvPr>
+        </p:nvSpPr>
+        <p:spPr>
+          <a:xfrm>
+            <a:off x="752558" y="929469"/>
+            <a:ext cx="8763675" cy="5714092"/>
+          </a:xfrm>
+        </p:spPr>
+        <p:txBody>
+          <a:bodyPr>
+            <a:normAutofit/>
+          </a:bodyPr>
+          <a:lstStyle/>
+          <a:p>
+            <a:pPr algn="l"/>
+            <a:r>
+              <a:rPr lang="zh-CN" altLang="en-US" dirty="0"/>
+              <a:t> </a:t>
+            </a:r>
+            <a:r>
+              <a:rPr lang="zh-CN" altLang="en-US" dirty="0" smtClean="0"/>
+              <a:t>   </a:t>
+            </a:r>
+            <a:r>
+              <a:rPr lang="en-US" altLang="zh-CN" dirty="0" smtClean="0"/>
+              <a:t>ATS</a:t>
+            </a:r>
+            <a:r>
+              <a:rPr lang="zh-CN" altLang="en-US" dirty="0" smtClean="0"/>
+              <a:t>是基于</a:t>
+            </a:r>
+            <a:r>
+              <a:rPr lang="en-US" altLang="zh-CN" dirty="0" smtClean="0"/>
+              <a:t>nose</a:t>
+            </a:r>
+            <a:r>
+              <a:rPr lang="zh-CN" altLang="en-US" dirty="0" smtClean="0"/>
+              <a:t>的自动化测试框架， 同时也是一个集成了一些测试辅助工具的工具箱。</a:t>
+            </a:r>
+            <a:endParaRPr lang="en-US" altLang="zh-CN" dirty="0" smtClean="0"/>
+          </a:p>
+          <a:p>
+            <a:pPr algn="l"/>
+            <a:r>
+              <a:rPr lang="en-US" altLang="zh-CN" dirty="0" smtClean="0"/>
+              <a:t>    ATS</a:t>
+            </a:r>
+            <a:r>
+              <a:rPr lang="zh-CN" altLang="zh-CN" dirty="0" smtClean="0"/>
+              <a:t>是</a:t>
+            </a:r>
+            <a:r>
+              <a:rPr lang="zh-CN" altLang="en-US" dirty="0"/>
+              <a:t>通过</a:t>
+            </a:r>
+            <a:r>
+              <a:rPr lang="en-US" altLang="zh-CN" dirty="0" smtClean="0"/>
+              <a:t>nose</a:t>
+            </a:r>
+            <a:r>
+              <a:rPr lang="zh-CN" altLang="en-US" dirty="0" smtClean="0"/>
+              <a:t>来实现自动化测试</a:t>
+            </a:r>
+            <a:r>
+              <a:rPr lang="zh-CN" altLang="zh-CN" dirty="0" smtClean="0"/>
+              <a:t>的</a:t>
+            </a:r>
+            <a:r>
+              <a:rPr lang="zh-CN" altLang="en-US" dirty="0" smtClean="0"/>
+              <a:t>。</a:t>
+            </a:r>
+            <a:r>
+              <a:rPr lang="zh-CN" altLang="zh-CN" dirty="0" smtClean="0"/>
+              <a:t>具体</a:t>
+            </a:r>
+            <a:r>
+              <a:rPr lang="zh-CN" altLang="zh-CN" dirty="0"/>
+              <a:t>来说是在内部调用了</a:t>
+            </a:r>
+            <a:r>
+              <a:rPr lang="en-US" altLang="zh-CN" dirty="0"/>
+              <a:t>nose</a:t>
+            </a:r>
+            <a:r>
+              <a:rPr lang="zh-CN" altLang="zh-CN" dirty="0"/>
+              <a:t>提供</a:t>
+            </a:r>
+            <a:r>
+              <a:rPr lang="zh-CN" altLang="zh-CN" dirty="0" smtClean="0"/>
+              <a:t>的</a:t>
+            </a:r>
+            <a:r>
+              <a:rPr lang="zh-CN" altLang="en-US" dirty="0"/>
+              <a:t>功能</a:t>
+            </a:r>
+            <a:r>
+              <a:rPr lang="zh-CN" altLang="zh-CN" dirty="0" smtClean="0"/>
+              <a:t>来</a:t>
+            </a:r>
+            <a:r>
+              <a:rPr lang="zh-CN" altLang="zh-CN" dirty="0"/>
+              <a:t>执行用例。</a:t>
+            </a:r>
+            <a:r>
+              <a:rPr lang="en-US" altLang="zh-CN" dirty="0"/>
+              <a:t>ATS</a:t>
+            </a:r>
+            <a:r>
+              <a:rPr lang="zh-CN" altLang="zh-CN" dirty="0" smtClean="0"/>
+              <a:t>负责</a:t>
+            </a:r>
+            <a:r>
+              <a:rPr lang="zh-CN" altLang="en-US" dirty="0" smtClean="0"/>
+              <a:t>用例的</a:t>
+            </a:r>
+            <a:r>
+              <a:rPr lang="zh-CN" altLang="zh-CN" dirty="0" smtClean="0"/>
+              <a:t>管理，</a:t>
+            </a:r>
+            <a:r>
+              <a:rPr lang="zh-CN" altLang="zh-CN" dirty="0"/>
+              <a:t>用例的</a:t>
+            </a:r>
+            <a:r>
+              <a:rPr lang="zh-CN" altLang="zh-CN" dirty="0" smtClean="0"/>
+              <a:t>执行</a:t>
+            </a:r>
+            <a:r>
+              <a:rPr lang="zh-CN" altLang="en-US" dirty="0" smtClean="0"/>
+              <a:t>则</a:t>
+            </a:r>
+            <a:r>
+              <a:rPr lang="zh-CN" altLang="zh-CN" dirty="0" smtClean="0"/>
+              <a:t>委托</a:t>
+            </a:r>
+            <a:r>
+              <a:rPr lang="zh-CN" altLang="zh-CN" dirty="0"/>
+              <a:t>给</a:t>
+            </a:r>
+            <a:r>
+              <a:rPr lang="en-US" altLang="zh-CN" dirty="0" smtClean="0"/>
+              <a:t>nose</a:t>
+            </a:r>
+            <a:r>
+              <a:rPr lang="zh-CN" altLang="zh-CN" dirty="0" smtClean="0"/>
+              <a:t>。测试用例</a:t>
+            </a:r>
+            <a:r>
+              <a:rPr lang="zh-CN" altLang="en-US" dirty="0" smtClean="0"/>
+              <a:t>的实现</a:t>
+            </a:r>
+            <a:r>
+              <a:rPr lang="zh-CN" altLang="zh-CN" dirty="0" smtClean="0"/>
+              <a:t>是</a:t>
+            </a:r>
+            <a:r>
+              <a:rPr lang="zh-CN" altLang="zh-CN" dirty="0"/>
+              <a:t>按照</a:t>
+            </a:r>
+            <a:r>
+              <a:rPr lang="en-US" altLang="zh-CN" dirty="0"/>
+              <a:t>nose</a:t>
+            </a:r>
+            <a:r>
+              <a:rPr lang="zh-CN" altLang="zh-CN" dirty="0"/>
+              <a:t>可识别的类中的方法来编写。</a:t>
+            </a:r>
+            <a:r>
+              <a:rPr lang="en-US" altLang="zh-CN" dirty="0"/>
+              <a:t>ATS</a:t>
+            </a:r>
+            <a:r>
+              <a:rPr lang="zh-CN" altLang="zh-CN" dirty="0"/>
+              <a:t>对该类做了</a:t>
+            </a:r>
+            <a:r>
+              <a:rPr lang="en-US" altLang="zh-CN" dirty="0"/>
+              <a:t>4</a:t>
+            </a:r>
+            <a:r>
+              <a:rPr lang="zh-CN" altLang="zh-CN" dirty="0"/>
+              <a:t>层抽象，分别为：</a:t>
+            </a:r>
+          </a:p>
+          <a:p>
+            <a:pPr lvl="0" algn="l"/>
+            <a:r>
+              <a:rPr lang="en-US" altLang="zh-CN" dirty="0"/>
+              <a:t>	1. </a:t>
+            </a:r>
+            <a:r>
+              <a:rPr lang="en-US" altLang="zh-CN" dirty="0" smtClean="0"/>
+              <a:t>Framework</a:t>
+            </a:r>
+            <a:r>
+              <a:rPr lang="zh-CN" altLang="en-US" dirty="0" smtClean="0"/>
+              <a:t>类</a:t>
+            </a:r>
+            <a:r>
+              <a:rPr lang="zh-CN" altLang="zh-CN" dirty="0" smtClean="0"/>
+              <a:t>： </a:t>
+            </a:r>
+            <a:r>
+              <a:rPr lang="zh-CN" altLang="zh-CN" dirty="0"/>
+              <a:t>定义</a:t>
+            </a:r>
+            <a:r>
+              <a:rPr lang="zh-CN" altLang="zh-CN" dirty="0" smtClean="0"/>
+              <a:t>了</a:t>
+            </a:r>
+            <a:r>
+              <a:rPr lang="zh-CN" altLang="en-US" dirty="0" smtClean="0"/>
+              <a:t>测试用例的接口</a:t>
+            </a:r>
+            <a:r>
+              <a:rPr lang="en-US" altLang="zh-CN" dirty="0" smtClean="0"/>
+              <a:t>:</a:t>
+            </a:r>
+          </a:p>
+          <a:p>
+            <a:pPr lvl="0" algn="l"/>
+            <a:r>
+              <a:rPr lang="en-US" altLang="zh-CN" dirty="0"/>
+              <a:t>		-</a:t>
+            </a:r>
+            <a:r>
+              <a:rPr lang="en-US" altLang="zh-CN" dirty="0" smtClean="0"/>
+              <a:t>setup</a:t>
+            </a:r>
+          </a:p>
+          <a:p>
+            <a:pPr lvl="0" algn="l"/>
+            <a:r>
+              <a:rPr lang="en-US" altLang="zh-CN" dirty="0"/>
+              <a:t>		-</a:t>
+            </a:r>
+            <a:r>
+              <a:rPr lang="en-US" altLang="zh-CN" dirty="0" smtClean="0"/>
+              <a:t>teardown</a:t>
+            </a:r>
+          </a:p>
+          <a:p>
+            <a:pPr lvl="0" algn="l"/>
+            <a:r>
+              <a:rPr lang="en-US" altLang="zh-CN" dirty="0"/>
+              <a:t>		-</a:t>
+            </a:r>
+            <a:r>
+              <a:rPr lang="en-US" altLang="zh-CN" dirty="0" err="1" smtClean="0"/>
+              <a:t>common_config</a:t>
+            </a:r>
+            <a:endParaRPr lang="en-US" altLang="zh-CN" dirty="0" smtClean="0"/>
+          </a:p>
+          <a:p>
+            <a:pPr lvl="0" algn="l"/>
+            <a:r>
+              <a:rPr lang="en-US" altLang="zh-CN" dirty="0"/>
+              <a:t>		-</a:t>
+            </a:r>
+            <a:r>
+              <a:rPr lang="en-US" altLang="zh-CN" dirty="0" err="1" smtClean="0"/>
+              <a:t>common_clean_up</a:t>
+            </a:r>
+            <a:endParaRPr lang="en-US" altLang="zh-CN" dirty="0" smtClean="0"/>
+          </a:p>
+          <a:p>
+            <a:pPr lvl="0" algn="l"/>
+            <a:r>
+              <a:rPr lang="en-US" altLang="zh-CN" dirty="0"/>
+              <a:t>		-</a:t>
+            </a:r>
+            <a:r>
+              <a:rPr lang="en-US" altLang="zh-CN" dirty="0" smtClean="0"/>
+              <a:t>test(will call method: ‘run’)</a:t>
+            </a:r>
+          </a:p>
+          <a:p>
+            <a:pPr lvl="0" algn="l"/>
+            <a:r>
+              <a:rPr lang="en-US" altLang="zh-CN" dirty="0"/>
+              <a:t>		-</a:t>
+            </a:r>
+            <a:r>
+              <a:rPr lang="en-US" altLang="zh-CN" dirty="0" err="1" smtClean="0"/>
+              <a:t>case_pass</a:t>
+            </a:r>
+            <a:endParaRPr lang="en-US" altLang="zh-CN" dirty="0" smtClean="0"/>
+          </a:p>
+          <a:p>
+            <a:pPr lvl="0" algn="l"/>
+            <a:r>
+              <a:rPr lang="en-US" altLang="zh-CN" dirty="0"/>
+              <a:t>		-</a:t>
+            </a:r>
+            <a:r>
+              <a:rPr lang="en-US" altLang="zh-CN" dirty="0" err="1" smtClean="0"/>
+              <a:t>case_fail</a:t>
+            </a:r>
+            <a:endParaRPr lang="en-US" altLang="zh-CN" dirty="0" smtClean="0"/>
+          </a:p>
+          <a:p>
+            <a:pPr lvl="0" algn="l"/>
+            <a:r>
+              <a:rPr lang="en-US" altLang="zh-CN" dirty="0"/>
+              <a:t>	</a:t>
+            </a:r>
+            <a:r>
+              <a:rPr lang="en-US" altLang="zh-CN" dirty="0" smtClean="0"/>
+              <a:t>	</a:t>
+            </a:r>
+            <a:r>
+              <a:rPr lang="zh-CN" altLang="en-US" dirty="0" smtClean="0"/>
+              <a:t>。。。</a:t>
+            </a:r>
+            <a:endParaRPr lang="en-US" altLang="zh-CN" dirty="0" smtClean="0"/>
+          </a:p>
+          <a:p>
+            <a:pPr algn="l"/>
+            <a:endParaRPr lang="en-US" altLang="zh-CN" dirty="0"/>
+          </a:p>
+        </p:txBody>
+      </p:sp>
+    </p:spTree>
+    <p:extLst>
+      <p:ext uri="{BB962C8B-B14F-4D97-AF65-F5344CB8AC3E}">
+        <p14:creationId xmlns:p14="http://schemas.microsoft.com/office/powerpoint/2010/main" val="1216253259"/>
+      </p:ext>
+    </p:extLst>
+  </p:cSld>
+  <p:clrMapOvr>
+    <a:masterClrMapping/>
+  </p:clrMapOvr>
+  <p:timing>
+    <p:tnLst>
+      <p:par>
+        <p:cTn id="1" dur="indefinite" restart="never" nodeType="tmRoot"/>
+      </p:par>
+    </p:tnLst>
+  </p:timing>
+</p:sld>
+</file>
+
+<file path=ppt/slides/slide4.xml><?xml version="1.0" encoding="utf-8"?>
+<p:sld xmlns:a="http://schemas.openxmlformats.org/drawingml/2006/main" xmlns:r="http://schemas.openxmlformats.org/officeDocument/2006/relationships" xmlns:p="http://schemas.openxmlformats.org/presentationml/2006/main">
+  <p:cSld>
+    <p:spTree>
+      <p:nvGrpSpPr>
+        <p:cNvPr id="1" name=""/>
+        <p:cNvGrpSpPr/>
+        <p:nvPr/>
+      </p:nvGrpSpPr>
+      <p:grpSpPr>
+        <a:xfrm>
+          <a:off x="0" y="0"/>
+          <a:ext cx="0" cy="0"/>
+          <a:chOff x="0" y="0"/>
+          <a:chExt cx="0" cy="0"/>
+        </a:xfrm>
+      </p:grpSpPr>
+      <p:sp>
+        <p:nvSpPr>
+          <p:cNvPr id="4" name="副标题 3"/>
+          <p:cNvSpPr>
+            <a:spLocks noGrp="1"/>
+          </p:cNvSpPr>
+          <p:nvPr>
+            <p:ph type="subTitle" idx="1"/>
+          </p:nvPr>
+        </p:nvSpPr>
+        <p:spPr>
+          <a:xfrm>
+            <a:off x="752558" y="929469"/>
+            <a:ext cx="8763675" cy="5714092"/>
+          </a:xfrm>
+        </p:spPr>
+        <p:txBody>
+          <a:bodyPr>
+            <a:normAutofit lnSpcReduction="10000"/>
+          </a:bodyPr>
+          <a:lstStyle/>
+          <a:p>
+            <a:pPr lvl="0" algn="l"/>
+            <a:r>
+              <a:rPr lang="en-US" altLang="zh-CN" dirty="0" smtClean="0"/>
+              <a:t>	2. Base</a:t>
+            </a:r>
+            <a:r>
+              <a:rPr lang="zh-CN" altLang="en-US" dirty="0" smtClean="0"/>
+              <a:t>类</a:t>
+            </a:r>
+            <a:r>
+              <a:rPr lang="en-US" altLang="zh-CN" dirty="0" smtClean="0"/>
+              <a:t>:  </a:t>
+            </a:r>
+            <a:r>
+              <a:rPr lang="zh-CN" altLang="en-US" dirty="0" smtClean="0"/>
+              <a:t>通过充填实例化方法，实现</a:t>
+            </a:r>
+            <a:r>
+              <a:rPr lang="zh-CN" altLang="zh-CN" dirty="0" smtClean="0"/>
+              <a:t>测试</a:t>
+            </a:r>
+            <a:r>
+              <a:rPr lang="zh-CN" altLang="en-US" dirty="0" smtClean="0"/>
+              <a:t>用例的</a:t>
+            </a:r>
+            <a:r>
+              <a:rPr lang="zh-CN" altLang="zh-CN" dirty="0" smtClean="0"/>
+              <a:t>最基本的</a:t>
+            </a:r>
+            <a:r>
+              <a:rPr lang="zh-CN" altLang="en-US" dirty="0" smtClean="0"/>
+              <a:t>功能</a:t>
+            </a:r>
+            <a:r>
+              <a:rPr lang="zh-CN" altLang="zh-CN" dirty="0" smtClean="0"/>
+              <a:t>。 包括</a:t>
+            </a:r>
+            <a:r>
+              <a:rPr lang="zh-CN" altLang="en-US" dirty="0" smtClean="0"/>
+              <a:t>：</a:t>
+            </a:r>
+            <a:endParaRPr lang="en-US" altLang="zh-CN" dirty="0" smtClean="0"/>
+          </a:p>
+          <a:p>
+            <a:pPr lvl="0" algn="l"/>
+            <a:r>
+              <a:rPr lang="en-US" altLang="zh-CN" dirty="0"/>
+              <a:t>	</a:t>
+            </a:r>
+            <a:r>
+              <a:rPr lang="en-US" altLang="zh-CN" dirty="0" smtClean="0"/>
+              <a:t>	-</a:t>
+            </a:r>
+            <a:r>
+              <a:rPr lang="zh-CN" altLang="zh-CN" dirty="0" smtClean="0"/>
+              <a:t>串口</a:t>
+            </a:r>
+            <a:r>
+              <a:rPr lang="zh-CN" altLang="en-US" dirty="0" smtClean="0"/>
+              <a:t>实例化</a:t>
+            </a:r>
+            <a:endParaRPr lang="en-US" altLang="zh-CN" dirty="0" smtClean="0"/>
+          </a:p>
+          <a:p>
+            <a:pPr lvl="0" algn="l"/>
+            <a:r>
+              <a:rPr lang="en-US" altLang="zh-CN" dirty="0"/>
+              <a:t>	</a:t>
+            </a:r>
+            <a:r>
+              <a:rPr lang="en-US" altLang="zh-CN" dirty="0" smtClean="0"/>
+              <a:t>	-SSH</a:t>
+            </a:r>
+            <a:r>
+              <a:rPr lang="zh-CN" altLang="en-US" dirty="0" smtClean="0"/>
+              <a:t>实例化</a:t>
+            </a:r>
+            <a:endParaRPr lang="en-US" altLang="zh-CN" dirty="0" smtClean="0"/>
+          </a:p>
+          <a:p>
+            <a:pPr lvl="0" algn="l"/>
+            <a:r>
+              <a:rPr lang="en-US" altLang="zh-CN" dirty="0"/>
+              <a:t>	</a:t>
+            </a:r>
+            <a:r>
+              <a:rPr lang="en-US" altLang="zh-CN" dirty="0" smtClean="0"/>
+              <a:t>	-</a:t>
+            </a:r>
+            <a:r>
+              <a:rPr lang="zh-CN" altLang="en-US" dirty="0" smtClean="0"/>
+              <a:t>创建</a:t>
+            </a:r>
+            <a:r>
+              <a:rPr lang="en-US" altLang="zh-CN" dirty="0" smtClean="0"/>
+              <a:t>LOG</a:t>
+            </a:r>
+            <a:r>
+              <a:rPr lang="zh-CN" altLang="en-US" dirty="0" smtClean="0"/>
+              <a:t>对象</a:t>
+            </a:r>
+            <a:endParaRPr lang="en-US" altLang="zh-CN" dirty="0" smtClean="0"/>
+          </a:p>
+          <a:p>
+            <a:pPr lvl="0" algn="l"/>
+            <a:r>
+              <a:rPr lang="en-US" altLang="zh-CN" dirty="0"/>
+              <a:t>	</a:t>
+            </a:r>
+            <a:r>
+              <a:rPr lang="en-US" altLang="zh-CN" dirty="0" smtClean="0"/>
+              <a:t>	-</a:t>
+            </a:r>
+            <a:r>
+              <a:rPr lang="zh-CN" altLang="en-US" dirty="0" smtClean="0"/>
+              <a:t>全局变量载入</a:t>
+            </a:r>
+            <a:endParaRPr lang="en-US" altLang="zh-CN" dirty="0" smtClean="0"/>
+          </a:p>
+          <a:p>
+            <a:pPr lvl="0" algn="l"/>
+            <a:r>
+              <a:rPr lang="en-US" altLang="zh-CN" dirty="0"/>
+              <a:t>	</a:t>
+            </a:r>
+            <a:r>
+              <a:rPr lang="en-US" altLang="zh-CN" dirty="0" smtClean="0"/>
+              <a:t>	</a:t>
+            </a:r>
+            <a:r>
+              <a:rPr lang="zh-CN" altLang="en-US" dirty="0" smtClean="0"/>
+              <a:t>。。。</a:t>
+            </a:r>
+            <a:endParaRPr lang="en-US" altLang="zh-CN" dirty="0" smtClean="0"/>
+          </a:p>
+          <a:p>
+            <a:pPr lvl="0" algn="l"/>
+            <a:r>
+              <a:rPr lang="en-US" altLang="zh-CN" dirty="0" smtClean="0"/>
+              <a:t>	3. </a:t>
+            </a:r>
+            <a:r>
+              <a:rPr lang="en-US" altLang="zh-CN" dirty="0" err="1" smtClean="0"/>
+              <a:t>Common_methods</a:t>
+            </a:r>
+            <a:r>
+              <a:rPr lang="zh-CN" altLang="en-US" dirty="0" smtClean="0"/>
+              <a:t>类</a:t>
+            </a:r>
+            <a:r>
+              <a:rPr lang="zh-CN" altLang="zh-CN" dirty="0" smtClean="0"/>
+              <a:t>：一些可复用的方法， 需要慢慢累积， 用以减少用例的开发周期</a:t>
+            </a:r>
+            <a:r>
+              <a:rPr lang="zh-CN" altLang="en-US" dirty="0" smtClean="0"/>
+              <a:t>：</a:t>
+            </a:r>
+            <a:endParaRPr lang="en-US" altLang="zh-CN" dirty="0" smtClean="0"/>
+          </a:p>
+          <a:p>
+            <a:pPr lvl="0" algn="l"/>
+            <a:r>
+              <a:rPr lang="en-US" altLang="zh-CN" dirty="0"/>
+              <a:t>		-</a:t>
+            </a:r>
+            <a:r>
+              <a:rPr lang="en-US" altLang="zh-CN" dirty="0" err="1" smtClean="0"/>
+              <a:t>router_db_info</a:t>
+            </a:r>
+            <a:endParaRPr lang="en-US" altLang="zh-CN" dirty="0" smtClean="0"/>
+          </a:p>
+          <a:p>
+            <a:pPr lvl="0" algn="l"/>
+            <a:r>
+              <a:rPr lang="en-US" altLang="zh-CN" dirty="0"/>
+              <a:t>		-</a:t>
+            </a:r>
+            <a:r>
+              <a:rPr lang="en-US" altLang="zh-CN" dirty="0" err="1" smtClean="0"/>
+              <a:t>convert_to_dictstr</a:t>
+            </a:r>
+            <a:endParaRPr lang="en-US" altLang="zh-CN" dirty="0" smtClean="0"/>
+          </a:p>
+          <a:p>
+            <a:pPr lvl="0" algn="l"/>
+            <a:r>
+              <a:rPr lang="en-US" altLang="zh-CN" dirty="0"/>
+              <a:t>	</a:t>
+            </a:r>
+            <a:r>
+              <a:rPr lang="en-US" altLang="zh-CN" dirty="0" smtClean="0"/>
+              <a:t>	</a:t>
+            </a:r>
+            <a:r>
+              <a:rPr lang="zh-CN" altLang="en-US" dirty="0" smtClean="0"/>
+              <a:t>。。。</a:t>
+            </a:r>
+            <a:endParaRPr lang="zh-CN" altLang="zh-CN" dirty="0" smtClean="0"/>
+          </a:p>
+          <a:p>
+            <a:pPr lvl="0" algn="l"/>
+            <a:r>
+              <a:rPr lang="en-US" altLang="zh-CN" dirty="0"/>
+              <a:t>	4. Test</a:t>
+            </a:r>
+            <a:r>
+              <a:rPr lang="zh-CN" altLang="en-US" dirty="0" smtClean="0"/>
+              <a:t>类</a:t>
+            </a:r>
+            <a:r>
+              <a:rPr lang="zh-CN" altLang="zh-CN" dirty="0" smtClean="0"/>
+              <a:t>：</a:t>
+            </a:r>
+            <a:r>
+              <a:rPr lang="zh-CN" altLang="en-US" dirty="0" smtClean="0"/>
+              <a:t>由</a:t>
+            </a:r>
+            <a:r>
+              <a:rPr lang="zh-CN" altLang="zh-CN" dirty="0" smtClean="0"/>
+              <a:t>具体</a:t>
+            </a:r>
+            <a:r>
+              <a:rPr lang="zh-CN" altLang="zh-CN" dirty="0"/>
+              <a:t>的</a:t>
+            </a:r>
+            <a:r>
+              <a:rPr lang="zh-CN" altLang="zh-CN" dirty="0" smtClean="0"/>
+              <a:t>测试用例</a:t>
+            </a:r>
+            <a:r>
+              <a:rPr lang="zh-CN" altLang="en-US" dirty="0"/>
+              <a:t>提供</a:t>
+            </a:r>
+            <a:r>
+              <a:rPr lang="zh-CN" altLang="zh-CN" dirty="0" smtClean="0"/>
+              <a:t>， </a:t>
+            </a:r>
+            <a:r>
+              <a:rPr lang="zh-CN" altLang="zh-CN" dirty="0"/>
+              <a:t>需要实现</a:t>
+            </a:r>
+            <a:r>
+              <a:rPr lang="en-US" altLang="zh-CN" dirty="0"/>
+              <a:t>Framework</a:t>
+            </a:r>
+            <a:r>
+              <a:rPr lang="zh-CN" altLang="zh-CN" dirty="0"/>
+              <a:t>定义</a:t>
+            </a:r>
+            <a:r>
+              <a:rPr lang="zh-CN" altLang="zh-CN" dirty="0" smtClean="0"/>
+              <a:t>的</a:t>
+            </a:r>
+            <a:r>
+              <a:rPr lang="zh-CN" altLang="en-US" dirty="0" smtClean="0"/>
+              <a:t>接口：</a:t>
+            </a:r>
+            <a:endParaRPr lang="en-US" altLang="zh-CN" dirty="0" smtClean="0"/>
+          </a:p>
+          <a:p>
+            <a:pPr lvl="0" algn="l"/>
+            <a:r>
+              <a:rPr lang="en-US" altLang="zh-CN" dirty="0"/>
+              <a:t>		</a:t>
+            </a:r>
+            <a:r>
+              <a:rPr lang="en-US" altLang="zh-CN" dirty="0" smtClean="0"/>
+              <a:t>-run</a:t>
+            </a:r>
+          </a:p>
+          <a:p>
+            <a:pPr lvl="0" algn="l"/>
+            <a:r>
+              <a:rPr lang="en-US" altLang="zh-CN" dirty="0"/>
+              <a:t>	</a:t>
+            </a:r>
+            <a:r>
+              <a:rPr lang="en-US" altLang="zh-CN" dirty="0" smtClean="0"/>
+              <a:t>	-</a:t>
+            </a:r>
+            <a:r>
+              <a:rPr lang="en-US" altLang="zh-CN" dirty="0" err="1" smtClean="0"/>
+              <a:t>common_config</a:t>
+            </a:r>
+            <a:r>
+              <a:rPr lang="en-US" altLang="zh-CN" dirty="0" smtClean="0"/>
+              <a:t>(if need)</a:t>
+            </a:r>
+          </a:p>
+          <a:p>
+            <a:pPr lvl="0" algn="l"/>
+            <a:r>
+              <a:rPr lang="en-US" altLang="zh-CN" dirty="0"/>
+              <a:t>	</a:t>
+            </a:r>
+            <a:r>
+              <a:rPr lang="en-US" altLang="zh-CN" dirty="0" smtClean="0"/>
+              <a:t>	-</a:t>
+            </a:r>
+            <a:r>
+              <a:rPr lang="en-US" altLang="zh-CN" dirty="0" err="1" smtClean="0"/>
+              <a:t>common_clean_up</a:t>
+            </a:r>
+            <a:r>
+              <a:rPr lang="en-US" altLang="zh-CN" dirty="0" smtClean="0"/>
+              <a:t>(if need)</a:t>
+            </a:r>
+            <a:endParaRPr lang="zh-CN" altLang="zh-CN" dirty="0"/>
+          </a:p>
+          <a:p>
+            <a:pPr algn="l"/>
+            <a:endParaRPr lang="en-US" altLang="zh-CN" dirty="0"/>
+          </a:p>
+          <a:p>
+            <a:pPr algn="l"/>
+            <a:endParaRPr lang="en-US" altLang="zh-CN" dirty="0"/>
+          </a:p>
+        </p:txBody>
+      </p:sp>
+      <p:sp>
+        <p:nvSpPr>
+          <p:cNvPr id="6" name="标题 1"/>
+          <p:cNvSpPr>
+            <a:spLocks noGrp="1"/>
+          </p:cNvSpPr>
+          <p:nvPr>
+            <p:ph type="ctrTitle"/>
+          </p:nvPr>
+        </p:nvSpPr>
+        <p:spPr>
+          <a:xfrm>
+            <a:off x="1223845" y="0"/>
+            <a:ext cx="7766936" cy="929469"/>
+          </a:xfrm>
+        </p:spPr>
+        <p:txBody>
+          <a:bodyPr/>
+          <a:lstStyle/>
+          <a:p>
+            <a:pPr algn="ctr"/>
+            <a:r>
+              <a:rPr lang="en-US" altLang="zh-CN" dirty="0">
+                <a:solidFill>
+                  <a:srgbClr val="00B050"/>
+                </a:solidFill>
+              </a:rPr>
+              <a:t>ATS</a:t>
+            </a:r>
+            <a:r>
+              <a:rPr lang="zh-CN" altLang="en-US" dirty="0" smtClean="0">
+                <a:solidFill>
+                  <a:srgbClr val="00B050"/>
+                </a:solidFill>
+              </a:rPr>
+              <a:t>简介（</a:t>
+            </a:r>
+            <a:r>
+              <a:rPr lang="zh-CN" altLang="en-US" sz="1100" dirty="0">
+                <a:solidFill>
+                  <a:srgbClr val="0070C0"/>
+                </a:solidFill>
+              </a:rPr>
+              <a:t>作为自动化测试</a:t>
+            </a:r>
+            <a:r>
+              <a:rPr lang="zh-CN" altLang="en-US" sz="1100" dirty="0" smtClean="0">
+                <a:solidFill>
+                  <a:srgbClr val="0070C0"/>
+                </a:solidFill>
+              </a:rPr>
+              <a:t>框架二</a:t>
+            </a:r>
+            <a:r>
+              <a:rPr lang="zh-CN" altLang="en-US" dirty="0" smtClean="0">
+                <a:solidFill>
+                  <a:srgbClr val="00B050"/>
+                </a:solidFill>
+              </a:rPr>
+              <a:t>）</a:t>
+            </a:r>
+            <a:endParaRPr lang="en-US" altLang="zh-CN" dirty="0">
+              <a:solidFill>
+                <a:srgbClr val="00B050"/>
+              </a:solidFill>
+            </a:endParaRPr>
+          </a:p>
+        </p:txBody>
+      </p:sp>
+    </p:spTree>
+    <p:extLst>
+      <p:ext uri="{BB962C8B-B14F-4D97-AF65-F5344CB8AC3E}">
+        <p14:creationId xmlns:p14="http://schemas.microsoft.com/office/powerpoint/2010/main" val="2716050660"/>
+      </p:ext>
+    </p:extLst>
+  </p:cSld>
+  <p:clrMapOvr>
+    <a:masterClrMapping/>
+  </p:clrMapOvr>
+  <p:timing>
+    <p:tnLst>
+      <p:par>
+        <p:cTn id="1" dur="indefinite" restart="never" nodeType="tmRoot"/>
+      </p:par>
+    </p:tnLst>
+  </p:timing>
+</p:sld>
+</file>
+
+<file path=ppt/slides/slide5.xml><?xml version="1.0" encoding="utf-8"?>
 <p:sld xmlns:a="http://schemas.openxmlformats.org/drawingml/2006/main" xmlns:r="http://schemas.openxmlformats.org/officeDocument/2006/relationships" xmlns:p="http://schemas.openxmlformats.org/presentationml/2006/main">
   <p:cSld>
     <p:spTree>
@@ -6340,8 +10619,8 @@
         </p:nvSpPr>
         <p:spPr>
           <a:xfrm>
-            <a:off x="-214931" y="-64396"/>
-            <a:ext cx="2167425" cy="646331"/>
+            <a:off x="726632" y="-49646"/>
+            <a:ext cx="6005941" cy="523220"/>
           </a:xfrm>
           <a:prstGeom prst="rect">
             <a:avLst/>
@@ -6355,32 +10634,36 @@
           <a:lstStyle/>
           <a:p>
             <a:r>
-              <a:rPr lang="zh-CN" altLang="en-US" sz="2800" b="1" dirty="0" smtClean="0"/>
-              <a:t> </a:t>
-            </a:r>
-            <a:r>
-              <a:rPr lang="zh-CN" altLang="en-US" sz="3600" b="1" dirty="0" smtClean="0">
-                <a:effectLst>
-                  <a:outerShdw blurRad="38100" dist="38100" dir="2700000" algn="tl">
-                    <a:srgbClr val="000000">
-                      <a:alpha val="43137"/>
-                    </a:srgbClr>
-                  </a:outerShdw>
-                </a:effectLst>
-              </a:rPr>
-              <a:t>工作</a:t>
-            </a:r>
-            <a:r>
-              <a:rPr lang="zh-CN" altLang="en-US" sz="3600" b="1" dirty="0" smtClean="0">
-                <a:effectLst>
-                  <a:outerShdw blurRad="38100" dist="38100" dir="2700000" algn="tl">
-                    <a:srgbClr val="000000">
-                      <a:alpha val="43137"/>
-                    </a:srgbClr>
-                  </a:outerShdw>
-                </a:effectLst>
-              </a:rPr>
-              <a:t>流程</a:t>
+              <a:rPr lang="en-US" altLang="zh-CN" sz="2800" dirty="0" smtClean="0">
+                <a:solidFill>
+                  <a:srgbClr val="0070C0"/>
+                </a:solidFill>
+              </a:rPr>
+              <a:t>ATS</a:t>
+            </a:r>
+            <a:r>
+              <a:rPr lang="zh-CN" altLang="en-US" sz="2800" dirty="0" smtClean="0">
+                <a:solidFill>
+                  <a:srgbClr val="0070C0"/>
+                </a:solidFill>
+              </a:rPr>
+              <a:t>作为</a:t>
+            </a:r>
+            <a:r>
+              <a:rPr lang="zh-CN" altLang="en-US" sz="2800" dirty="0">
+                <a:solidFill>
+                  <a:srgbClr val="0070C0"/>
+                </a:solidFill>
+              </a:rPr>
+              <a:t>自动化测试</a:t>
+            </a:r>
+            <a:r>
+              <a:rPr lang="zh-CN" altLang="en-US" sz="2800" dirty="0" smtClean="0">
+                <a:solidFill>
+                  <a:srgbClr val="0070C0"/>
+                </a:solidFill>
+              </a:rPr>
+              <a:t>框架工作示意图：</a:t>
             </a:r>
             <a:endParaRPr lang="zh-CN" altLang="en-US" sz="3600" b="1" dirty="0">
               <a:effectLst>
@@ -6769,14 +11052,7 @@
                 <a:latin typeface="宋体" panose="02010600030101010101" pitchFamily="2" charset="-122"/>
                 <a:ea typeface="宋体" panose="02010600030101010101" pitchFamily="2" charset="-122"/>
               </a:rPr>
-              <a:t>Case </a:t>
-            </a:r>
-            <a:r>
-              <a:rPr lang="en-US" altLang="zh-CN" sz="2000" b="1" dirty="0" smtClean="0">
-                <a:latin typeface="宋体" panose="02010600030101010101" pitchFamily="2" charset="-122"/>
-                <a:ea typeface="宋体" panose="02010600030101010101" pitchFamily="2" charset="-122"/>
-              </a:rPr>
-              <a:t>3</a:t>
+              <a:t>Case 3</a:t>
             </a:r>
             <a:endParaRPr lang="zh-CN" altLang="en-US" sz="2000" b="1" dirty="0">
               <a:latin typeface="宋体" panose="02010600030101010101" pitchFamily="2" charset="-122"/>
@@ -7073,6 +11349,11 @@
           <a:prstGeom prst="roundRect">
             <a:avLst/>
           </a:prstGeom>
+          <a:solidFill>
+            <a:schemeClr val="accent4">
+              <a:lumMod val="75000"/>
+            </a:schemeClr>
+          </a:solidFill>
         </p:spPr>
         <p:style>
           <a:lnRef idx="2">
@@ -7217,10 +11498,17 @@
   <p:clrMapOvr>
     <a:masterClrMapping/>
   </p:clrMapOvr>
+  <p:timing>
+    <p:tnLst>
+      <p:par>
+        <p:cTn id="1" dur="indefinite" restart="never" nodeType="tmRoot"/>
+      </p:par>
+    </p:tnLst>
+  </p:timing>
 </p:sld>
 </file>
 
-<file path=ppt/slides/slide3.xml><?xml version="1.0" encoding="utf-8"?>
+<file path=ppt/slides/slide6.xml><?xml version="1.0" encoding="utf-8"?>
 <p:sld xmlns:a="http://schemas.openxmlformats.org/drawingml/2006/main" xmlns:r="http://schemas.openxmlformats.org/officeDocument/2006/relationships" xmlns:p="http://schemas.openxmlformats.org/presentationml/2006/main">
   <p:cSld>
     <p:spTree>
@@ -7237,47 +11525,6 @@
           <a:chExt cx="0" cy="0"/>
         </a:xfrm>
       </p:grpSpPr>
-      <p:sp>
-        <p:nvSpPr>
-          <p:cNvPr id="43" name="文本框 42"/>
-          <p:cNvSpPr txBox="1"/>
-          <p:nvPr/>
-        </p:nvSpPr>
-        <p:spPr>
-          <a:xfrm>
-            <a:off x="937191" y="338780"/>
-            <a:ext cx="3529412" cy="646331"/>
-          </a:xfrm>
-          <a:prstGeom prst="rect">
-            <a:avLst/>
-          </a:prstGeom>
-          <a:noFill/>
-        </p:spPr>
-        <p:txBody>
-          <a:bodyPr wrap="square" rtlCol="0">
-            <a:spAutoFit/>
-          </a:bodyPr>
-          <a:lstStyle/>
-          <a:p>
-            <a:r>
-              <a:rPr lang="zh-CN" altLang="en-US" sz="2800" b="1" dirty="0" smtClean="0"/>
-              <a:t> </a:t>
-            </a:r>
-            <a:r>
-              <a:rPr lang="zh-CN" altLang="en-US" sz="3600" b="1" dirty="0">
-                <a:effectLst>
-                  <a:outerShdw blurRad="38100" dist="38100" dir="2700000" algn="tl">
-                    <a:srgbClr val="000000">
-                      <a:alpha val="43137"/>
-                    </a:srgbClr>
-                  </a:outerShdw>
-                </a:effectLst>
-              </a:rPr>
-              <a:t>代码结构</a:t>
-            </a:r>
-          </a:p>
-        </p:txBody>
-      </p:sp>
       <p:sp>
         <p:nvSpPr>
           <p:cNvPr id="46" name="流程图: 可选过程 45"/>
@@ -7352,14 +11599,14 @@
           <a:p>
             <a:pPr algn="ctr"/>
             <a:r>
-              <a:rPr lang="en-US" altLang="zh-CN" sz="2000" b="1" dirty="0">
+              <a:rPr lang="en-US" altLang="zh-CN" sz="2000" b="1" dirty="0" smtClean="0">
                 <a:solidFill>
                   <a:schemeClr val="tx1"/>
                 </a:solidFill>
                 <a:latin typeface="宋体" panose="02010600030101010101" pitchFamily="2" charset="-122"/>
                 <a:ea typeface="宋体" panose="02010600030101010101" pitchFamily="2" charset="-122"/>
               </a:rPr>
-              <a:t>framework</a:t>
+              <a:t>Framework.py</a:t>
             </a:r>
             <a:endParaRPr lang="zh-CN" altLang="en-US" sz="2000" b="1" dirty="0">
               <a:solidFill>
@@ -7452,7 +11699,7 @@
                 <a:latin typeface="宋体" panose="02010600030101010101" pitchFamily="2" charset="-122"/>
                 <a:ea typeface="宋体" panose="02010600030101010101" pitchFamily="2" charset="-122"/>
               </a:rPr>
-              <a:t>base</a:t>
+              <a:t>Base.py</a:t>
             </a:r>
             <a:endParaRPr lang="zh-CN" altLang="en-US" sz="2000" b="1" dirty="0">
               <a:solidFill>
@@ -7538,16 +11785,16 @@
           <a:p>
             <a:pPr algn="ctr"/>
             <a:r>
-              <a:rPr lang="en-US" altLang="zh-CN" sz="2000" b="1" dirty="0" smtClean="0">
+              <a:rPr lang="en-US" altLang="zh-CN" sz="1600" b="1" dirty="0" smtClean="0">
                 <a:solidFill>
                   <a:schemeClr val="tx1"/>
                 </a:solidFill>
                 <a:latin typeface="宋体" panose="02010600030101010101" pitchFamily="2" charset="-122"/>
                 <a:ea typeface="宋体" panose="02010600030101010101" pitchFamily="2" charset="-122"/>
               </a:rPr>
-              <a:t>Common methods</a:t>
-            </a:r>
-            <a:endParaRPr lang="zh-CN" altLang="en-US" sz="2000" b="1" dirty="0">
+              <a:t>Common_methods.py</a:t>
+            </a:r>
+            <a:endParaRPr lang="zh-CN" altLang="en-US" sz="1600" b="1" dirty="0">
               <a:solidFill>
                 <a:schemeClr val="tx1"/>
               </a:solidFill>
@@ -7565,7 +11812,7 @@
         </p:nvSpPr>
         <p:spPr>
           <a:xfrm>
-            <a:off x="1058127" y="4547264"/>
+            <a:off x="1058127" y="4586605"/>
             <a:ext cx="2110811" cy="638620"/>
           </a:xfrm>
           <a:prstGeom prst="flowChartAlternateProcess">
@@ -7631,16 +11878,16 @@
           <a:p>
             <a:pPr algn="ctr"/>
             <a:r>
-              <a:rPr lang="en-US" altLang="zh-CN" sz="2000" b="1" dirty="0" smtClean="0">
+              <a:rPr lang="en-US" altLang="zh-CN" sz="1100" b="1" dirty="0" smtClean="0">
                 <a:solidFill>
                   <a:schemeClr val="tx1"/>
                 </a:solidFill>
                 <a:latin typeface="宋体" panose="02010600030101010101" pitchFamily="2" charset="-122"/>
                 <a:ea typeface="宋体" panose="02010600030101010101" pitchFamily="2" charset="-122"/>
               </a:rPr>
-              <a:t>case</a:t>
-            </a:r>
-            <a:endParaRPr lang="zh-CN" altLang="en-US" sz="2000" b="1" dirty="0">
+              <a:t>Ats_12345678_name_test.py</a:t>
+            </a:r>
+            <a:endParaRPr lang="zh-CN" altLang="en-US" sz="1100" b="1" dirty="0">
               <a:solidFill>
                 <a:schemeClr val="tx1"/>
               </a:solidFill>
@@ -7658,8 +11905,8 @@
         </p:nvSpPr>
         <p:spPr>
           <a:xfrm>
-            <a:off x="6434147" y="2432714"/>
-            <a:ext cx="2295525" cy="2753170"/>
+            <a:off x="6434147" y="3244906"/>
+            <a:ext cx="2295525" cy="1259659"/>
           </a:xfrm>
           <a:prstGeom prst="roundRect">
             <a:avLst/>
@@ -7740,8 +11987,8 @@
         </p:nvSpPr>
         <p:spPr>
           <a:xfrm>
-            <a:off x="6624648" y="3879892"/>
-            <a:ext cx="930133" cy="986682"/>
+            <a:off x="4149738" y="5522575"/>
+            <a:ext cx="1403395" cy="986682"/>
           </a:xfrm>
           <a:prstGeom prst="roundRect">
             <a:avLst/>
@@ -7769,24 +12016,14 @@
           <a:p>
             <a:pPr algn="ctr"/>
             <a:r>
-              <a:rPr lang="en-US" altLang="zh-CN" sz="2000" b="1" dirty="0">
+              <a:rPr lang="en-US" altLang="zh-CN" sz="2000" b="1" dirty="0" smtClean="0">
                 <a:solidFill>
                   <a:schemeClr val="tx1"/>
                 </a:solidFill>
                 <a:latin typeface="宋体" panose="02010600030101010101" pitchFamily="2" charset="-122"/>
                 <a:ea typeface="宋体" panose="02010600030101010101" pitchFamily="2" charset="-122"/>
               </a:rPr>
-              <a:t>S</a:t>
-            </a:r>
-            <a:r>
-              <a:rPr lang="en-US" altLang="zh-CN" sz="2000" b="1" dirty="0" smtClean="0">
-                <a:solidFill>
-                  <a:schemeClr val="tx1"/>
-                </a:solidFill>
-                <a:latin typeface="宋体" panose="02010600030101010101" pitchFamily="2" charset="-122"/>
-                <a:ea typeface="宋体" panose="02010600030101010101" pitchFamily="2" charset="-122"/>
-              </a:rPr>
-              <a:t>uite</a:t>
+              <a:t>Suite.py</a:t>
             </a:r>
             <a:endParaRPr lang="zh-CN" altLang="en-US" sz="2000" b="1" dirty="0">
               <a:solidFill>
@@ -7806,8 +12043,8 @@
         </p:nvSpPr>
         <p:spPr>
           <a:xfrm>
-            <a:off x="7675290" y="3879892"/>
-            <a:ext cx="911508" cy="986682"/>
+            <a:off x="4255990" y="1434958"/>
+            <a:ext cx="1190890" cy="986682"/>
           </a:xfrm>
           <a:prstGeom prst="roundRect">
             <a:avLst/>
@@ -7839,24 +12076,14 @@
           <a:p>
             <a:pPr algn="ctr"/>
             <a:r>
-              <a:rPr lang="en-US" altLang="zh-CN" sz="2000" b="1" dirty="0">
+              <a:rPr lang="en-US" altLang="zh-CN" sz="2000" b="1" dirty="0" smtClean="0">
                 <a:solidFill>
                   <a:schemeClr val="tx1"/>
                 </a:solidFill>
                 <a:latin typeface="宋体" panose="02010600030101010101" pitchFamily="2" charset="-122"/>
                 <a:ea typeface="宋体" panose="02010600030101010101" pitchFamily="2" charset="-122"/>
               </a:rPr>
-              <a:t>C</a:t>
-            </a:r>
-            <a:r>
-              <a:rPr lang="en-US" altLang="zh-CN" sz="2000" b="1" dirty="0" smtClean="0">
-                <a:solidFill>
-                  <a:schemeClr val="tx1"/>
-                </a:solidFill>
-                <a:latin typeface="宋体" panose="02010600030101010101" pitchFamily="2" charset="-122"/>
-                <a:ea typeface="宋体" panose="02010600030101010101" pitchFamily="2" charset="-122"/>
-              </a:rPr>
-              <a:t>ase</a:t>
+              <a:t>Case.py</a:t>
             </a:r>
             <a:endParaRPr lang="zh-CN" altLang="en-US" sz="2000" b="1" dirty="0">
               <a:solidFill>
@@ -7876,7 +12103,7 @@
         </p:nvSpPr>
         <p:spPr>
           <a:xfrm>
-            <a:off x="7029460" y="3141927"/>
+            <a:off x="7017552" y="3661319"/>
             <a:ext cx="1128713" cy="400110"/>
           </a:xfrm>
           <a:prstGeom prst="rect">
@@ -7896,7 +12123,7 @@
                 <a:latin typeface="宋体" panose="02010600030101010101" pitchFamily="2" charset="-122"/>
                 <a:ea typeface="宋体" panose="02010600030101010101" pitchFamily="2" charset="-122"/>
               </a:rPr>
-              <a:t>CLI</a:t>
+              <a:t>CLI.py</a:t>
             </a:r>
             <a:endParaRPr lang="zh-CN" altLang="en-US" sz="2000" b="1" dirty="0">
               <a:latin typeface="宋体" panose="02010600030101010101" pitchFamily="2" charset="-122"/>
@@ -8005,8 +12232,8 @@
         </p:nvSpPr>
         <p:spPr>
           <a:xfrm>
-            <a:off x="4116305" y="3184626"/>
-            <a:ext cx="1470266" cy="1462251"/>
+            <a:off x="4048744" y="3152808"/>
+            <a:ext cx="1605381" cy="1531007"/>
           </a:xfrm>
           <a:prstGeom prst="flowChartConnector">
             <a:avLst/>
@@ -8034,15 +12261,190 @@
           <a:p>
             <a:pPr algn="ctr"/>
             <a:r>
-              <a:rPr lang="en-US" altLang="zh-CN" sz="2000" b="1" dirty="0">
+              <a:rPr lang="en-US" altLang="zh-CN" b="1" dirty="0">
                 <a:solidFill>
                   <a:schemeClr val="tx1"/>
                 </a:solidFill>
                 <a:latin typeface="宋体" panose="02010600030101010101" pitchFamily="2" charset="-122"/>
                 <a:ea typeface="宋体" panose="02010600030101010101" pitchFamily="2" charset="-122"/>
               </a:rPr>
-              <a:t>Common APIs</a:t>
-            </a:r>
+              <a:t>Common </a:t>
+            </a:r>
+            <a:r>
+              <a:rPr lang="en-US" altLang="zh-CN" b="1" dirty="0" smtClean="0">
+                <a:solidFill>
+                  <a:schemeClr val="tx1"/>
+                </a:solidFill>
+                <a:latin typeface="宋体" panose="02010600030101010101" pitchFamily="2" charset="-122"/>
+                <a:ea typeface="宋体" panose="02010600030101010101" pitchFamily="2" charset="-122"/>
+              </a:rPr>
+              <a:t>APIs.py &amp; modules</a:t>
+            </a:r>
+            <a:endParaRPr lang="en-US" altLang="zh-CN" b="1" dirty="0">
+              <a:solidFill>
+                <a:schemeClr val="tx1"/>
+              </a:solidFill>
+              <a:latin typeface="宋体" panose="02010600030101010101" pitchFamily="2" charset="-122"/>
+              <a:ea typeface="宋体" panose="02010600030101010101" pitchFamily="2" charset="-122"/>
+            </a:endParaRPr>
+          </a:p>
+        </p:txBody>
+      </p:sp>
+      <p:sp>
+        <p:nvSpPr>
+          <p:cNvPr id="14" name="左右箭头 13"/>
+          <p:cNvSpPr/>
+          <p:nvPr/>
+        </p:nvSpPr>
+        <p:spPr>
+          <a:xfrm rot="5400000">
+            <a:off x="4589499" y="2600682"/>
+            <a:ext cx="523875" cy="362009"/>
+          </a:xfrm>
+          <a:prstGeom prst="leftRightArrow">
+            <a:avLst/>
+          </a:prstGeom>
+        </p:spPr>
+        <p:style>
+          <a:lnRef idx="2">
+            <a:schemeClr val="accent1">
+              <a:shade val="50000"/>
+            </a:schemeClr>
+          </a:lnRef>
+          <a:fillRef idx="1">
+            <a:schemeClr val="accent1"/>
+          </a:fillRef>
+          <a:effectRef idx="0">
+            <a:schemeClr val="accent1"/>
+          </a:effectRef>
+          <a:fontRef idx="minor">
+            <a:schemeClr val="lt1"/>
+          </a:fontRef>
+        </p:style>
+        <p:txBody>
+          <a:bodyPr rtlCol="0" anchor="ctr"/>
+          <a:lstStyle/>
+          <a:p>
+            <a:pPr algn="ctr"/>
+            <a:endParaRPr lang="zh-CN" altLang="en-US" sz="2000" b="1">
+              <a:solidFill>
+                <a:schemeClr val="tx1"/>
+              </a:solidFill>
+              <a:latin typeface="宋体" panose="02010600030101010101" pitchFamily="2" charset="-122"/>
+              <a:ea typeface="宋体" panose="02010600030101010101" pitchFamily="2" charset="-122"/>
+            </a:endParaRPr>
+          </a:p>
+        </p:txBody>
+      </p:sp>
+      <p:sp>
+        <p:nvSpPr>
+          <p:cNvPr id="15" name="左右箭头 14"/>
+          <p:cNvSpPr/>
+          <p:nvPr/>
+        </p:nvSpPr>
+        <p:spPr>
+          <a:xfrm rot="5400000">
+            <a:off x="4589499" y="4818755"/>
+            <a:ext cx="523875" cy="362009"/>
+          </a:xfrm>
+          <a:prstGeom prst="leftRightArrow">
+            <a:avLst/>
+          </a:prstGeom>
+        </p:spPr>
+        <p:style>
+          <a:lnRef idx="2">
+            <a:schemeClr val="accent1">
+              <a:shade val="50000"/>
+            </a:schemeClr>
+          </a:lnRef>
+          <a:fillRef idx="1">
+            <a:schemeClr val="accent1"/>
+          </a:fillRef>
+          <a:effectRef idx="0">
+            <a:schemeClr val="accent1"/>
+          </a:effectRef>
+          <a:fontRef idx="minor">
+            <a:schemeClr val="lt1"/>
+          </a:fontRef>
+        </p:style>
+        <p:txBody>
+          <a:bodyPr rtlCol="0" anchor="ctr"/>
+          <a:lstStyle/>
+          <a:p>
+            <a:pPr algn="ctr"/>
+            <a:endParaRPr lang="zh-CN" altLang="en-US" sz="2000" b="1">
+              <a:solidFill>
+                <a:schemeClr val="tx1"/>
+              </a:solidFill>
+              <a:latin typeface="宋体" panose="02010600030101010101" pitchFamily="2" charset="-122"/>
+              <a:ea typeface="宋体" panose="02010600030101010101" pitchFamily="2" charset="-122"/>
+            </a:endParaRPr>
+          </a:p>
+        </p:txBody>
+      </p:sp>
+      <p:sp>
+        <p:nvSpPr>
+          <p:cNvPr id="16" name="文本框 15"/>
+          <p:cNvSpPr txBox="1"/>
+          <p:nvPr/>
+        </p:nvSpPr>
+        <p:spPr>
+          <a:xfrm>
+            <a:off x="726632" y="-49646"/>
+            <a:ext cx="6005941" cy="523220"/>
+          </a:xfrm>
+          <a:prstGeom prst="rect">
+            <a:avLst/>
+          </a:prstGeom>
+          <a:noFill/>
+        </p:spPr>
+        <p:txBody>
+          <a:bodyPr wrap="square" rtlCol="0">
+            <a:spAutoFit/>
+          </a:bodyPr>
+          <a:lstStyle/>
+          <a:p>
+            <a:r>
+              <a:rPr lang="en-US" altLang="zh-CN" sz="2800" dirty="0" smtClean="0">
+                <a:solidFill>
+                  <a:srgbClr val="0070C0"/>
+                </a:solidFill>
+              </a:rPr>
+              <a:t>ATS</a:t>
+            </a:r>
+            <a:r>
+              <a:rPr lang="zh-CN" altLang="en-US" sz="2800" dirty="0" smtClean="0">
+                <a:solidFill>
+                  <a:srgbClr val="0070C0"/>
+                </a:solidFill>
+              </a:rPr>
+              <a:t>作为</a:t>
+            </a:r>
+            <a:r>
+              <a:rPr lang="zh-CN" altLang="en-US" sz="2800" dirty="0">
+                <a:solidFill>
+                  <a:srgbClr val="0070C0"/>
+                </a:solidFill>
+              </a:rPr>
+              <a:t>自动化测试</a:t>
+            </a:r>
+            <a:r>
+              <a:rPr lang="zh-CN" altLang="en-US" sz="2800" dirty="0" smtClean="0">
+                <a:solidFill>
+                  <a:srgbClr val="0070C0"/>
+                </a:solidFill>
+              </a:rPr>
+              <a:t>框架代码结构：</a:t>
+            </a:r>
+            <a:endParaRPr lang="zh-CN" altLang="en-US" sz="3600" b="1" dirty="0">
+              <a:effectLst>
+                <a:outerShdw blurRad="38100" dist="38100" dir="2700000" algn="tl">
+                  <a:srgbClr val="000000">
+                    <a:alpha val="43137"/>
+                  </a:srgbClr>
+                </a:outerShdw>
+              </a:effectLst>
+            </a:endParaRPr>
           </a:p>
         </p:txBody>
       </p:sp>
@@ -8056,6 +12458,1101 @@
   <p:clrMapOvr>
     <a:masterClrMapping/>
   </p:clrMapOvr>
+  <p:timing>
+    <p:tnLst>
+      <p:par>
+        <p:cTn id="1" dur="indefinite" restart="never" nodeType="tmRoot"/>
+      </p:par>
+    </p:tnLst>
+  </p:timing>
+</p:sld>
+</file>
+
+<file path=ppt/slides/slide7.xml><?xml version="1.0" encoding="utf-8"?>
+<p:sld xmlns:a="http://schemas.openxmlformats.org/drawingml/2006/main" xmlns:r="http://schemas.openxmlformats.org/officeDocument/2006/relationships" xmlns:p="http://schemas.openxmlformats.org/presentationml/2006/main">
+  <p:cSld>
+    <p:spTree>
+      <p:nvGrpSpPr>
+        <p:cNvPr id="1" name=""/>
+        <p:cNvGrpSpPr/>
+        <p:nvPr/>
+      </p:nvGrpSpPr>
+      <p:grpSpPr>
+        <a:xfrm>
+          <a:off x="0" y="0"/>
+          <a:ext cx="0" cy="0"/>
+          <a:chOff x="0" y="0"/>
+          <a:chExt cx="0" cy="0"/>
+        </a:xfrm>
+      </p:grpSpPr>
+      <p:sp>
+        <p:nvSpPr>
+          <p:cNvPr id="4" name="副标题 3"/>
+          <p:cNvSpPr>
+            <a:spLocks noGrp="1"/>
+          </p:cNvSpPr>
+          <p:nvPr>
+            <p:ph type="subTitle" idx="1"/>
+          </p:nvPr>
+        </p:nvSpPr>
+        <p:spPr>
+          <a:xfrm>
+            <a:off x="752558" y="929469"/>
+            <a:ext cx="8763675" cy="5714092"/>
+          </a:xfrm>
+        </p:spPr>
+        <p:txBody>
+          <a:bodyPr>
+            <a:normAutofit fontScale="85000" lnSpcReduction="20000"/>
+          </a:bodyPr>
+          <a:lstStyle/>
+          <a:p>
+            <a:pPr algn="l"/>
+            <a:r>
+              <a:rPr lang="zh-CN" altLang="zh-CN" dirty="0" smtClean="0"/>
+              <a:t>‘</a:t>
+            </a:r>
+            <a:r>
+              <a:rPr lang="en-US" altLang="zh-CN" dirty="0" err="1">
+                <a:solidFill>
+                  <a:srgbClr val="0070C0"/>
+                </a:solidFill>
+              </a:rPr>
+              <a:t>ats</a:t>
+            </a:r>
+            <a:r>
+              <a:rPr lang="en-US" altLang="zh-CN" dirty="0">
+                <a:solidFill>
+                  <a:srgbClr val="0070C0"/>
+                </a:solidFill>
+              </a:rPr>
+              <a:t>_</a:t>
+            </a:r>
+            <a:r>
+              <a:rPr lang="zh-CN" altLang="zh-CN" dirty="0"/>
+              <a:t>’</a:t>
+            </a:r>
+            <a:r>
+              <a:rPr lang="en-US" altLang="zh-CN" dirty="0"/>
+              <a:t> + </a:t>
+            </a:r>
+            <a:r>
+              <a:rPr lang="en-US" altLang="zh-CN" dirty="0">
+                <a:solidFill>
+                  <a:srgbClr val="00B050"/>
+                </a:solidFill>
+              </a:rPr>
+              <a:t>8</a:t>
+            </a:r>
+            <a:r>
+              <a:rPr lang="zh-CN" altLang="zh-CN" dirty="0">
+                <a:solidFill>
+                  <a:srgbClr val="00B050"/>
+                </a:solidFill>
+              </a:rPr>
+              <a:t>位用例编号</a:t>
+            </a:r>
+            <a:r>
+              <a:rPr lang="en-US" altLang="zh-CN" dirty="0">
+                <a:solidFill>
+                  <a:srgbClr val="00B050"/>
+                </a:solidFill>
+              </a:rPr>
+              <a:t> </a:t>
+            </a:r>
+            <a:r>
+              <a:rPr lang="en-US" altLang="zh-CN" dirty="0"/>
+              <a:t>+ </a:t>
+            </a:r>
+            <a:r>
+              <a:rPr lang="zh-CN" altLang="zh-CN" dirty="0">
+                <a:solidFill>
+                  <a:schemeClr val="accent4">
+                    <a:lumMod val="75000"/>
+                  </a:schemeClr>
+                </a:solidFill>
+              </a:rPr>
+              <a:t>用例描述</a:t>
+            </a:r>
+            <a:r>
+              <a:rPr lang="en-US" altLang="zh-CN" dirty="0">
+                <a:solidFill>
+                  <a:schemeClr val="accent4">
+                    <a:lumMod val="75000"/>
+                  </a:schemeClr>
+                </a:solidFill>
+              </a:rPr>
+              <a:t> </a:t>
+            </a:r>
+            <a:r>
+              <a:rPr lang="en-US" altLang="zh-CN" dirty="0"/>
+              <a:t>+ </a:t>
+            </a:r>
+            <a:r>
+              <a:rPr lang="zh-CN" altLang="zh-CN" dirty="0"/>
+              <a:t>‘</a:t>
+            </a:r>
+            <a:r>
+              <a:rPr lang="en-US" altLang="zh-CN" dirty="0">
+                <a:solidFill>
+                  <a:srgbClr val="0070C0"/>
+                </a:solidFill>
+              </a:rPr>
+              <a:t>_test.py</a:t>
+            </a:r>
+            <a:r>
+              <a:rPr lang="zh-CN" altLang="zh-CN" dirty="0" smtClean="0"/>
+              <a:t>’</a:t>
+            </a:r>
+            <a:r>
+              <a:rPr lang="en-US" altLang="zh-CN" dirty="0" smtClean="0"/>
+              <a:t>:  </a:t>
+            </a:r>
+            <a:r>
+              <a:rPr lang="en-US" altLang="zh-CN" sz="1600" dirty="0" smtClean="0"/>
+              <a:t>ats_00081015_disk_storage_rw_7day_test.py</a:t>
+            </a:r>
+            <a:endParaRPr lang="zh-CN" altLang="zh-CN" sz="1600" dirty="0"/>
+          </a:p>
+          <a:p>
+            <a:pPr algn="l"/>
+            <a:r>
+              <a:rPr lang="en-US" altLang="zh-CN" dirty="0"/>
+              <a:t>1.</a:t>
+            </a:r>
+            <a:r>
+              <a:rPr lang="zh-CN" altLang="zh-CN" dirty="0"/>
+              <a:t>‘</a:t>
+            </a:r>
+            <a:r>
+              <a:rPr lang="en-US" altLang="zh-CN" dirty="0" err="1"/>
+              <a:t>ats</a:t>
+            </a:r>
+            <a:r>
+              <a:rPr lang="en-US" altLang="zh-CN" dirty="0"/>
+              <a:t>_</a:t>
+            </a:r>
+            <a:r>
+              <a:rPr lang="zh-CN" altLang="zh-CN" dirty="0"/>
+              <a:t>’与 ‘</a:t>
+            </a:r>
+            <a:r>
+              <a:rPr lang="en-US" altLang="zh-CN" dirty="0"/>
+              <a:t>_test.py</a:t>
+            </a:r>
+            <a:r>
+              <a:rPr lang="zh-CN" altLang="zh-CN" dirty="0"/>
+              <a:t>’为固定格式</a:t>
+            </a:r>
+          </a:p>
+          <a:p>
+            <a:pPr algn="l"/>
+            <a:r>
+              <a:rPr lang="en-US" altLang="zh-CN" dirty="0"/>
+              <a:t>2. 8</a:t>
+            </a:r>
+            <a:r>
+              <a:rPr lang="zh-CN" altLang="zh-CN" dirty="0"/>
+              <a:t>位用例编号：</a:t>
+            </a:r>
+          </a:p>
+          <a:p>
+            <a:pPr algn="l"/>
+            <a:r>
+              <a:rPr lang="en-US" altLang="zh-CN" dirty="0"/>
+              <a:t>    </a:t>
+            </a:r>
+            <a:r>
+              <a:rPr lang="zh-CN" altLang="zh-CN" dirty="0"/>
+              <a:t>前</a:t>
+            </a:r>
+            <a:r>
+              <a:rPr lang="en-US" altLang="zh-CN" dirty="0"/>
+              <a:t>4</a:t>
+            </a:r>
+            <a:r>
+              <a:rPr lang="zh-CN" altLang="zh-CN" dirty="0"/>
+              <a:t>位为功能模块编号</a:t>
+            </a:r>
+            <a:r>
+              <a:rPr lang="zh-CN" altLang="zh-CN" dirty="0" smtClean="0"/>
+              <a:t>，后</a:t>
+            </a:r>
+            <a:r>
+              <a:rPr lang="zh-CN" altLang="zh-CN" dirty="0"/>
+              <a:t>四位为用例编号。</a:t>
+            </a:r>
+          </a:p>
+          <a:p>
+            <a:pPr algn="l"/>
+            <a:r>
+              <a:rPr lang="en-US" altLang="zh-CN" dirty="0" smtClean="0"/>
+              <a:t>  2.1</a:t>
+            </a:r>
+            <a:r>
+              <a:rPr lang="zh-CN" altLang="zh-CN" dirty="0" smtClean="0"/>
+              <a:t>目前</a:t>
+            </a:r>
+            <a:r>
+              <a:rPr lang="zh-CN" altLang="zh-CN" dirty="0"/>
+              <a:t>已有的模块编号：</a:t>
+            </a:r>
+          </a:p>
+          <a:p>
+            <a:pPr algn="l"/>
+            <a:r>
+              <a:rPr lang="en-US" altLang="zh-CN" dirty="0" smtClean="0"/>
+              <a:t>  0000</a:t>
+            </a:r>
+            <a:r>
+              <a:rPr lang="zh-CN" altLang="zh-CN" dirty="0"/>
+              <a:t>：一些辅助测试脚本，被</a:t>
+            </a:r>
+            <a:r>
+              <a:rPr lang="en-US" altLang="zh-CN" dirty="0"/>
+              <a:t>ATS</a:t>
+            </a:r>
+            <a:r>
+              <a:rPr lang="zh-CN" altLang="zh-CN" dirty="0"/>
+              <a:t>管理，并不是测试用例</a:t>
+            </a:r>
+          </a:p>
+          <a:p>
+            <a:pPr algn="l"/>
+            <a:r>
+              <a:rPr lang="en-US" altLang="zh-CN" dirty="0" smtClean="0"/>
+              <a:t>  0001</a:t>
+            </a:r>
+            <a:r>
+              <a:rPr lang="zh-CN" altLang="zh-CN" dirty="0"/>
+              <a:t>：系统管理</a:t>
+            </a:r>
+          </a:p>
+          <a:p>
+            <a:pPr algn="l"/>
+            <a:r>
+              <a:rPr lang="en-US" altLang="zh-CN" dirty="0" smtClean="0"/>
+              <a:t>  0002</a:t>
+            </a:r>
+            <a:r>
+              <a:rPr lang="zh-CN" altLang="zh-CN" dirty="0"/>
+              <a:t>：设置</a:t>
+            </a:r>
+            <a:r>
+              <a:rPr lang="zh-CN" altLang="zh-CN" dirty="0" smtClean="0"/>
+              <a:t>向导</a:t>
+            </a:r>
+            <a:endParaRPr lang="en-US" altLang="zh-CN" dirty="0" smtClean="0"/>
+          </a:p>
+          <a:p>
+            <a:pPr algn="l"/>
+            <a:r>
+              <a:rPr lang="en-US" altLang="zh-CN" dirty="0" smtClean="0"/>
+              <a:t>……</a:t>
+            </a:r>
+            <a:endParaRPr lang="zh-CN" altLang="zh-CN" dirty="0"/>
+          </a:p>
+          <a:p>
+            <a:pPr algn="l"/>
+            <a:r>
+              <a:rPr lang="en-US" altLang="zh-CN" dirty="0" smtClean="0"/>
+              <a:t>  2.2</a:t>
+            </a:r>
+            <a:r>
+              <a:rPr lang="zh-CN" altLang="zh-CN" dirty="0" smtClean="0"/>
+              <a:t>用例</a:t>
+            </a:r>
+            <a:r>
+              <a:rPr lang="zh-CN" altLang="zh-CN" dirty="0"/>
+              <a:t>编号：</a:t>
+            </a:r>
+          </a:p>
+          <a:p>
+            <a:pPr algn="l"/>
+            <a:r>
+              <a:rPr lang="en-US" altLang="zh-CN" dirty="0" smtClean="0"/>
+              <a:t>  </a:t>
+            </a:r>
+            <a:r>
+              <a:rPr lang="zh-CN" altLang="zh-CN" dirty="0" smtClean="0"/>
+              <a:t>第</a:t>
+            </a:r>
+            <a:r>
+              <a:rPr lang="en-US" altLang="zh-CN" dirty="0"/>
+              <a:t>1</a:t>
+            </a:r>
+            <a:r>
+              <a:rPr lang="zh-CN" altLang="zh-CN" dirty="0"/>
+              <a:t>位为用例分组， 后</a:t>
+            </a:r>
+            <a:r>
+              <a:rPr lang="en-US" altLang="zh-CN" dirty="0"/>
+              <a:t>3</a:t>
+            </a:r>
+            <a:r>
+              <a:rPr lang="zh-CN" altLang="zh-CN" dirty="0"/>
+              <a:t>位用于用例编号。比如子设备操作模块的用例编号，第一位为</a:t>
+            </a:r>
+            <a:r>
+              <a:rPr lang="en-US" altLang="zh-CN" dirty="0"/>
+              <a:t>1</a:t>
+            </a:r>
+            <a:r>
+              <a:rPr lang="zh-CN" altLang="zh-CN" dirty="0"/>
+              <a:t>为硬件方式添加子设备， </a:t>
+            </a:r>
+            <a:r>
+              <a:rPr lang="en-US" altLang="zh-CN" dirty="0"/>
+              <a:t>2</a:t>
+            </a:r>
+            <a:r>
+              <a:rPr lang="zh-CN" altLang="zh-CN" dirty="0"/>
+              <a:t>为 软件方式添加子设备：</a:t>
+            </a:r>
+          </a:p>
+          <a:p>
+            <a:pPr algn="l"/>
+            <a:r>
+              <a:rPr lang="en-US" altLang="zh-CN" dirty="0"/>
+              <a:t>0005 1001</a:t>
+            </a:r>
+            <a:r>
+              <a:rPr lang="zh-CN" altLang="zh-CN" dirty="0"/>
+              <a:t>：硬件方式添加子设备的第</a:t>
+            </a:r>
+            <a:r>
+              <a:rPr lang="en-US" altLang="zh-CN" dirty="0"/>
+              <a:t>1</a:t>
+            </a:r>
+            <a:r>
+              <a:rPr lang="zh-CN" altLang="zh-CN" dirty="0"/>
+              <a:t>个用例</a:t>
+            </a:r>
+          </a:p>
+          <a:p>
+            <a:pPr algn="l"/>
+            <a:r>
+              <a:rPr lang="en-US" altLang="zh-CN" dirty="0"/>
+              <a:t>0005 1002</a:t>
+            </a:r>
+            <a:r>
+              <a:rPr lang="zh-CN" altLang="zh-CN" dirty="0"/>
+              <a:t>：硬件方式添加子设备的第</a:t>
+            </a:r>
+            <a:r>
+              <a:rPr lang="en-US" altLang="zh-CN" dirty="0"/>
+              <a:t>2</a:t>
+            </a:r>
+            <a:r>
+              <a:rPr lang="zh-CN" altLang="zh-CN" dirty="0"/>
+              <a:t>个</a:t>
+            </a:r>
+            <a:r>
+              <a:rPr lang="zh-CN" altLang="zh-CN" dirty="0" smtClean="0"/>
+              <a:t>用例</a:t>
+            </a:r>
+            <a:endParaRPr lang="en-US" altLang="zh-CN" dirty="0" smtClean="0"/>
+          </a:p>
+          <a:p>
+            <a:pPr algn="l"/>
+            <a:r>
+              <a:rPr lang="en-US" altLang="zh-CN" dirty="0"/>
+              <a:t>0005 2001</a:t>
+            </a:r>
+            <a:r>
+              <a:rPr lang="zh-CN" altLang="zh-CN" dirty="0"/>
+              <a:t>：软件方式添加子设备的第</a:t>
+            </a:r>
+            <a:r>
+              <a:rPr lang="en-US" altLang="zh-CN" dirty="0"/>
+              <a:t>1</a:t>
+            </a:r>
+            <a:r>
+              <a:rPr lang="zh-CN" altLang="zh-CN" dirty="0"/>
+              <a:t>个</a:t>
+            </a:r>
+            <a:r>
+              <a:rPr lang="zh-CN" altLang="zh-CN" dirty="0" smtClean="0"/>
+              <a:t>用例</a:t>
+            </a:r>
+            <a:endParaRPr lang="zh-CN" altLang="zh-CN" dirty="0"/>
+          </a:p>
+          <a:p>
+            <a:pPr algn="l"/>
+            <a:r>
+              <a:rPr lang="en-US" altLang="zh-CN" dirty="0"/>
+              <a:t>  </a:t>
+            </a:r>
+            <a:endParaRPr lang="zh-CN" altLang="zh-CN" dirty="0"/>
+          </a:p>
+          <a:p>
+            <a:pPr algn="l"/>
+            <a:r>
+              <a:rPr lang="en-US" altLang="zh-CN" dirty="0"/>
+              <a:t>3. </a:t>
+            </a:r>
+            <a:r>
+              <a:rPr lang="zh-CN" altLang="zh-CN" dirty="0"/>
+              <a:t>用例描述</a:t>
+            </a:r>
+          </a:p>
+          <a:p>
+            <a:pPr algn="l"/>
+            <a:r>
+              <a:rPr lang="en-US" altLang="zh-CN" dirty="0"/>
+              <a:t>    </a:t>
+            </a:r>
+            <a:r>
+              <a:rPr lang="zh-CN" altLang="zh-CN" dirty="0"/>
+              <a:t>简单的字符串描述下用例的功能，字符串需满足正则表达式‘</a:t>
+            </a:r>
+            <a:r>
+              <a:rPr lang="en-US" altLang="zh-CN" dirty="0"/>
+              <a:t>\w’</a:t>
+            </a:r>
+            <a:endParaRPr lang="zh-CN" altLang="zh-CN" dirty="0"/>
+          </a:p>
+          <a:p>
+            <a:pPr lvl="0" algn="l"/>
+            <a:endParaRPr lang="en-US" altLang="zh-CN" dirty="0"/>
+          </a:p>
+          <a:p>
+            <a:pPr algn="l"/>
+            <a:endParaRPr lang="en-US" altLang="zh-CN" dirty="0"/>
+          </a:p>
+        </p:txBody>
+      </p:sp>
+      <p:sp>
+        <p:nvSpPr>
+          <p:cNvPr id="6" name="标题 1"/>
+          <p:cNvSpPr>
+            <a:spLocks noGrp="1"/>
+          </p:cNvSpPr>
+          <p:nvPr>
+            <p:ph type="ctrTitle"/>
+          </p:nvPr>
+        </p:nvSpPr>
+        <p:spPr>
+          <a:xfrm>
+            <a:off x="1223845" y="0"/>
+            <a:ext cx="7766936" cy="695915"/>
+          </a:xfrm>
+        </p:spPr>
+        <p:txBody>
+          <a:bodyPr/>
+          <a:lstStyle/>
+          <a:p>
+            <a:pPr lvl="0" algn="ctr"/>
+            <a:r>
+              <a:rPr lang="en-US" altLang="zh-CN" sz="2400" dirty="0">
+                <a:solidFill>
+                  <a:srgbClr val="0070C0"/>
+                </a:solidFill>
+              </a:rPr>
+              <a:t>ATS</a:t>
+            </a:r>
+            <a:r>
+              <a:rPr lang="zh-CN" altLang="en-US" sz="2400" dirty="0">
+                <a:solidFill>
+                  <a:srgbClr val="0070C0"/>
+                </a:solidFill>
+              </a:rPr>
+              <a:t>作为自动化测试</a:t>
+            </a:r>
+            <a:r>
+              <a:rPr lang="zh-CN" altLang="en-US" sz="2400" dirty="0" smtClean="0">
+                <a:solidFill>
+                  <a:srgbClr val="0070C0"/>
+                </a:solidFill>
+              </a:rPr>
+              <a:t>框架</a:t>
+            </a:r>
+            <a:r>
+              <a:rPr lang="en-US" altLang="zh-CN" sz="2400" dirty="0" smtClean="0">
+                <a:solidFill>
+                  <a:srgbClr val="0070C0"/>
+                </a:solidFill>
+              </a:rPr>
+              <a:t>-</a:t>
+            </a:r>
+            <a:r>
+              <a:rPr lang="en-US" altLang="zh-CN" sz="2400" dirty="0">
+                <a:solidFill>
+                  <a:srgbClr val="0070C0"/>
+                </a:solidFill>
+              </a:rPr>
+              <a:t>ATS</a:t>
+            </a:r>
+            <a:r>
+              <a:rPr lang="zh-CN" altLang="zh-CN" sz="2400" dirty="0">
+                <a:solidFill>
+                  <a:srgbClr val="0070C0"/>
+                </a:solidFill>
+              </a:rPr>
+              <a:t>测试用例命名</a:t>
+            </a:r>
+            <a:r>
+              <a:rPr lang="zh-CN" altLang="zh-CN" sz="2400" dirty="0">
+                <a:solidFill>
+                  <a:srgbClr val="0070C0"/>
+                </a:solidFill>
+              </a:rPr>
+              <a:t>规则</a:t>
+            </a:r>
+            <a:endParaRPr lang="en-US" altLang="zh-CN" sz="2400" dirty="0">
+              <a:solidFill>
+                <a:srgbClr val="0070C0"/>
+              </a:solidFill>
+            </a:endParaRPr>
+          </a:p>
+        </p:txBody>
+      </p:sp>
+    </p:spTree>
+    <p:extLst>
+      <p:ext uri="{BB962C8B-B14F-4D97-AF65-F5344CB8AC3E}">
+        <p14:creationId xmlns:p14="http://schemas.microsoft.com/office/powerpoint/2010/main" val="1646423892"/>
+      </p:ext>
+    </p:extLst>
+  </p:cSld>
+  <p:clrMapOvr>
+    <a:masterClrMapping/>
+  </p:clrMapOvr>
+  <p:timing>
+    <p:tnLst>
+      <p:par>
+        <p:cTn id="1" dur="indefinite" restart="never" nodeType="tmRoot"/>
+      </p:par>
+    </p:tnLst>
+  </p:timing>
+</p:sld>
+</file>
+
+<file path=ppt/slides/slide8.xml><?xml version="1.0" encoding="utf-8"?>
+<p:sld xmlns:a="http://schemas.openxmlformats.org/drawingml/2006/main" xmlns:r="http://schemas.openxmlformats.org/officeDocument/2006/relationships" xmlns:p="http://schemas.openxmlformats.org/presentationml/2006/main">
+  <p:cSld>
+    <p:spTree>
+      <p:nvGrpSpPr>
+        <p:cNvPr id="1" name=""/>
+        <p:cNvGrpSpPr/>
+        <p:nvPr/>
+      </p:nvGrpSpPr>
+      <p:grpSpPr>
+        <a:xfrm>
+          <a:off x="0" y="0"/>
+          <a:ext cx="0" cy="0"/>
+          <a:chOff x="0" y="0"/>
+          <a:chExt cx="0" cy="0"/>
+        </a:xfrm>
+      </p:grpSpPr>
+      <p:sp>
+        <p:nvSpPr>
+          <p:cNvPr id="4" name="副标题 3"/>
+          <p:cNvSpPr>
+            <a:spLocks noGrp="1"/>
+          </p:cNvSpPr>
+          <p:nvPr>
+            <p:ph type="subTitle" idx="1"/>
+          </p:nvPr>
+        </p:nvSpPr>
+        <p:spPr>
+          <a:xfrm>
+            <a:off x="752558" y="728283"/>
+            <a:ext cx="8763675" cy="5915278"/>
+          </a:xfrm>
+        </p:spPr>
+        <p:txBody>
+          <a:bodyPr>
+            <a:normAutofit fontScale="25000" lnSpcReduction="20000"/>
+          </a:bodyPr>
+          <a:lstStyle/>
+          <a:p>
+            <a:pPr lvl="0" algn="l"/>
+            <a:endParaRPr lang="en-US" altLang="zh-CN" dirty="0"/>
+          </a:p>
+          <a:p>
+            <a:pPr algn="l"/>
+            <a:r>
+              <a:rPr lang="en-US" altLang="zh-CN" sz="8000" dirty="0" smtClean="0">
+                <a:solidFill>
+                  <a:srgbClr val="0070C0"/>
+                </a:solidFill>
+              </a:rPr>
+              <a:t>config.ini:</a:t>
+            </a:r>
+            <a:endParaRPr lang="en-US" altLang="zh-CN" sz="8000" dirty="0">
+              <a:solidFill>
+                <a:srgbClr val="0070C0"/>
+              </a:solidFill>
+            </a:endParaRPr>
+          </a:p>
+          <a:p>
+            <a:pPr algn="l"/>
+            <a:r>
+              <a:rPr lang="en-US" altLang="zh-CN" sz="4800" dirty="0" smtClean="0"/>
+              <a:t>[</a:t>
+            </a:r>
+            <a:r>
+              <a:rPr lang="en-US" altLang="zh-CN" sz="4800" dirty="0"/>
+              <a:t>system]</a:t>
+            </a:r>
+          </a:p>
+          <a:p>
+            <a:pPr algn="l"/>
+            <a:r>
+              <a:rPr lang="en-US" altLang="zh-CN" sz="4800" dirty="0"/>
+              <a:t>#ATS</a:t>
+            </a:r>
+            <a:r>
+              <a:rPr lang="zh-CN" altLang="en-US" sz="4800" dirty="0"/>
+              <a:t>系统所在目录</a:t>
+            </a:r>
+          </a:p>
+          <a:p>
+            <a:pPr algn="l"/>
+            <a:r>
+              <a:rPr lang="en-US" altLang="zh-CN" sz="4800" dirty="0" err="1"/>
+              <a:t>ats_dir</a:t>
+            </a:r>
+            <a:r>
+              <a:rPr lang="en-US" altLang="zh-CN" sz="4800" dirty="0"/>
+              <a:t> = C:\ATS\</a:t>
+            </a:r>
+          </a:p>
+          <a:p>
+            <a:pPr algn="l"/>
+            <a:endParaRPr lang="en-US" altLang="zh-CN" sz="4800" dirty="0"/>
+          </a:p>
+          <a:p>
+            <a:pPr algn="l"/>
+            <a:r>
+              <a:rPr lang="en-US" altLang="zh-CN" sz="4800" dirty="0"/>
+              <a:t>#</a:t>
+            </a:r>
+            <a:r>
+              <a:rPr lang="zh-CN" altLang="en-US" sz="4800" dirty="0"/>
+              <a:t>用例所在目录</a:t>
+            </a:r>
+          </a:p>
+          <a:p>
+            <a:pPr algn="l"/>
+            <a:r>
+              <a:rPr lang="en-US" altLang="zh-CN" sz="4800" dirty="0" err="1"/>
+              <a:t>case_dir</a:t>
+            </a:r>
+            <a:r>
+              <a:rPr lang="en-US" altLang="zh-CN" sz="4800" dirty="0"/>
+              <a:t> = C:\ATS\testcases\</a:t>
+            </a:r>
+          </a:p>
+          <a:p>
+            <a:pPr algn="l"/>
+            <a:endParaRPr lang="en-US" altLang="zh-CN" sz="4800" dirty="0"/>
+          </a:p>
+          <a:p>
+            <a:pPr algn="l"/>
+            <a:r>
+              <a:rPr lang="en-US" altLang="zh-CN" sz="4800" dirty="0"/>
+              <a:t>#</a:t>
+            </a:r>
+            <a:r>
+              <a:rPr lang="zh-CN" altLang="en-US" sz="4800" dirty="0"/>
+              <a:t>日志及报告目录</a:t>
+            </a:r>
+          </a:p>
+          <a:p>
+            <a:pPr algn="l"/>
+            <a:r>
+              <a:rPr lang="en-US" altLang="zh-CN" sz="4800" dirty="0" err="1"/>
+              <a:t>result_dir</a:t>
+            </a:r>
+            <a:r>
+              <a:rPr lang="en-US" altLang="zh-CN" sz="4800" dirty="0"/>
+              <a:t> = C:\ATS\testcases\ats_result\</a:t>
+            </a:r>
+          </a:p>
+          <a:p>
+            <a:pPr algn="l"/>
+            <a:endParaRPr lang="en-US" altLang="zh-CN" sz="4800" dirty="0"/>
+          </a:p>
+          <a:p>
+            <a:pPr algn="l"/>
+            <a:r>
+              <a:rPr lang="en-US" altLang="zh-CN" sz="4800" dirty="0"/>
+              <a:t>[serial]</a:t>
+            </a:r>
+          </a:p>
+          <a:p>
+            <a:pPr algn="l"/>
+            <a:r>
+              <a:rPr lang="en-US" altLang="zh-CN" sz="4800" dirty="0"/>
+              <a:t>#</a:t>
+            </a:r>
+            <a:r>
+              <a:rPr lang="zh-CN" altLang="en-US" sz="4800" dirty="0"/>
+              <a:t>串口名字：</a:t>
+            </a:r>
+            <a:r>
+              <a:rPr lang="en-US" altLang="zh-CN" sz="4800" dirty="0"/>
+              <a:t>COM1/COM2</a:t>
+            </a:r>
+            <a:r>
+              <a:rPr lang="zh-CN" altLang="en-US" sz="4800" dirty="0"/>
+              <a:t>， 配置成</a:t>
+            </a:r>
+            <a:r>
+              <a:rPr lang="en-US" altLang="zh-CN" sz="4800" dirty="0"/>
+              <a:t>any</a:t>
+            </a:r>
+            <a:r>
+              <a:rPr lang="zh-CN" altLang="en-US" sz="4800" dirty="0"/>
+              <a:t>会自动选第一个可用的</a:t>
+            </a:r>
+          </a:p>
+          <a:p>
+            <a:pPr algn="l"/>
+            <a:r>
+              <a:rPr lang="en-US" altLang="zh-CN" sz="4800" dirty="0"/>
+              <a:t>port = any</a:t>
+            </a:r>
+          </a:p>
+          <a:p>
+            <a:pPr algn="l"/>
+            <a:r>
+              <a:rPr lang="en-US" altLang="zh-CN" sz="4800" dirty="0" err="1"/>
+              <a:t>baudrate</a:t>
+            </a:r>
+            <a:r>
+              <a:rPr lang="en-US" altLang="zh-CN" sz="4800" dirty="0"/>
+              <a:t> = 115200</a:t>
+            </a:r>
+          </a:p>
+          <a:p>
+            <a:pPr algn="l"/>
+            <a:endParaRPr lang="en-US" altLang="zh-CN" sz="4800" dirty="0"/>
+          </a:p>
+          <a:p>
+            <a:pPr algn="l"/>
+            <a:r>
+              <a:rPr lang="en-US" altLang="zh-CN" sz="4800" dirty="0"/>
+              <a:t>[network]</a:t>
+            </a:r>
+          </a:p>
+          <a:p>
+            <a:pPr algn="l"/>
+            <a:r>
+              <a:rPr lang="en-US" altLang="zh-CN" sz="4800" dirty="0"/>
+              <a:t>#</a:t>
+            </a:r>
+            <a:r>
+              <a:rPr lang="zh-CN" altLang="en-US" sz="4800" dirty="0"/>
+              <a:t>智能路由器</a:t>
+            </a:r>
+            <a:r>
+              <a:rPr lang="en-US" altLang="zh-CN" sz="4800" dirty="0"/>
+              <a:t>IP</a:t>
+            </a:r>
+          </a:p>
+          <a:p>
+            <a:pPr algn="l"/>
+            <a:r>
+              <a:rPr lang="en-US" altLang="zh-CN" sz="4800" dirty="0"/>
+              <a:t>host = </a:t>
+            </a:r>
+            <a:r>
+              <a:rPr lang="en-US" altLang="zh-CN" sz="4800" dirty="0" smtClean="0"/>
+              <a:t>192.168.10.1</a:t>
+            </a:r>
+            <a:endParaRPr lang="en-US" altLang="zh-CN" sz="4800" dirty="0"/>
+          </a:p>
+        </p:txBody>
+      </p:sp>
+      <p:sp>
+        <p:nvSpPr>
+          <p:cNvPr id="6" name="标题 1"/>
+          <p:cNvSpPr>
+            <a:spLocks noGrp="1"/>
+          </p:cNvSpPr>
+          <p:nvPr>
+            <p:ph type="ctrTitle"/>
+          </p:nvPr>
+        </p:nvSpPr>
+        <p:spPr>
+          <a:xfrm>
+            <a:off x="1223845" y="1"/>
+            <a:ext cx="7766936" cy="558350"/>
+          </a:xfrm>
+        </p:spPr>
+        <p:txBody>
+          <a:bodyPr/>
+          <a:lstStyle/>
+          <a:p>
+            <a:pPr lvl="0" algn="ctr"/>
+            <a:r>
+              <a:rPr lang="en-US" altLang="zh-CN" sz="2400" dirty="0">
+                <a:solidFill>
+                  <a:srgbClr val="0070C0"/>
+                </a:solidFill>
+              </a:rPr>
+              <a:t>ATS</a:t>
+            </a:r>
+            <a:r>
+              <a:rPr lang="zh-CN" altLang="en-US" sz="2400" dirty="0">
+                <a:solidFill>
+                  <a:srgbClr val="0070C0"/>
+                </a:solidFill>
+              </a:rPr>
+              <a:t>作为自动化</a:t>
+            </a:r>
+            <a:r>
+              <a:rPr lang="zh-CN" altLang="en-US" sz="2400" dirty="0">
+                <a:solidFill>
+                  <a:srgbClr val="0070C0"/>
+                </a:solidFill>
+              </a:rPr>
+              <a:t>测试</a:t>
+            </a:r>
+            <a:r>
+              <a:rPr lang="zh-CN" altLang="en-US" sz="2400" dirty="0">
+                <a:solidFill>
+                  <a:srgbClr val="0070C0"/>
+                </a:solidFill>
+              </a:rPr>
+              <a:t>框架</a:t>
+            </a:r>
+            <a:r>
+              <a:rPr lang="en-US" altLang="zh-CN" sz="2400" dirty="0">
+                <a:solidFill>
+                  <a:srgbClr val="0070C0"/>
+                </a:solidFill>
+              </a:rPr>
+              <a:t>-</a:t>
+            </a:r>
+            <a:r>
+              <a:rPr lang="zh-CN" altLang="en-US" sz="2400" dirty="0">
+                <a:solidFill>
+                  <a:srgbClr val="0070C0"/>
+                </a:solidFill>
+              </a:rPr>
+              <a:t>系统配置</a:t>
+            </a:r>
+            <a:endParaRPr lang="en-US" altLang="zh-CN" sz="2400" dirty="0">
+              <a:solidFill>
+                <a:srgbClr val="0070C0"/>
+              </a:solidFill>
+            </a:endParaRPr>
+          </a:p>
+        </p:txBody>
+      </p:sp>
+    </p:spTree>
+    <p:extLst>
+      <p:ext uri="{BB962C8B-B14F-4D97-AF65-F5344CB8AC3E}">
+        <p14:creationId xmlns:p14="http://schemas.microsoft.com/office/powerpoint/2010/main" val="4127261189"/>
+      </p:ext>
+    </p:extLst>
+  </p:cSld>
+  <p:clrMapOvr>
+    <a:masterClrMapping/>
+  </p:clrMapOvr>
+  <p:timing>
+    <p:tnLst>
+      <p:par>
+        <p:cTn id="1" dur="indefinite" restart="never" nodeType="tmRoot"/>
+      </p:par>
+    </p:tnLst>
+  </p:timing>
+</p:sld>
+</file>
+
+<file path=ppt/slides/slide9.xml><?xml version="1.0" encoding="utf-8"?>
+<p:sld xmlns:a="http://schemas.openxmlformats.org/drawingml/2006/main" xmlns:r="http://schemas.openxmlformats.org/officeDocument/2006/relationships" xmlns:p="http://schemas.openxmlformats.org/presentationml/2006/main">
+  <p:cSld>
+    <p:spTree>
+      <p:nvGrpSpPr>
+        <p:cNvPr id="1" name=""/>
+        <p:cNvGrpSpPr/>
+        <p:nvPr/>
+      </p:nvGrpSpPr>
+      <p:grpSpPr>
+        <a:xfrm>
+          <a:off x="0" y="0"/>
+          <a:ext cx="0" cy="0"/>
+          <a:chOff x="0" y="0"/>
+          <a:chExt cx="0" cy="0"/>
+        </a:xfrm>
+      </p:grpSpPr>
+      <p:sp>
+        <p:nvSpPr>
+          <p:cNvPr id="4" name="副标题 3"/>
+          <p:cNvSpPr>
+            <a:spLocks noGrp="1"/>
+          </p:cNvSpPr>
+          <p:nvPr>
+            <p:ph type="subTitle" idx="1"/>
+          </p:nvPr>
+        </p:nvSpPr>
+        <p:spPr>
+          <a:xfrm>
+            <a:off x="752558" y="728283"/>
+            <a:ext cx="8763675" cy="5915278"/>
+          </a:xfrm>
+        </p:spPr>
+        <p:txBody>
+          <a:bodyPr>
+            <a:normAutofit/>
+          </a:bodyPr>
+          <a:lstStyle/>
+          <a:p>
+            <a:pPr lvl="0" algn="l"/>
+            <a:r>
+              <a:rPr lang="en-US" altLang="zh-CN" sz="2400" dirty="0" smtClean="0">
+                <a:solidFill>
+                  <a:srgbClr val="00B050"/>
+                </a:solidFill>
+              </a:rPr>
+              <a:t>1.</a:t>
+            </a:r>
+            <a:r>
+              <a:rPr lang="zh-CN" altLang="en-US" sz="2400" dirty="0" smtClean="0">
+                <a:solidFill>
+                  <a:srgbClr val="00B050"/>
+                </a:solidFill>
+              </a:rPr>
+              <a:t>运行系统</a:t>
+            </a:r>
+            <a:endParaRPr lang="en-US" altLang="zh-CN" sz="2400" dirty="0" smtClean="0">
+              <a:solidFill>
+                <a:srgbClr val="00B050"/>
+              </a:solidFill>
+            </a:endParaRPr>
+          </a:p>
+          <a:p>
+            <a:pPr lvl="0" algn="l"/>
+            <a:endParaRPr lang="en-US" altLang="zh-CN" sz="2400" dirty="0">
+              <a:solidFill>
+                <a:srgbClr val="00B050"/>
+              </a:solidFill>
+            </a:endParaRPr>
+          </a:p>
+        </p:txBody>
+      </p:sp>
+      <p:sp>
+        <p:nvSpPr>
+          <p:cNvPr id="6" name="标题 1"/>
+          <p:cNvSpPr>
+            <a:spLocks noGrp="1"/>
+          </p:cNvSpPr>
+          <p:nvPr>
+            <p:ph type="ctrTitle"/>
+          </p:nvPr>
+        </p:nvSpPr>
+        <p:spPr>
+          <a:xfrm>
+            <a:off x="1223845" y="1"/>
+            <a:ext cx="7766936" cy="558350"/>
+          </a:xfrm>
+        </p:spPr>
+        <p:txBody>
+          <a:bodyPr/>
+          <a:lstStyle/>
+          <a:p>
+            <a:pPr lvl="0" algn="ctr"/>
+            <a:r>
+              <a:rPr lang="en-US" altLang="zh-CN" sz="2400" dirty="0">
+                <a:solidFill>
+                  <a:srgbClr val="0070C0"/>
+                </a:solidFill>
+              </a:rPr>
+              <a:t>ATS</a:t>
+            </a:r>
+            <a:r>
+              <a:rPr lang="zh-CN" altLang="en-US" sz="2400" dirty="0">
+                <a:solidFill>
+                  <a:srgbClr val="0070C0"/>
+                </a:solidFill>
+              </a:rPr>
+              <a:t>作为自动化</a:t>
+            </a:r>
+            <a:r>
+              <a:rPr lang="zh-CN" altLang="en-US" sz="2400" dirty="0">
+                <a:solidFill>
+                  <a:srgbClr val="0070C0"/>
+                </a:solidFill>
+              </a:rPr>
+              <a:t>测试</a:t>
+            </a:r>
+            <a:r>
+              <a:rPr lang="zh-CN" altLang="en-US" sz="2400" dirty="0">
+                <a:solidFill>
+                  <a:srgbClr val="0070C0"/>
+                </a:solidFill>
+              </a:rPr>
+              <a:t>框架</a:t>
+            </a:r>
+            <a:r>
+              <a:rPr lang="en-US" altLang="zh-CN" sz="2400" dirty="0" smtClean="0">
+                <a:solidFill>
+                  <a:srgbClr val="0070C0"/>
+                </a:solidFill>
+              </a:rPr>
+              <a:t>-</a:t>
+            </a:r>
+            <a:r>
+              <a:rPr lang="zh-CN" altLang="en-US" sz="2400" dirty="0" smtClean="0">
+                <a:solidFill>
+                  <a:srgbClr val="0070C0"/>
+                </a:solidFill>
+              </a:rPr>
+              <a:t>使用方法</a:t>
+            </a:r>
+            <a:endParaRPr lang="en-US" altLang="zh-CN" sz="2400" dirty="0">
+              <a:solidFill>
+                <a:srgbClr val="0070C0"/>
+              </a:solidFill>
+            </a:endParaRPr>
+          </a:p>
+        </p:txBody>
+      </p:sp>
+      <p:pic>
+        <p:nvPicPr>
+          <p:cNvPr id="2" name="图片 1"/>
+          <p:cNvPicPr>
+            <a:picLocks noChangeAspect="1"/>
+          </p:cNvPicPr>
+          <p:nvPr/>
+        </p:nvPicPr>
+        <p:blipFill>
+          <a:blip r:embed="rId2"/>
+          <a:stretch>
+            <a:fillRect/>
+          </a:stretch>
+        </p:blipFill>
+        <p:spPr>
+          <a:xfrm>
+            <a:off x="878111" y="1231379"/>
+            <a:ext cx="7134225" cy="4376402"/>
+          </a:xfrm>
+          <a:prstGeom prst="rect">
+            <a:avLst/>
+          </a:prstGeom>
+        </p:spPr>
+      </p:pic>
+    </p:spTree>
+    <p:extLst>
+      <p:ext uri="{BB962C8B-B14F-4D97-AF65-F5344CB8AC3E}">
+        <p14:creationId xmlns:p14="http://schemas.microsoft.com/office/powerpoint/2010/main" val="3390131029"/>
+      </p:ext>
+    </p:extLst>
+  </p:cSld>
+  <p:clrMapOvr>
+    <a:masterClrMapping/>
+  </p:clrMapOvr>
+  <p:timing>
+    <p:tnLst>
+      <p:par>
+        <p:cTn id="1" dur="indefinite" restart="never" nodeType="tmRoot"/>
+      </p:par>
+    </p:tnLst>
+  </p:timing>
 </p:sld>
 </file>
 
